--- a/BlackMail.pptx
+++ b/BlackMail.pptx
@@ -19,6 +19,16 @@
     <p:sldId id="268" r:id="rId13"/>
     <p:sldId id="269" r:id="rId14"/>
     <p:sldId id="270" r:id="rId15"/>
+    <p:sldId id="271" r:id="rId16"/>
+    <p:sldId id="272" r:id="rId17"/>
+    <p:sldId id="273" r:id="rId18"/>
+    <p:sldId id="274" r:id="rId19"/>
+    <p:sldId id="275" r:id="rId20"/>
+    <p:sldId id="276" r:id="rId21"/>
+    <p:sldId id="277" r:id="rId22"/>
+    <p:sldId id="278" r:id="rId23"/>
+    <p:sldId id="279" r:id="rId24"/>
+    <p:sldId id="280" r:id="rId25"/>
   </p:sldIdLst>
   <p:sldSz cx="12192000" cy="6858000"/>
   <p:notesSz cx="6858000" cy="9144000"/>
@@ -117,6 +127,11 @@
       </a:defRPr>
     </a:lvl9pPr>
   </p:defaultTextStyle>
+  <p:extLst>
+    <p:ext uri="{EFAFB233-063F-42B5-8137-9DF3F51BA10A}">
+      <p15:sldGuideLst xmlns:p15="http://schemas.microsoft.com/office/powerpoint/2012/main"/>
+    </p:ext>
+  </p:extLst>
 </p:presentation>
 </file>
 
@@ -306,7 +321,7 @@
           <a:p>
             <a:fld id="{4AAD347D-5ACD-4C99-B74B-A9C85AD731AF}" type="datetimeFigureOut">
               <a:rPr lang="en-US" dirty="0"/>
-              <a:t>6/19/2015</a:t>
+              <a:t>6/21/2015</a:t>
             </a:fld>
             <a:endParaRPr lang="en-US" dirty="0"/>
           </a:p>
@@ -576,7 +591,7 @@
           <a:p>
             <a:fld id="{4509A250-FF31-4206-8172-F9D3106AACB1}" type="datetimeFigureOut">
               <a:rPr lang="en-US" dirty="0"/>
-              <a:t>6/19/2015</a:t>
+              <a:t>6/21/2015</a:t>
             </a:fld>
             <a:endParaRPr lang="en-US" dirty="0"/>
           </a:p>
@@ -765,7 +780,7 @@
           <a:p>
             <a:fld id="{4509A250-FF31-4206-8172-F9D3106AACB1}" type="datetimeFigureOut">
               <a:rPr lang="en-US" dirty="0"/>
-              <a:t>6/19/2015</a:t>
+              <a:t>6/21/2015</a:t>
             </a:fld>
             <a:endParaRPr lang="en-US" dirty="0"/>
           </a:p>
@@ -1033,7 +1048,7 @@
           <a:p>
             <a:fld id="{4509A250-FF31-4206-8172-F9D3106AACB1}" type="datetimeFigureOut">
               <a:rPr lang="en-US" dirty="0"/>
-              <a:t>6/19/2015</a:t>
+              <a:t>6/21/2015</a:t>
             </a:fld>
             <a:endParaRPr lang="en-US" dirty="0"/>
           </a:p>
@@ -1369,7 +1384,7 @@
           <a:p>
             <a:fld id="{4509A250-FF31-4206-8172-F9D3106AACB1}" type="datetimeFigureOut">
               <a:rPr lang="en-US" dirty="0"/>
-              <a:t>6/19/2015</a:t>
+              <a:t>6/21/2015</a:t>
             </a:fld>
             <a:endParaRPr lang="en-US" dirty="0"/>
           </a:p>
@@ -1987,7 +2002,7 @@
           <a:p>
             <a:fld id="{4509A250-FF31-4206-8172-F9D3106AACB1}" type="datetimeFigureOut">
               <a:rPr lang="en-US" dirty="0"/>
-              <a:t>6/19/2015</a:t>
+              <a:t>6/21/2015</a:t>
             </a:fld>
             <a:endParaRPr lang="en-US" dirty="0"/>
           </a:p>
@@ -2842,7 +2857,7 @@
           <a:p>
             <a:fld id="{4509A250-FF31-4206-8172-F9D3106AACB1}" type="datetimeFigureOut">
               <a:rPr lang="en-US" dirty="0"/>
-              <a:t>6/19/2015</a:t>
+              <a:t>6/21/2015</a:t>
             </a:fld>
             <a:endParaRPr lang="en-US" dirty="0"/>
           </a:p>
@@ -3007,7 +3022,7 @@
           <a:p>
             <a:fld id="{4509A250-FF31-4206-8172-F9D3106AACB1}" type="datetimeFigureOut">
               <a:rPr lang="en-US" dirty="0"/>
-              <a:t>6/19/2015</a:t>
+              <a:t>6/21/2015</a:t>
             </a:fld>
             <a:endParaRPr lang="en-US" dirty="0"/>
           </a:p>
@@ -3182,7 +3197,7 @@
           <a:p>
             <a:fld id="{4509A250-FF31-4206-8172-F9D3106AACB1}" type="datetimeFigureOut">
               <a:rPr lang="en-US" dirty="0"/>
-              <a:t>6/19/2015</a:t>
+              <a:t>6/21/2015</a:t>
             </a:fld>
             <a:endParaRPr lang="en-US" dirty="0"/>
           </a:p>
@@ -3347,7 +3362,7 @@
           <a:p>
             <a:fld id="{4509A250-FF31-4206-8172-F9D3106AACB1}" type="datetimeFigureOut">
               <a:rPr lang="en-US" dirty="0"/>
-              <a:t>6/19/2015</a:t>
+              <a:t>6/21/2015</a:t>
             </a:fld>
             <a:endParaRPr lang="en-US" dirty="0"/>
           </a:p>
@@ -3589,7 +3604,7 @@
           <a:p>
             <a:fld id="{9796027F-7875-4030-9381-8BD8C4F21935}" type="datetimeFigureOut">
               <a:rPr lang="en-US" dirty="0"/>
-              <a:t>6/19/2015</a:t>
+              <a:t>6/21/2015</a:t>
             </a:fld>
             <a:endParaRPr lang="en-US" dirty="0"/>
           </a:p>
@@ -3876,7 +3891,7 @@
           <a:p>
             <a:fld id="{9796027F-7875-4030-9381-8BD8C4F21935}" type="datetimeFigureOut">
               <a:rPr lang="en-US" dirty="0"/>
-              <a:t>6/19/2015</a:t>
+              <a:t>6/21/2015</a:t>
             </a:fld>
             <a:endParaRPr lang="en-US" dirty="0"/>
           </a:p>
@@ -4315,7 +4330,7 @@
           <a:p>
             <a:fld id="{9796027F-7875-4030-9381-8BD8C4F21935}" type="datetimeFigureOut">
               <a:rPr lang="en-US" dirty="0"/>
-              <a:t>6/19/2015</a:t>
+              <a:t>6/21/2015</a:t>
             </a:fld>
             <a:endParaRPr lang="en-US" dirty="0"/>
           </a:p>
@@ -4428,7 +4443,7 @@
           <a:p>
             <a:fld id="{4509A250-FF31-4206-8172-F9D3106AACB1}" type="datetimeFigureOut">
               <a:rPr lang="en-US" dirty="0"/>
-              <a:t>6/19/2015</a:t>
+              <a:t>6/21/2015</a:t>
             </a:fld>
             <a:endParaRPr lang="en-US" dirty="0"/>
           </a:p>
@@ -4518,7 +4533,7 @@
           <a:p>
             <a:fld id="{4509A250-FF31-4206-8172-F9D3106AACB1}" type="datetimeFigureOut">
               <a:rPr lang="en-US" dirty="0"/>
-              <a:t>6/19/2015</a:t>
+              <a:t>6/21/2015</a:t>
             </a:fld>
             <a:endParaRPr lang="en-US" dirty="0"/>
           </a:p>
@@ -4792,7 +4807,7 @@
           <a:p>
             <a:fld id="{4509A250-FF31-4206-8172-F9D3106AACB1}" type="datetimeFigureOut">
               <a:rPr lang="en-US" dirty="0"/>
-              <a:t>6/19/2015</a:t>
+              <a:t>6/21/2015</a:t>
             </a:fld>
             <a:endParaRPr lang="en-US" dirty="0"/>
           </a:p>
@@ -5062,7 +5077,7 @@
           <a:p>
             <a:fld id="{4509A250-FF31-4206-8172-F9D3106AACB1}" type="datetimeFigureOut">
               <a:rPr lang="en-US" dirty="0"/>
-              <a:t>6/19/2015</a:t>
+              <a:t>6/21/2015</a:t>
             </a:fld>
             <a:endParaRPr lang="en-US" dirty="0"/>
           </a:p>
@@ -5486,7 +5501,7 @@
           <a:p>
             <a:fld id="{4AAD347D-5ACD-4C99-B74B-A9C85AD731AF}" type="datetimeFigureOut">
               <a:rPr lang="en-US" dirty="0"/>
-              <a:t>6/19/2015</a:t>
+              <a:t>6/21/2015</a:t>
             </a:fld>
             <a:endParaRPr lang="en-US" dirty="0"/>
           </a:p>
@@ -8368,7 +8383,18 @@
             </a:r>
             <a:r>
               <a:rPr lang="es-ES" sz="2000" dirty="0"/>
-              <a:t>' para conseguir un rendimiento mejor. </a:t>
+              <a:t>' para conseguir un rendimiento mejor</a:t>
+            </a:r>
+            <a:r>
+              <a:rPr lang="es-ES" sz="2000" dirty="0" smtClean="0"/>
+              <a:t>.</a:t>
+            </a:r>
+          </a:p>
+          <a:p>
+            <a:pPr algn="just"/>
+            <a:r>
+              <a:rPr lang="es-ES" sz="2000" dirty="0" smtClean="0"/>
+              <a:t> </a:t>
             </a:r>
             <a:r>
               <a:rPr lang="es-ES" b="1" dirty="0" smtClean="0"/>
@@ -8385,6 +8411,3756 @@
     <p:extLst>
       <p:ext uri="{BB962C8B-B14F-4D97-AF65-F5344CB8AC3E}">
         <p14:creationId xmlns:p14="http://schemas.microsoft.com/office/powerpoint/2010/main" val="2488600837"/>
+      </p:ext>
+    </p:extLst>
+  </p:cSld>
+  <p:clrMapOvr>
+    <a:masterClrMapping/>
+  </p:clrMapOvr>
+</p:sld>
+</file>
+
+<file path=ppt/slides/slide15.xml><?xml version="1.0" encoding="utf-8"?>
+<p:sld xmlns:a="http://schemas.openxmlformats.org/drawingml/2006/main" xmlns:r="http://schemas.openxmlformats.org/officeDocument/2006/relationships" xmlns:p="http://schemas.openxmlformats.org/presentationml/2006/main">
+  <p:cSld>
+    <p:spTree>
+      <p:nvGrpSpPr>
+        <p:cNvPr id="1" name=""/>
+        <p:cNvGrpSpPr/>
+        <p:nvPr/>
+      </p:nvGrpSpPr>
+      <p:grpSpPr>
+        <a:xfrm>
+          <a:off x="0" y="0"/>
+          <a:ext cx="0" cy="0"/>
+          <a:chOff x="0" y="0"/>
+          <a:chExt cx="0" cy="0"/>
+        </a:xfrm>
+      </p:grpSpPr>
+      <p:sp>
+        <p:nvSpPr>
+          <p:cNvPr id="2" name="Title 1"/>
+          <p:cNvSpPr>
+            <a:spLocks noGrp="1"/>
+          </p:cNvSpPr>
+          <p:nvPr>
+            <p:ph type="title"/>
+          </p:nvPr>
+        </p:nvSpPr>
+        <p:spPr>
+          <a:xfrm>
+            <a:off x="646111" y="452718"/>
+            <a:ext cx="9404723" cy="782958"/>
+          </a:xfrm>
+        </p:spPr>
+        <p:txBody>
+          <a:bodyPr/>
+          <a:lstStyle/>
+          <a:p>
+            <a:r>
+              <a:rPr lang="es-ES" b="1" dirty="0" smtClean="0"/>
+              <a:t>Recursos de Gmail</a:t>
+            </a:r>
+            <a:endParaRPr lang="es-ES" b="1" dirty="0"/>
+          </a:p>
+        </p:txBody>
+      </p:sp>
+      <p:sp>
+        <p:nvSpPr>
+          <p:cNvPr id="3" name="Content Placeholder 2"/>
+          <p:cNvSpPr>
+            <a:spLocks noGrp="1"/>
+          </p:cNvSpPr>
+          <p:nvPr>
+            <p:ph idx="1"/>
+          </p:nvPr>
+        </p:nvSpPr>
+        <p:spPr>
+          <a:xfrm>
+            <a:off x="436605" y="1532238"/>
+            <a:ext cx="11071654" cy="4744994"/>
+          </a:xfrm>
+        </p:spPr>
+        <p:txBody>
+          <a:bodyPr>
+            <a:normAutofit/>
+          </a:bodyPr>
+          <a:lstStyle/>
+          <a:p>
+            <a:pPr marL="0" indent="0" algn="just">
+              <a:buNone/>
+            </a:pPr>
+            <a:r>
+              <a:rPr lang="es-ES" dirty="0" smtClean="0"/>
+              <a:t>L</a:t>
+            </a:r>
+            <a:r>
+              <a:rPr lang="es-ES" dirty="0"/>
+              <a:t>a API de Gmail tiene una serie de recursos de los cuales ofrece una serie de funciones tales como listar todos sus elementos, obtener un elemento concreto, eliminarlo, o modificarlo. A continuación veremos cuáles son estos recursos con los que podemos </a:t>
+            </a:r>
+            <a:r>
+              <a:rPr lang="es-ES" dirty="0" smtClean="0"/>
+              <a:t>trabajar.</a:t>
+            </a:r>
+          </a:p>
+          <a:p>
+            <a:pPr marL="0" indent="0" algn="just">
+              <a:buNone/>
+            </a:pPr>
+            <a:endParaRPr lang="es-ES" dirty="0"/>
+          </a:p>
+        </p:txBody>
+      </p:sp>
+      <p:sp>
+        <p:nvSpPr>
+          <p:cNvPr id="4" name="Content Placeholder 2"/>
+          <p:cNvSpPr txBox="1">
+            <a:spLocks/>
+          </p:cNvSpPr>
+          <p:nvPr/>
+        </p:nvSpPr>
+        <p:spPr>
+          <a:xfrm>
+            <a:off x="436605" y="3651059"/>
+            <a:ext cx="10492427" cy="822087"/>
+          </a:xfrm>
+          <a:prstGeom prst="rect">
+            <a:avLst/>
+          </a:prstGeom>
+        </p:spPr>
+        <p:txBody>
+          <a:bodyPr vert="horz" lIns="91440" tIns="45720" rIns="91440" bIns="45720" rtlCol="0">
+            <a:normAutofit/>
+          </a:bodyPr>
+          <a:lstStyle>
+            <a:lvl1pPr marL="342900" indent="-342900" algn="l" defTabSz="457200" rtl="0" eaLnBrk="1" latinLnBrk="0" hangingPunct="1">
+              <a:spcBef>
+                <a:spcPts val="1000"/>
+              </a:spcBef>
+              <a:spcAft>
+                <a:spcPts val="0"/>
+              </a:spcAft>
+              <a:buClr>
+                <a:schemeClr val="bg2">
+                  <a:lumMod val="40000"/>
+                  <a:lumOff val="60000"/>
+                </a:schemeClr>
+              </a:buClr>
+              <a:buSzPct val="80000"/>
+              <a:buFont typeface="Wingdings 3" charset="2"/>
+              <a:buChar char=""/>
+              <a:defRPr sz="2000" b="0" i="0" kern="1200">
+                <a:solidFill>
+                  <a:schemeClr val="tx1"/>
+                </a:solidFill>
+                <a:latin typeface="+mj-lt"/>
+                <a:ea typeface="+mj-ea"/>
+                <a:cs typeface="+mj-cs"/>
+              </a:defRPr>
+            </a:lvl1pPr>
+            <a:lvl2pPr marL="742950" indent="-285750" algn="l" defTabSz="457200" rtl="0" eaLnBrk="1" latinLnBrk="0" hangingPunct="1">
+              <a:spcBef>
+                <a:spcPts val="1000"/>
+              </a:spcBef>
+              <a:spcAft>
+                <a:spcPts val="0"/>
+              </a:spcAft>
+              <a:buClr>
+                <a:schemeClr val="bg2">
+                  <a:lumMod val="40000"/>
+                  <a:lumOff val="60000"/>
+                </a:schemeClr>
+              </a:buClr>
+              <a:buSzPct val="80000"/>
+              <a:buFont typeface="Wingdings 3" charset="2"/>
+              <a:buChar char=""/>
+              <a:defRPr sz="1800" b="0" i="0" kern="1200">
+                <a:solidFill>
+                  <a:schemeClr val="tx1"/>
+                </a:solidFill>
+                <a:latin typeface="+mj-lt"/>
+                <a:ea typeface="+mj-ea"/>
+                <a:cs typeface="+mj-cs"/>
+              </a:defRPr>
+            </a:lvl2pPr>
+            <a:lvl3pPr marL="1143000" indent="-228600" algn="l" defTabSz="457200" rtl="0" eaLnBrk="1" latinLnBrk="0" hangingPunct="1">
+              <a:spcBef>
+                <a:spcPts val="1000"/>
+              </a:spcBef>
+              <a:spcAft>
+                <a:spcPts val="0"/>
+              </a:spcAft>
+              <a:buClr>
+                <a:schemeClr val="bg2">
+                  <a:lumMod val="40000"/>
+                  <a:lumOff val="60000"/>
+                </a:schemeClr>
+              </a:buClr>
+              <a:buSzPct val="80000"/>
+              <a:buFont typeface="Wingdings 3" charset="2"/>
+              <a:buChar char=""/>
+              <a:defRPr sz="1600" b="0" i="0" kern="1200">
+                <a:solidFill>
+                  <a:schemeClr val="tx1"/>
+                </a:solidFill>
+                <a:latin typeface="+mj-lt"/>
+                <a:ea typeface="+mj-ea"/>
+                <a:cs typeface="+mj-cs"/>
+              </a:defRPr>
+            </a:lvl3pPr>
+            <a:lvl4pPr marL="1600200" indent="-228600" algn="l" defTabSz="457200" rtl="0" eaLnBrk="1" latinLnBrk="0" hangingPunct="1">
+              <a:spcBef>
+                <a:spcPts val="1000"/>
+              </a:spcBef>
+              <a:spcAft>
+                <a:spcPts val="0"/>
+              </a:spcAft>
+              <a:buClr>
+                <a:schemeClr val="bg2">
+                  <a:lumMod val="40000"/>
+                  <a:lumOff val="60000"/>
+                </a:schemeClr>
+              </a:buClr>
+              <a:buSzPct val="80000"/>
+              <a:buFont typeface="Wingdings 3" charset="2"/>
+              <a:buChar char=""/>
+              <a:defRPr sz="1400" b="0" i="0" kern="1200">
+                <a:solidFill>
+                  <a:schemeClr val="tx1"/>
+                </a:solidFill>
+                <a:latin typeface="+mj-lt"/>
+                <a:ea typeface="+mj-ea"/>
+                <a:cs typeface="+mj-cs"/>
+              </a:defRPr>
+            </a:lvl4pPr>
+            <a:lvl5pPr marL="2057400" indent="-228600" algn="l" defTabSz="457200" rtl="0" eaLnBrk="1" latinLnBrk="0" hangingPunct="1">
+              <a:spcBef>
+                <a:spcPts val="1000"/>
+              </a:spcBef>
+              <a:spcAft>
+                <a:spcPts val="0"/>
+              </a:spcAft>
+              <a:buClr>
+                <a:schemeClr val="bg2">
+                  <a:lumMod val="40000"/>
+                  <a:lumOff val="60000"/>
+                </a:schemeClr>
+              </a:buClr>
+              <a:buSzPct val="80000"/>
+              <a:buFont typeface="Wingdings 3" charset="2"/>
+              <a:buChar char=""/>
+              <a:defRPr sz="1400" b="0" i="0" kern="1200">
+                <a:solidFill>
+                  <a:schemeClr val="tx1"/>
+                </a:solidFill>
+                <a:latin typeface="+mj-lt"/>
+                <a:ea typeface="+mj-ea"/>
+                <a:cs typeface="+mj-cs"/>
+              </a:defRPr>
+            </a:lvl5pPr>
+            <a:lvl6pPr marL="2506000" indent="-228600" algn="l" defTabSz="457200" rtl="0" eaLnBrk="1" latinLnBrk="0" hangingPunct="1">
+              <a:spcBef>
+                <a:spcPts val="1000"/>
+              </a:spcBef>
+              <a:spcAft>
+                <a:spcPts val="0"/>
+              </a:spcAft>
+              <a:buClr>
+                <a:schemeClr val="bg2">
+                  <a:lumMod val="40000"/>
+                  <a:lumOff val="60000"/>
+                </a:schemeClr>
+              </a:buClr>
+              <a:buSzPct val="80000"/>
+              <a:buFont typeface="Wingdings 3" charset="2"/>
+              <a:buChar char=""/>
+              <a:defRPr sz="1400" b="0" i="0" kern="1200">
+                <a:solidFill>
+                  <a:schemeClr val="tx1"/>
+                </a:solidFill>
+                <a:latin typeface="+mj-lt"/>
+                <a:ea typeface="+mj-ea"/>
+                <a:cs typeface="+mj-cs"/>
+              </a:defRPr>
+            </a:lvl6pPr>
+            <a:lvl7pPr marL="2971800" indent="-228600" algn="l" defTabSz="457200" rtl="0" eaLnBrk="1" latinLnBrk="0" hangingPunct="1">
+              <a:spcBef>
+                <a:spcPts val="1000"/>
+              </a:spcBef>
+              <a:spcAft>
+                <a:spcPts val="0"/>
+              </a:spcAft>
+              <a:buClr>
+                <a:schemeClr val="bg2">
+                  <a:lumMod val="40000"/>
+                  <a:lumOff val="60000"/>
+                </a:schemeClr>
+              </a:buClr>
+              <a:buSzPct val="80000"/>
+              <a:buFont typeface="Wingdings 3" charset="2"/>
+              <a:buChar char=""/>
+              <a:defRPr sz="1400" b="0" i="0" kern="1200">
+                <a:solidFill>
+                  <a:schemeClr val="tx1"/>
+                </a:solidFill>
+                <a:latin typeface="+mj-lt"/>
+                <a:ea typeface="+mj-ea"/>
+                <a:cs typeface="+mj-cs"/>
+              </a:defRPr>
+            </a:lvl7pPr>
+            <a:lvl8pPr marL="3429000" indent="-228600" algn="l" defTabSz="457200" rtl="0" eaLnBrk="1" latinLnBrk="0" hangingPunct="1">
+              <a:spcBef>
+                <a:spcPts val="1000"/>
+              </a:spcBef>
+              <a:spcAft>
+                <a:spcPts val="0"/>
+              </a:spcAft>
+              <a:buClr>
+                <a:schemeClr val="bg2">
+                  <a:lumMod val="40000"/>
+                  <a:lumOff val="60000"/>
+                </a:schemeClr>
+              </a:buClr>
+              <a:buSzPct val="80000"/>
+              <a:buFont typeface="Wingdings 3" charset="2"/>
+              <a:buChar char=""/>
+              <a:defRPr sz="1400" b="0" i="0" kern="1200">
+                <a:solidFill>
+                  <a:schemeClr val="tx1"/>
+                </a:solidFill>
+                <a:latin typeface="+mj-lt"/>
+                <a:ea typeface="+mj-ea"/>
+                <a:cs typeface="+mj-cs"/>
+              </a:defRPr>
+            </a:lvl8pPr>
+            <a:lvl9pPr marL="3886200" indent="-228600" algn="l" defTabSz="457200" rtl="0" eaLnBrk="1" latinLnBrk="0" hangingPunct="1">
+              <a:spcBef>
+                <a:spcPts val="1000"/>
+              </a:spcBef>
+              <a:spcAft>
+                <a:spcPts val="0"/>
+              </a:spcAft>
+              <a:buClr>
+                <a:schemeClr val="bg2">
+                  <a:lumMod val="40000"/>
+                  <a:lumOff val="60000"/>
+                </a:schemeClr>
+              </a:buClr>
+              <a:buSzPct val="80000"/>
+              <a:buFont typeface="Wingdings 3" charset="2"/>
+              <a:buChar char=""/>
+              <a:defRPr sz="1400" b="0" i="0" kern="1200">
+                <a:solidFill>
+                  <a:schemeClr val="tx1"/>
+                </a:solidFill>
+                <a:latin typeface="+mj-lt"/>
+                <a:ea typeface="+mj-ea"/>
+                <a:cs typeface="+mj-cs"/>
+              </a:defRPr>
+            </a:lvl9pPr>
+          </a:lstStyle>
+          <a:p>
+            <a:pPr algn="just"/>
+            <a:r>
+              <a:rPr lang="es-ES" dirty="0"/>
+              <a:t>Es el elemento principal con el que trabajaremos. Un hilo engloba todos los mensajes de un mismo asunto.</a:t>
+            </a:r>
+          </a:p>
+        </p:txBody>
+      </p:sp>
+      <p:sp>
+        <p:nvSpPr>
+          <p:cNvPr id="5" name="Title 1"/>
+          <p:cNvSpPr txBox="1">
+            <a:spLocks/>
+          </p:cNvSpPr>
+          <p:nvPr/>
+        </p:nvSpPr>
+        <p:spPr>
+          <a:xfrm>
+            <a:off x="436605" y="2957382"/>
+            <a:ext cx="9404723" cy="586584"/>
+          </a:xfrm>
+          <a:prstGeom prst="rect">
+            <a:avLst/>
+          </a:prstGeom>
+        </p:spPr>
+        <p:txBody>
+          <a:bodyPr vert="horz" lIns="91440" tIns="45720" rIns="91440" bIns="45720" rtlCol="0" anchor="t">
+            <a:noAutofit/>
+          </a:bodyPr>
+          <a:lstStyle>
+            <a:lvl1pPr algn="l" defTabSz="457200" rtl="0" eaLnBrk="1" latinLnBrk="0" hangingPunct="1">
+              <a:spcBef>
+                <a:spcPct val="0"/>
+              </a:spcBef>
+              <a:buNone/>
+              <a:defRPr sz="4200" b="0" i="0" kern="1200">
+                <a:solidFill>
+                  <a:schemeClr val="tx2"/>
+                </a:solidFill>
+                <a:latin typeface="+mj-lt"/>
+                <a:ea typeface="+mj-ea"/>
+                <a:cs typeface="+mj-cs"/>
+              </a:defRPr>
+            </a:lvl1pPr>
+            <a:lvl2pPr eaLnBrk="1" hangingPunct="1">
+              <a:defRPr>
+                <a:solidFill>
+                  <a:schemeClr val="tx2"/>
+                </a:solidFill>
+              </a:defRPr>
+            </a:lvl2pPr>
+            <a:lvl3pPr eaLnBrk="1" hangingPunct="1">
+              <a:defRPr>
+                <a:solidFill>
+                  <a:schemeClr val="tx2"/>
+                </a:solidFill>
+              </a:defRPr>
+            </a:lvl3pPr>
+            <a:lvl4pPr eaLnBrk="1" hangingPunct="1">
+              <a:defRPr>
+                <a:solidFill>
+                  <a:schemeClr val="tx2"/>
+                </a:solidFill>
+              </a:defRPr>
+            </a:lvl4pPr>
+            <a:lvl5pPr eaLnBrk="1" hangingPunct="1">
+              <a:defRPr>
+                <a:solidFill>
+                  <a:schemeClr val="tx2"/>
+                </a:solidFill>
+              </a:defRPr>
+            </a:lvl5pPr>
+            <a:lvl6pPr eaLnBrk="1" hangingPunct="1">
+              <a:defRPr>
+                <a:solidFill>
+                  <a:schemeClr val="tx2"/>
+                </a:solidFill>
+              </a:defRPr>
+            </a:lvl6pPr>
+            <a:lvl7pPr eaLnBrk="1" hangingPunct="1">
+              <a:defRPr>
+                <a:solidFill>
+                  <a:schemeClr val="tx2"/>
+                </a:solidFill>
+              </a:defRPr>
+            </a:lvl7pPr>
+            <a:lvl8pPr eaLnBrk="1" hangingPunct="1">
+              <a:defRPr>
+                <a:solidFill>
+                  <a:schemeClr val="tx2"/>
+                </a:solidFill>
+              </a:defRPr>
+            </a:lvl8pPr>
+            <a:lvl9pPr eaLnBrk="1" hangingPunct="1">
+              <a:defRPr>
+                <a:solidFill>
+                  <a:schemeClr val="tx2"/>
+                </a:solidFill>
+              </a:defRPr>
+            </a:lvl9pPr>
+          </a:lstStyle>
+          <a:p>
+            <a:r>
+              <a:rPr lang="es-ES" sz="2800" dirty="0" smtClean="0"/>
+              <a:t>Hilos (</a:t>
+            </a:r>
+            <a:r>
+              <a:rPr lang="es-ES" sz="2800" i="1" dirty="0" err="1" smtClean="0"/>
+              <a:t>threads</a:t>
+            </a:r>
+            <a:r>
+              <a:rPr lang="es-ES" sz="2800" dirty="0" smtClean="0"/>
+              <a:t>)</a:t>
+            </a:r>
+            <a:r>
+              <a:rPr lang="es-ES" b="1" dirty="0" smtClean="0"/>
+              <a:t/>
+            </a:r>
+            <a:br>
+              <a:rPr lang="es-ES" b="1" dirty="0" smtClean="0"/>
+            </a:br>
+            <a:endParaRPr lang="es-ES" dirty="0"/>
+          </a:p>
+        </p:txBody>
+      </p:sp>
+      <p:sp>
+        <p:nvSpPr>
+          <p:cNvPr id="6" name="Content Placeholder 2"/>
+          <p:cNvSpPr txBox="1">
+            <a:spLocks/>
+          </p:cNvSpPr>
+          <p:nvPr/>
+        </p:nvSpPr>
+        <p:spPr>
+          <a:xfrm>
+            <a:off x="436605" y="5310984"/>
+            <a:ext cx="10492427" cy="822087"/>
+          </a:xfrm>
+          <a:prstGeom prst="rect">
+            <a:avLst/>
+          </a:prstGeom>
+        </p:spPr>
+        <p:txBody>
+          <a:bodyPr vert="horz" lIns="91440" tIns="45720" rIns="91440" bIns="45720" rtlCol="0">
+            <a:normAutofit/>
+          </a:bodyPr>
+          <a:lstStyle>
+            <a:lvl1pPr marL="342900" indent="-342900" algn="l" defTabSz="457200" rtl="0" eaLnBrk="1" latinLnBrk="0" hangingPunct="1">
+              <a:spcBef>
+                <a:spcPts val="1000"/>
+              </a:spcBef>
+              <a:spcAft>
+                <a:spcPts val="0"/>
+              </a:spcAft>
+              <a:buClr>
+                <a:schemeClr val="bg2">
+                  <a:lumMod val="40000"/>
+                  <a:lumOff val="60000"/>
+                </a:schemeClr>
+              </a:buClr>
+              <a:buSzPct val="80000"/>
+              <a:buFont typeface="Wingdings 3" charset="2"/>
+              <a:buChar char=""/>
+              <a:defRPr sz="2000" b="0" i="0" kern="1200">
+                <a:solidFill>
+                  <a:schemeClr val="tx1"/>
+                </a:solidFill>
+                <a:latin typeface="+mj-lt"/>
+                <a:ea typeface="+mj-ea"/>
+                <a:cs typeface="+mj-cs"/>
+              </a:defRPr>
+            </a:lvl1pPr>
+            <a:lvl2pPr marL="742950" indent="-285750" algn="l" defTabSz="457200" rtl="0" eaLnBrk="1" latinLnBrk="0" hangingPunct="1">
+              <a:spcBef>
+                <a:spcPts val="1000"/>
+              </a:spcBef>
+              <a:spcAft>
+                <a:spcPts val="0"/>
+              </a:spcAft>
+              <a:buClr>
+                <a:schemeClr val="bg2">
+                  <a:lumMod val="40000"/>
+                  <a:lumOff val="60000"/>
+                </a:schemeClr>
+              </a:buClr>
+              <a:buSzPct val="80000"/>
+              <a:buFont typeface="Wingdings 3" charset="2"/>
+              <a:buChar char=""/>
+              <a:defRPr sz="1800" b="0" i="0" kern="1200">
+                <a:solidFill>
+                  <a:schemeClr val="tx1"/>
+                </a:solidFill>
+                <a:latin typeface="+mj-lt"/>
+                <a:ea typeface="+mj-ea"/>
+                <a:cs typeface="+mj-cs"/>
+              </a:defRPr>
+            </a:lvl2pPr>
+            <a:lvl3pPr marL="1143000" indent="-228600" algn="l" defTabSz="457200" rtl="0" eaLnBrk="1" latinLnBrk="0" hangingPunct="1">
+              <a:spcBef>
+                <a:spcPts val="1000"/>
+              </a:spcBef>
+              <a:spcAft>
+                <a:spcPts val="0"/>
+              </a:spcAft>
+              <a:buClr>
+                <a:schemeClr val="bg2">
+                  <a:lumMod val="40000"/>
+                  <a:lumOff val="60000"/>
+                </a:schemeClr>
+              </a:buClr>
+              <a:buSzPct val="80000"/>
+              <a:buFont typeface="Wingdings 3" charset="2"/>
+              <a:buChar char=""/>
+              <a:defRPr sz="1600" b="0" i="0" kern="1200">
+                <a:solidFill>
+                  <a:schemeClr val="tx1"/>
+                </a:solidFill>
+                <a:latin typeface="+mj-lt"/>
+                <a:ea typeface="+mj-ea"/>
+                <a:cs typeface="+mj-cs"/>
+              </a:defRPr>
+            </a:lvl3pPr>
+            <a:lvl4pPr marL="1600200" indent="-228600" algn="l" defTabSz="457200" rtl="0" eaLnBrk="1" latinLnBrk="0" hangingPunct="1">
+              <a:spcBef>
+                <a:spcPts val="1000"/>
+              </a:spcBef>
+              <a:spcAft>
+                <a:spcPts val="0"/>
+              </a:spcAft>
+              <a:buClr>
+                <a:schemeClr val="bg2">
+                  <a:lumMod val="40000"/>
+                  <a:lumOff val="60000"/>
+                </a:schemeClr>
+              </a:buClr>
+              <a:buSzPct val="80000"/>
+              <a:buFont typeface="Wingdings 3" charset="2"/>
+              <a:buChar char=""/>
+              <a:defRPr sz="1400" b="0" i="0" kern="1200">
+                <a:solidFill>
+                  <a:schemeClr val="tx1"/>
+                </a:solidFill>
+                <a:latin typeface="+mj-lt"/>
+                <a:ea typeface="+mj-ea"/>
+                <a:cs typeface="+mj-cs"/>
+              </a:defRPr>
+            </a:lvl4pPr>
+            <a:lvl5pPr marL="2057400" indent="-228600" algn="l" defTabSz="457200" rtl="0" eaLnBrk="1" latinLnBrk="0" hangingPunct="1">
+              <a:spcBef>
+                <a:spcPts val="1000"/>
+              </a:spcBef>
+              <a:spcAft>
+                <a:spcPts val="0"/>
+              </a:spcAft>
+              <a:buClr>
+                <a:schemeClr val="bg2">
+                  <a:lumMod val="40000"/>
+                  <a:lumOff val="60000"/>
+                </a:schemeClr>
+              </a:buClr>
+              <a:buSzPct val="80000"/>
+              <a:buFont typeface="Wingdings 3" charset="2"/>
+              <a:buChar char=""/>
+              <a:defRPr sz="1400" b="0" i="0" kern="1200">
+                <a:solidFill>
+                  <a:schemeClr val="tx1"/>
+                </a:solidFill>
+                <a:latin typeface="+mj-lt"/>
+                <a:ea typeface="+mj-ea"/>
+                <a:cs typeface="+mj-cs"/>
+              </a:defRPr>
+            </a:lvl5pPr>
+            <a:lvl6pPr marL="2506000" indent="-228600" algn="l" defTabSz="457200" rtl="0" eaLnBrk="1" latinLnBrk="0" hangingPunct="1">
+              <a:spcBef>
+                <a:spcPts val="1000"/>
+              </a:spcBef>
+              <a:spcAft>
+                <a:spcPts val="0"/>
+              </a:spcAft>
+              <a:buClr>
+                <a:schemeClr val="bg2">
+                  <a:lumMod val="40000"/>
+                  <a:lumOff val="60000"/>
+                </a:schemeClr>
+              </a:buClr>
+              <a:buSzPct val="80000"/>
+              <a:buFont typeface="Wingdings 3" charset="2"/>
+              <a:buChar char=""/>
+              <a:defRPr sz="1400" b="0" i="0" kern="1200">
+                <a:solidFill>
+                  <a:schemeClr val="tx1"/>
+                </a:solidFill>
+                <a:latin typeface="+mj-lt"/>
+                <a:ea typeface="+mj-ea"/>
+                <a:cs typeface="+mj-cs"/>
+              </a:defRPr>
+            </a:lvl6pPr>
+            <a:lvl7pPr marL="2971800" indent="-228600" algn="l" defTabSz="457200" rtl="0" eaLnBrk="1" latinLnBrk="0" hangingPunct="1">
+              <a:spcBef>
+                <a:spcPts val="1000"/>
+              </a:spcBef>
+              <a:spcAft>
+                <a:spcPts val="0"/>
+              </a:spcAft>
+              <a:buClr>
+                <a:schemeClr val="bg2">
+                  <a:lumMod val="40000"/>
+                  <a:lumOff val="60000"/>
+                </a:schemeClr>
+              </a:buClr>
+              <a:buSzPct val="80000"/>
+              <a:buFont typeface="Wingdings 3" charset="2"/>
+              <a:buChar char=""/>
+              <a:defRPr sz="1400" b="0" i="0" kern="1200">
+                <a:solidFill>
+                  <a:schemeClr val="tx1"/>
+                </a:solidFill>
+                <a:latin typeface="+mj-lt"/>
+                <a:ea typeface="+mj-ea"/>
+                <a:cs typeface="+mj-cs"/>
+              </a:defRPr>
+            </a:lvl7pPr>
+            <a:lvl8pPr marL="3429000" indent="-228600" algn="l" defTabSz="457200" rtl="0" eaLnBrk="1" latinLnBrk="0" hangingPunct="1">
+              <a:spcBef>
+                <a:spcPts val="1000"/>
+              </a:spcBef>
+              <a:spcAft>
+                <a:spcPts val="0"/>
+              </a:spcAft>
+              <a:buClr>
+                <a:schemeClr val="bg2">
+                  <a:lumMod val="40000"/>
+                  <a:lumOff val="60000"/>
+                </a:schemeClr>
+              </a:buClr>
+              <a:buSzPct val="80000"/>
+              <a:buFont typeface="Wingdings 3" charset="2"/>
+              <a:buChar char=""/>
+              <a:defRPr sz="1400" b="0" i="0" kern="1200">
+                <a:solidFill>
+                  <a:schemeClr val="tx1"/>
+                </a:solidFill>
+                <a:latin typeface="+mj-lt"/>
+                <a:ea typeface="+mj-ea"/>
+                <a:cs typeface="+mj-cs"/>
+              </a:defRPr>
+            </a:lvl8pPr>
+            <a:lvl9pPr marL="3886200" indent="-228600" algn="l" defTabSz="457200" rtl="0" eaLnBrk="1" latinLnBrk="0" hangingPunct="1">
+              <a:spcBef>
+                <a:spcPts val="1000"/>
+              </a:spcBef>
+              <a:spcAft>
+                <a:spcPts val="0"/>
+              </a:spcAft>
+              <a:buClr>
+                <a:schemeClr val="bg2">
+                  <a:lumMod val="40000"/>
+                  <a:lumOff val="60000"/>
+                </a:schemeClr>
+              </a:buClr>
+              <a:buSzPct val="80000"/>
+              <a:buFont typeface="Wingdings 3" charset="2"/>
+              <a:buChar char=""/>
+              <a:defRPr sz="1400" b="0" i="0" kern="1200">
+                <a:solidFill>
+                  <a:schemeClr val="tx1"/>
+                </a:solidFill>
+                <a:latin typeface="+mj-lt"/>
+                <a:ea typeface="+mj-ea"/>
+                <a:cs typeface="+mj-cs"/>
+              </a:defRPr>
+            </a:lvl9pPr>
+          </a:lstStyle>
+          <a:p>
+            <a:pPr algn="just"/>
+            <a:r>
+              <a:rPr lang="es-ES" dirty="0" smtClean="0"/>
+              <a:t>Su </a:t>
+            </a:r>
+            <a:r>
+              <a:rPr lang="es-ES" dirty="0"/>
+              <a:t>nombre lo indica todo. Un mensaje es un correo electrónico enviado a uno o más destinatarios.</a:t>
+            </a:r>
+          </a:p>
+        </p:txBody>
+      </p:sp>
+      <p:sp>
+        <p:nvSpPr>
+          <p:cNvPr id="7" name="Title 1"/>
+          <p:cNvSpPr txBox="1">
+            <a:spLocks/>
+          </p:cNvSpPr>
+          <p:nvPr/>
+        </p:nvSpPr>
+        <p:spPr>
+          <a:xfrm>
+            <a:off x="436605" y="4617307"/>
+            <a:ext cx="9404723" cy="586584"/>
+          </a:xfrm>
+          <a:prstGeom prst="rect">
+            <a:avLst/>
+          </a:prstGeom>
+        </p:spPr>
+        <p:txBody>
+          <a:bodyPr vert="horz" lIns="91440" tIns="45720" rIns="91440" bIns="45720" rtlCol="0" anchor="t">
+            <a:noAutofit/>
+          </a:bodyPr>
+          <a:lstStyle>
+            <a:lvl1pPr algn="l" defTabSz="457200" rtl="0" eaLnBrk="1" latinLnBrk="0" hangingPunct="1">
+              <a:spcBef>
+                <a:spcPct val="0"/>
+              </a:spcBef>
+              <a:buNone/>
+              <a:defRPr sz="4200" b="0" i="0" kern="1200">
+                <a:solidFill>
+                  <a:schemeClr val="tx2"/>
+                </a:solidFill>
+                <a:latin typeface="+mj-lt"/>
+                <a:ea typeface="+mj-ea"/>
+                <a:cs typeface="+mj-cs"/>
+              </a:defRPr>
+            </a:lvl1pPr>
+            <a:lvl2pPr eaLnBrk="1" hangingPunct="1">
+              <a:defRPr>
+                <a:solidFill>
+                  <a:schemeClr val="tx2"/>
+                </a:solidFill>
+              </a:defRPr>
+            </a:lvl2pPr>
+            <a:lvl3pPr eaLnBrk="1" hangingPunct="1">
+              <a:defRPr>
+                <a:solidFill>
+                  <a:schemeClr val="tx2"/>
+                </a:solidFill>
+              </a:defRPr>
+            </a:lvl3pPr>
+            <a:lvl4pPr eaLnBrk="1" hangingPunct="1">
+              <a:defRPr>
+                <a:solidFill>
+                  <a:schemeClr val="tx2"/>
+                </a:solidFill>
+              </a:defRPr>
+            </a:lvl4pPr>
+            <a:lvl5pPr eaLnBrk="1" hangingPunct="1">
+              <a:defRPr>
+                <a:solidFill>
+                  <a:schemeClr val="tx2"/>
+                </a:solidFill>
+              </a:defRPr>
+            </a:lvl5pPr>
+            <a:lvl6pPr eaLnBrk="1" hangingPunct="1">
+              <a:defRPr>
+                <a:solidFill>
+                  <a:schemeClr val="tx2"/>
+                </a:solidFill>
+              </a:defRPr>
+            </a:lvl6pPr>
+            <a:lvl7pPr eaLnBrk="1" hangingPunct="1">
+              <a:defRPr>
+                <a:solidFill>
+                  <a:schemeClr val="tx2"/>
+                </a:solidFill>
+              </a:defRPr>
+            </a:lvl7pPr>
+            <a:lvl8pPr eaLnBrk="1" hangingPunct="1">
+              <a:defRPr>
+                <a:solidFill>
+                  <a:schemeClr val="tx2"/>
+                </a:solidFill>
+              </a:defRPr>
+            </a:lvl8pPr>
+            <a:lvl9pPr eaLnBrk="1" hangingPunct="1">
+              <a:defRPr>
+                <a:solidFill>
+                  <a:schemeClr val="tx2"/>
+                </a:solidFill>
+              </a:defRPr>
+            </a:lvl9pPr>
+          </a:lstStyle>
+          <a:p>
+            <a:r>
+              <a:rPr lang="es-ES" sz="2800" dirty="0" smtClean="0"/>
+              <a:t>Mensajes (</a:t>
+            </a:r>
+            <a:r>
+              <a:rPr lang="es-ES" sz="2800" dirty="0" err="1" smtClean="0"/>
+              <a:t>messages</a:t>
+            </a:r>
+            <a:r>
+              <a:rPr lang="es-ES" sz="2800" dirty="0" smtClean="0"/>
+              <a:t>)</a:t>
+            </a:r>
+            <a:r>
+              <a:rPr lang="es-ES" b="1" dirty="0" smtClean="0"/>
+              <a:t/>
+            </a:r>
+            <a:br>
+              <a:rPr lang="es-ES" b="1" dirty="0" smtClean="0"/>
+            </a:br>
+            <a:endParaRPr lang="es-ES" dirty="0"/>
+          </a:p>
+        </p:txBody>
+      </p:sp>
+    </p:spTree>
+    <p:extLst>
+      <p:ext uri="{BB962C8B-B14F-4D97-AF65-F5344CB8AC3E}">
+        <p14:creationId xmlns:p14="http://schemas.microsoft.com/office/powerpoint/2010/main" val="2251228138"/>
+      </p:ext>
+    </p:extLst>
+  </p:cSld>
+  <p:clrMapOvr>
+    <a:masterClrMapping/>
+  </p:clrMapOvr>
+</p:sld>
+</file>
+
+<file path=ppt/slides/slide16.xml><?xml version="1.0" encoding="utf-8"?>
+<p:sld xmlns:a="http://schemas.openxmlformats.org/drawingml/2006/main" xmlns:r="http://schemas.openxmlformats.org/officeDocument/2006/relationships" xmlns:p="http://schemas.openxmlformats.org/presentationml/2006/main">
+  <p:cSld>
+    <p:spTree>
+      <p:nvGrpSpPr>
+        <p:cNvPr id="1" name=""/>
+        <p:cNvGrpSpPr/>
+        <p:nvPr/>
+      </p:nvGrpSpPr>
+      <p:grpSpPr>
+        <a:xfrm>
+          <a:off x="0" y="0"/>
+          <a:ext cx="0" cy="0"/>
+          <a:chOff x="0" y="0"/>
+          <a:chExt cx="0" cy="0"/>
+        </a:xfrm>
+      </p:grpSpPr>
+      <p:sp>
+        <p:nvSpPr>
+          <p:cNvPr id="2" name="Title 1"/>
+          <p:cNvSpPr>
+            <a:spLocks noGrp="1"/>
+          </p:cNvSpPr>
+          <p:nvPr>
+            <p:ph type="title"/>
+          </p:nvPr>
+        </p:nvSpPr>
+        <p:spPr>
+          <a:xfrm>
+            <a:off x="646111" y="452718"/>
+            <a:ext cx="9404723" cy="782958"/>
+          </a:xfrm>
+        </p:spPr>
+        <p:txBody>
+          <a:bodyPr/>
+          <a:lstStyle/>
+          <a:p>
+            <a:r>
+              <a:rPr lang="es-ES" b="1" dirty="0" smtClean="0"/>
+              <a:t>Recursos de Gmail</a:t>
+            </a:r>
+            <a:endParaRPr lang="es-ES" b="1" dirty="0"/>
+          </a:p>
+        </p:txBody>
+      </p:sp>
+      <p:sp>
+        <p:nvSpPr>
+          <p:cNvPr id="4" name="Content Placeholder 2"/>
+          <p:cNvSpPr txBox="1">
+            <a:spLocks/>
+          </p:cNvSpPr>
+          <p:nvPr/>
+        </p:nvSpPr>
+        <p:spPr>
+          <a:xfrm>
+            <a:off x="469556" y="2242388"/>
+            <a:ext cx="10492427" cy="822087"/>
+          </a:xfrm>
+          <a:prstGeom prst="rect">
+            <a:avLst/>
+          </a:prstGeom>
+        </p:spPr>
+        <p:txBody>
+          <a:bodyPr vert="horz" lIns="91440" tIns="45720" rIns="91440" bIns="45720" rtlCol="0">
+            <a:normAutofit/>
+          </a:bodyPr>
+          <a:lstStyle>
+            <a:lvl1pPr marL="342900" indent="-342900" algn="l" defTabSz="457200" rtl="0" eaLnBrk="1" latinLnBrk="0" hangingPunct="1">
+              <a:spcBef>
+                <a:spcPts val="1000"/>
+              </a:spcBef>
+              <a:spcAft>
+                <a:spcPts val="0"/>
+              </a:spcAft>
+              <a:buClr>
+                <a:schemeClr val="bg2">
+                  <a:lumMod val="40000"/>
+                  <a:lumOff val="60000"/>
+                </a:schemeClr>
+              </a:buClr>
+              <a:buSzPct val="80000"/>
+              <a:buFont typeface="Wingdings 3" charset="2"/>
+              <a:buChar char=""/>
+              <a:defRPr sz="2000" b="0" i="0" kern="1200">
+                <a:solidFill>
+                  <a:schemeClr val="tx1"/>
+                </a:solidFill>
+                <a:latin typeface="+mj-lt"/>
+                <a:ea typeface="+mj-ea"/>
+                <a:cs typeface="+mj-cs"/>
+              </a:defRPr>
+            </a:lvl1pPr>
+            <a:lvl2pPr marL="742950" indent="-285750" algn="l" defTabSz="457200" rtl="0" eaLnBrk="1" latinLnBrk="0" hangingPunct="1">
+              <a:spcBef>
+                <a:spcPts val="1000"/>
+              </a:spcBef>
+              <a:spcAft>
+                <a:spcPts val="0"/>
+              </a:spcAft>
+              <a:buClr>
+                <a:schemeClr val="bg2">
+                  <a:lumMod val="40000"/>
+                  <a:lumOff val="60000"/>
+                </a:schemeClr>
+              </a:buClr>
+              <a:buSzPct val="80000"/>
+              <a:buFont typeface="Wingdings 3" charset="2"/>
+              <a:buChar char=""/>
+              <a:defRPr sz="1800" b="0" i="0" kern="1200">
+                <a:solidFill>
+                  <a:schemeClr val="tx1"/>
+                </a:solidFill>
+                <a:latin typeface="+mj-lt"/>
+                <a:ea typeface="+mj-ea"/>
+                <a:cs typeface="+mj-cs"/>
+              </a:defRPr>
+            </a:lvl2pPr>
+            <a:lvl3pPr marL="1143000" indent="-228600" algn="l" defTabSz="457200" rtl="0" eaLnBrk="1" latinLnBrk="0" hangingPunct="1">
+              <a:spcBef>
+                <a:spcPts val="1000"/>
+              </a:spcBef>
+              <a:spcAft>
+                <a:spcPts val="0"/>
+              </a:spcAft>
+              <a:buClr>
+                <a:schemeClr val="bg2">
+                  <a:lumMod val="40000"/>
+                  <a:lumOff val="60000"/>
+                </a:schemeClr>
+              </a:buClr>
+              <a:buSzPct val="80000"/>
+              <a:buFont typeface="Wingdings 3" charset="2"/>
+              <a:buChar char=""/>
+              <a:defRPr sz="1600" b="0" i="0" kern="1200">
+                <a:solidFill>
+                  <a:schemeClr val="tx1"/>
+                </a:solidFill>
+                <a:latin typeface="+mj-lt"/>
+                <a:ea typeface="+mj-ea"/>
+                <a:cs typeface="+mj-cs"/>
+              </a:defRPr>
+            </a:lvl3pPr>
+            <a:lvl4pPr marL="1600200" indent="-228600" algn="l" defTabSz="457200" rtl="0" eaLnBrk="1" latinLnBrk="0" hangingPunct="1">
+              <a:spcBef>
+                <a:spcPts val="1000"/>
+              </a:spcBef>
+              <a:spcAft>
+                <a:spcPts val="0"/>
+              </a:spcAft>
+              <a:buClr>
+                <a:schemeClr val="bg2">
+                  <a:lumMod val="40000"/>
+                  <a:lumOff val="60000"/>
+                </a:schemeClr>
+              </a:buClr>
+              <a:buSzPct val="80000"/>
+              <a:buFont typeface="Wingdings 3" charset="2"/>
+              <a:buChar char=""/>
+              <a:defRPr sz="1400" b="0" i="0" kern="1200">
+                <a:solidFill>
+                  <a:schemeClr val="tx1"/>
+                </a:solidFill>
+                <a:latin typeface="+mj-lt"/>
+                <a:ea typeface="+mj-ea"/>
+                <a:cs typeface="+mj-cs"/>
+              </a:defRPr>
+            </a:lvl4pPr>
+            <a:lvl5pPr marL="2057400" indent="-228600" algn="l" defTabSz="457200" rtl="0" eaLnBrk="1" latinLnBrk="0" hangingPunct="1">
+              <a:spcBef>
+                <a:spcPts val="1000"/>
+              </a:spcBef>
+              <a:spcAft>
+                <a:spcPts val="0"/>
+              </a:spcAft>
+              <a:buClr>
+                <a:schemeClr val="bg2">
+                  <a:lumMod val="40000"/>
+                  <a:lumOff val="60000"/>
+                </a:schemeClr>
+              </a:buClr>
+              <a:buSzPct val="80000"/>
+              <a:buFont typeface="Wingdings 3" charset="2"/>
+              <a:buChar char=""/>
+              <a:defRPr sz="1400" b="0" i="0" kern="1200">
+                <a:solidFill>
+                  <a:schemeClr val="tx1"/>
+                </a:solidFill>
+                <a:latin typeface="+mj-lt"/>
+                <a:ea typeface="+mj-ea"/>
+                <a:cs typeface="+mj-cs"/>
+              </a:defRPr>
+            </a:lvl5pPr>
+            <a:lvl6pPr marL="2506000" indent="-228600" algn="l" defTabSz="457200" rtl="0" eaLnBrk="1" latinLnBrk="0" hangingPunct="1">
+              <a:spcBef>
+                <a:spcPts val="1000"/>
+              </a:spcBef>
+              <a:spcAft>
+                <a:spcPts val="0"/>
+              </a:spcAft>
+              <a:buClr>
+                <a:schemeClr val="bg2">
+                  <a:lumMod val="40000"/>
+                  <a:lumOff val="60000"/>
+                </a:schemeClr>
+              </a:buClr>
+              <a:buSzPct val="80000"/>
+              <a:buFont typeface="Wingdings 3" charset="2"/>
+              <a:buChar char=""/>
+              <a:defRPr sz="1400" b="0" i="0" kern="1200">
+                <a:solidFill>
+                  <a:schemeClr val="tx1"/>
+                </a:solidFill>
+                <a:latin typeface="+mj-lt"/>
+                <a:ea typeface="+mj-ea"/>
+                <a:cs typeface="+mj-cs"/>
+              </a:defRPr>
+            </a:lvl6pPr>
+            <a:lvl7pPr marL="2971800" indent="-228600" algn="l" defTabSz="457200" rtl="0" eaLnBrk="1" latinLnBrk="0" hangingPunct="1">
+              <a:spcBef>
+                <a:spcPts val="1000"/>
+              </a:spcBef>
+              <a:spcAft>
+                <a:spcPts val="0"/>
+              </a:spcAft>
+              <a:buClr>
+                <a:schemeClr val="bg2">
+                  <a:lumMod val="40000"/>
+                  <a:lumOff val="60000"/>
+                </a:schemeClr>
+              </a:buClr>
+              <a:buSzPct val="80000"/>
+              <a:buFont typeface="Wingdings 3" charset="2"/>
+              <a:buChar char=""/>
+              <a:defRPr sz="1400" b="0" i="0" kern="1200">
+                <a:solidFill>
+                  <a:schemeClr val="tx1"/>
+                </a:solidFill>
+                <a:latin typeface="+mj-lt"/>
+                <a:ea typeface="+mj-ea"/>
+                <a:cs typeface="+mj-cs"/>
+              </a:defRPr>
+            </a:lvl7pPr>
+            <a:lvl8pPr marL="3429000" indent="-228600" algn="l" defTabSz="457200" rtl="0" eaLnBrk="1" latinLnBrk="0" hangingPunct="1">
+              <a:spcBef>
+                <a:spcPts val="1000"/>
+              </a:spcBef>
+              <a:spcAft>
+                <a:spcPts val="0"/>
+              </a:spcAft>
+              <a:buClr>
+                <a:schemeClr val="bg2">
+                  <a:lumMod val="40000"/>
+                  <a:lumOff val="60000"/>
+                </a:schemeClr>
+              </a:buClr>
+              <a:buSzPct val="80000"/>
+              <a:buFont typeface="Wingdings 3" charset="2"/>
+              <a:buChar char=""/>
+              <a:defRPr sz="1400" b="0" i="0" kern="1200">
+                <a:solidFill>
+                  <a:schemeClr val="tx1"/>
+                </a:solidFill>
+                <a:latin typeface="+mj-lt"/>
+                <a:ea typeface="+mj-ea"/>
+                <a:cs typeface="+mj-cs"/>
+              </a:defRPr>
+            </a:lvl8pPr>
+            <a:lvl9pPr marL="3886200" indent="-228600" algn="l" defTabSz="457200" rtl="0" eaLnBrk="1" latinLnBrk="0" hangingPunct="1">
+              <a:spcBef>
+                <a:spcPts val="1000"/>
+              </a:spcBef>
+              <a:spcAft>
+                <a:spcPts val="0"/>
+              </a:spcAft>
+              <a:buClr>
+                <a:schemeClr val="bg2">
+                  <a:lumMod val="40000"/>
+                  <a:lumOff val="60000"/>
+                </a:schemeClr>
+              </a:buClr>
+              <a:buSzPct val="80000"/>
+              <a:buFont typeface="Wingdings 3" charset="2"/>
+              <a:buChar char=""/>
+              <a:defRPr sz="1400" b="0" i="0" kern="1200">
+                <a:solidFill>
+                  <a:schemeClr val="tx1"/>
+                </a:solidFill>
+                <a:latin typeface="+mj-lt"/>
+                <a:ea typeface="+mj-ea"/>
+                <a:cs typeface="+mj-cs"/>
+              </a:defRPr>
+            </a:lvl9pPr>
+          </a:lstStyle>
+          <a:p>
+            <a:pPr algn="just"/>
+            <a:r>
+              <a:rPr lang="es-ES" dirty="0"/>
+              <a:t>Es un mensaje que aún no ha sido enviado, probablemente se encuentre a medio escribir.</a:t>
+            </a:r>
+          </a:p>
+        </p:txBody>
+      </p:sp>
+      <p:sp>
+        <p:nvSpPr>
+          <p:cNvPr id="5" name="Title 1"/>
+          <p:cNvSpPr txBox="1">
+            <a:spLocks/>
+          </p:cNvSpPr>
+          <p:nvPr/>
+        </p:nvSpPr>
+        <p:spPr>
+          <a:xfrm>
+            <a:off x="469556" y="1548711"/>
+            <a:ext cx="9404723" cy="586584"/>
+          </a:xfrm>
+          <a:prstGeom prst="rect">
+            <a:avLst/>
+          </a:prstGeom>
+        </p:spPr>
+        <p:txBody>
+          <a:bodyPr vert="horz" lIns="91440" tIns="45720" rIns="91440" bIns="45720" rtlCol="0" anchor="t">
+            <a:noAutofit/>
+          </a:bodyPr>
+          <a:lstStyle>
+            <a:lvl1pPr algn="l" defTabSz="457200" rtl="0" eaLnBrk="1" latinLnBrk="0" hangingPunct="1">
+              <a:spcBef>
+                <a:spcPct val="0"/>
+              </a:spcBef>
+              <a:buNone/>
+              <a:defRPr sz="4200" b="0" i="0" kern="1200">
+                <a:solidFill>
+                  <a:schemeClr val="tx2"/>
+                </a:solidFill>
+                <a:latin typeface="+mj-lt"/>
+                <a:ea typeface="+mj-ea"/>
+                <a:cs typeface="+mj-cs"/>
+              </a:defRPr>
+            </a:lvl1pPr>
+            <a:lvl2pPr eaLnBrk="1" hangingPunct="1">
+              <a:defRPr>
+                <a:solidFill>
+                  <a:schemeClr val="tx2"/>
+                </a:solidFill>
+              </a:defRPr>
+            </a:lvl2pPr>
+            <a:lvl3pPr eaLnBrk="1" hangingPunct="1">
+              <a:defRPr>
+                <a:solidFill>
+                  <a:schemeClr val="tx2"/>
+                </a:solidFill>
+              </a:defRPr>
+            </a:lvl3pPr>
+            <a:lvl4pPr eaLnBrk="1" hangingPunct="1">
+              <a:defRPr>
+                <a:solidFill>
+                  <a:schemeClr val="tx2"/>
+                </a:solidFill>
+              </a:defRPr>
+            </a:lvl4pPr>
+            <a:lvl5pPr eaLnBrk="1" hangingPunct="1">
+              <a:defRPr>
+                <a:solidFill>
+                  <a:schemeClr val="tx2"/>
+                </a:solidFill>
+              </a:defRPr>
+            </a:lvl5pPr>
+            <a:lvl6pPr eaLnBrk="1" hangingPunct="1">
+              <a:defRPr>
+                <a:solidFill>
+                  <a:schemeClr val="tx2"/>
+                </a:solidFill>
+              </a:defRPr>
+            </a:lvl6pPr>
+            <a:lvl7pPr eaLnBrk="1" hangingPunct="1">
+              <a:defRPr>
+                <a:solidFill>
+                  <a:schemeClr val="tx2"/>
+                </a:solidFill>
+              </a:defRPr>
+            </a:lvl7pPr>
+            <a:lvl8pPr eaLnBrk="1" hangingPunct="1">
+              <a:defRPr>
+                <a:solidFill>
+                  <a:schemeClr val="tx2"/>
+                </a:solidFill>
+              </a:defRPr>
+            </a:lvl8pPr>
+            <a:lvl9pPr eaLnBrk="1" hangingPunct="1">
+              <a:defRPr>
+                <a:solidFill>
+                  <a:schemeClr val="tx2"/>
+                </a:solidFill>
+              </a:defRPr>
+            </a:lvl9pPr>
+          </a:lstStyle>
+          <a:p>
+            <a:r>
+              <a:rPr lang="es-ES" sz="2800" dirty="0" smtClean="0"/>
+              <a:t>Borradores (</a:t>
+            </a:r>
+            <a:r>
+              <a:rPr lang="es-ES" sz="2800" i="1" dirty="0" err="1" smtClean="0"/>
+              <a:t>drafts</a:t>
+            </a:r>
+            <a:r>
+              <a:rPr lang="es-ES" sz="2800" dirty="0" smtClean="0"/>
+              <a:t>)</a:t>
+            </a:r>
+            <a:r>
+              <a:rPr lang="es-ES" b="1" dirty="0" smtClean="0"/>
+              <a:t/>
+            </a:r>
+            <a:br>
+              <a:rPr lang="es-ES" b="1" dirty="0" smtClean="0"/>
+            </a:br>
+            <a:endParaRPr lang="es-ES" dirty="0"/>
+          </a:p>
+        </p:txBody>
+      </p:sp>
+      <p:sp>
+        <p:nvSpPr>
+          <p:cNvPr id="6" name="Content Placeholder 2"/>
+          <p:cNvSpPr txBox="1">
+            <a:spLocks/>
+          </p:cNvSpPr>
+          <p:nvPr/>
+        </p:nvSpPr>
+        <p:spPr>
+          <a:xfrm>
+            <a:off x="469556" y="3902313"/>
+            <a:ext cx="10492427" cy="1633514"/>
+          </a:xfrm>
+          <a:prstGeom prst="rect">
+            <a:avLst/>
+          </a:prstGeom>
+        </p:spPr>
+        <p:txBody>
+          <a:bodyPr vert="horz" lIns="91440" tIns="45720" rIns="91440" bIns="45720" rtlCol="0">
+            <a:normAutofit/>
+          </a:bodyPr>
+          <a:lstStyle>
+            <a:lvl1pPr marL="342900" indent="-342900" algn="l" defTabSz="457200" rtl="0" eaLnBrk="1" latinLnBrk="0" hangingPunct="1">
+              <a:spcBef>
+                <a:spcPts val="1000"/>
+              </a:spcBef>
+              <a:spcAft>
+                <a:spcPts val="0"/>
+              </a:spcAft>
+              <a:buClr>
+                <a:schemeClr val="bg2">
+                  <a:lumMod val="40000"/>
+                  <a:lumOff val="60000"/>
+                </a:schemeClr>
+              </a:buClr>
+              <a:buSzPct val="80000"/>
+              <a:buFont typeface="Wingdings 3" charset="2"/>
+              <a:buChar char=""/>
+              <a:defRPr sz="2000" b="0" i="0" kern="1200">
+                <a:solidFill>
+                  <a:schemeClr val="tx1"/>
+                </a:solidFill>
+                <a:latin typeface="+mj-lt"/>
+                <a:ea typeface="+mj-ea"/>
+                <a:cs typeface="+mj-cs"/>
+              </a:defRPr>
+            </a:lvl1pPr>
+            <a:lvl2pPr marL="742950" indent="-285750" algn="l" defTabSz="457200" rtl="0" eaLnBrk="1" latinLnBrk="0" hangingPunct="1">
+              <a:spcBef>
+                <a:spcPts val="1000"/>
+              </a:spcBef>
+              <a:spcAft>
+                <a:spcPts val="0"/>
+              </a:spcAft>
+              <a:buClr>
+                <a:schemeClr val="bg2">
+                  <a:lumMod val="40000"/>
+                  <a:lumOff val="60000"/>
+                </a:schemeClr>
+              </a:buClr>
+              <a:buSzPct val="80000"/>
+              <a:buFont typeface="Wingdings 3" charset="2"/>
+              <a:buChar char=""/>
+              <a:defRPr sz="1800" b="0" i="0" kern="1200">
+                <a:solidFill>
+                  <a:schemeClr val="tx1"/>
+                </a:solidFill>
+                <a:latin typeface="+mj-lt"/>
+                <a:ea typeface="+mj-ea"/>
+                <a:cs typeface="+mj-cs"/>
+              </a:defRPr>
+            </a:lvl2pPr>
+            <a:lvl3pPr marL="1143000" indent="-228600" algn="l" defTabSz="457200" rtl="0" eaLnBrk="1" latinLnBrk="0" hangingPunct="1">
+              <a:spcBef>
+                <a:spcPts val="1000"/>
+              </a:spcBef>
+              <a:spcAft>
+                <a:spcPts val="0"/>
+              </a:spcAft>
+              <a:buClr>
+                <a:schemeClr val="bg2">
+                  <a:lumMod val="40000"/>
+                  <a:lumOff val="60000"/>
+                </a:schemeClr>
+              </a:buClr>
+              <a:buSzPct val="80000"/>
+              <a:buFont typeface="Wingdings 3" charset="2"/>
+              <a:buChar char=""/>
+              <a:defRPr sz="1600" b="0" i="0" kern="1200">
+                <a:solidFill>
+                  <a:schemeClr val="tx1"/>
+                </a:solidFill>
+                <a:latin typeface="+mj-lt"/>
+                <a:ea typeface="+mj-ea"/>
+                <a:cs typeface="+mj-cs"/>
+              </a:defRPr>
+            </a:lvl3pPr>
+            <a:lvl4pPr marL="1600200" indent="-228600" algn="l" defTabSz="457200" rtl="0" eaLnBrk="1" latinLnBrk="0" hangingPunct="1">
+              <a:spcBef>
+                <a:spcPts val="1000"/>
+              </a:spcBef>
+              <a:spcAft>
+                <a:spcPts val="0"/>
+              </a:spcAft>
+              <a:buClr>
+                <a:schemeClr val="bg2">
+                  <a:lumMod val="40000"/>
+                  <a:lumOff val="60000"/>
+                </a:schemeClr>
+              </a:buClr>
+              <a:buSzPct val="80000"/>
+              <a:buFont typeface="Wingdings 3" charset="2"/>
+              <a:buChar char=""/>
+              <a:defRPr sz="1400" b="0" i="0" kern="1200">
+                <a:solidFill>
+                  <a:schemeClr val="tx1"/>
+                </a:solidFill>
+                <a:latin typeface="+mj-lt"/>
+                <a:ea typeface="+mj-ea"/>
+                <a:cs typeface="+mj-cs"/>
+              </a:defRPr>
+            </a:lvl4pPr>
+            <a:lvl5pPr marL="2057400" indent="-228600" algn="l" defTabSz="457200" rtl="0" eaLnBrk="1" latinLnBrk="0" hangingPunct="1">
+              <a:spcBef>
+                <a:spcPts val="1000"/>
+              </a:spcBef>
+              <a:spcAft>
+                <a:spcPts val="0"/>
+              </a:spcAft>
+              <a:buClr>
+                <a:schemeClr val="bg2">
+                  <a:lumMod val="40000"/>
+                  <a:lumOff val="60000"/>
+                </a:schemeClr>
+              </a:buClr>
+              <a:buSzPct val="80000"/>
+              <a:buFont typeface="Wingdings 3" charset="2"/>
+              <a:buChar char=""/>
+              <a:defRPr sz="1400" b="0" i="0" kern="1200">
+                <a:solidFill>
+                  <a:schemeClr val="tx1"/>
+                </a:solidFill>
+                <a:latin typeface="+mj-lt"/>
+                <a:ea typeface="+mj-ea"/>
+                <a:cs typeface="+mj-cs"/>
+              </a:defRPr>
+            </a:lvl5pPr>
+            <a:lvl6pPr marL="2506000" indent="-228600" algn="l" defTabSz="457200" rtl="0" eaLnBrk="1" latinLnBrk="0" hangingPunct="1">
+              <a:spcBef>
+                <a:spcPts val="1000"/>
+              </a:spcBef>
+              <a:spcAft>
+                <a:spcPts val="0"/>
+              </a:spcAft>
+              <a:buClr>
+                <a:schemeClr val="bg2">
+                  <a:lumMod val="40000"/>
+                  <a:lumOff val="60000"/>
+                </a:schemeClr>
+              </a:buClr>
+              <a:buSzPct val="80000"/>
+              <a:buFont typeface="Wingdings 3" charset="2"/>
+              <a:buChar char=""/>
+              <a:defRPr sz="1400" b="0" i="0" kern="1200">
+                <a:solidFill>
+                  <a:schemeClr val="tx1"/>
+                </a:solidFill>
+                <a:latin typeface="+mj-lt"/>
+                <a:ea typeface="+mj-ea"/>
+                <a:cs typeface="+mj-cs"/>
+              </a:defRPr>
+            </a:lvl6pPr>
+            <a:lvl7pPr marL="2971800" indent="-228600" algn="l" defTabSz="457200" rtl="0" eaLnBrk="1" latinLnBrk="0" hangingPunct="1">
+              <a:spcBef>
+                <a:spcPts val="1000"/>
+              </a:spcBef>
+              <a:spcAft>
+                <a:spcPts val="0"/>
+              </a:spcAft>
+              <a:buClr>
+                <a:schemeClr val="bg2">
+                  <a:lumMod val="40000"/>
+                  <a:lumOff val="60000"/>
+                </a:schemeClr>
+              </a:buClr>
+              <a:buSzPct val="80000"/>
+              <a:buFont typeface="Wingdings 3" charset="2"/>
+              <a:buChar char=""/>
+              <a:defRPr sz="1400" b="0" i="0" kern="1200">
+                <a:solidFill>
+                  <a:schemeClr val="tx1"/>
+                </a:solidFill>
+                <a:latin typeface="+mj-lt"/>
+                <a:ea typeface="+mj-ea"/>
+                <a:cs typeface="+mj-cs"/>
+              </a:defRPr>
+            </a:lvl7pPr>
+            <a:lvl8pPr marL="3429000" indent="-228600" algn="l" defTabSz="457200" rtl="0" eaLnBrk="1" latinLnBrk="0" hangingPunct="1">
+              <a:spcBef>
+                <a:spcPts val="1000"/>
+              </a:spcBef>
+              <a:spcAft>
+                <a:spcPts val="0"/>
+              </a:spcAft>
+              <a:buClr>
+                <a:schemeClr val="bg2">
+                  <a:lumMod val="40000"/>
+                  <a:lumOff val="60000"/>
+                </a:schemeClr>
+              </a:buClr>
+              <a:buSzPct val="80000"/>
+              <a:buFont typeface="Wingdings 3" charset="2"/>
+              <a:buChar char=""/>
+              <a:defRPr sz="1400" b="0" i="0" kern="1200">
+                <a:solidFill>
+                  <a:schemeClr val="tx1"/>
+                </a:solidFill>
+                <a:latin typeface="+mj-lt"/>
+                <a:ea typeface="+mj-ea"/>
+                <a:cs typeface="+mj-cs"/>
+              </a:defRPr>
+            </a:lvl8pPr>
+            <a:lvl9pPr marL="3886200" indent="-228600" algn="l" defTabSz="457200" rtl="0" eaLnBrk="1" latinLnBrk="0" hangingPunct="1">
+              <a:spcBef>
+                <a:spcPts val="1000"/>
+              </a:spcBef>
+              <a:spcAft>
+                <a:spcPts val="0"/>
+              </a:spcAft>
+              <a:buClr>
+                <a:schemeClr val="bg2">
+                  <a:lumMod val="40000"/>
+                  <a:lumOff val="60000"/>
+                </a:schemeClr>
+              </a:buClr>
+              <a:buSzPct val="80000"/>
+              <a:buFont typeface="Wingdings 3" charset="2"/>
+              <a:buChar char=""/>
+              <a:defRPr sz="1400" b="0" i="0" kern="1200">
+                <a:solidFill>
+                  <a:schemeClr val="tx1"/>
+                </a:solidFill>
+                <a:latin typeface="+mj-lt"/>
+                <a:ea typeface="+mj-ea"/>
+                <a:cs typeface="+mj-cs"/>
+              </a:defRPr>
+            </a:lvl9pPr>
+          </a:lstStyle>
+          <a:p>
+            <a:pPr algn="just"/>
+            <a:r>
+              <a:rPr lang="es-ES" dirty="0"/>
+              <a:t>Es un fichero de hasta 25MB que se envía junto a un mensaje. Para que no se necesiten tantos recursos al visualizar un mensaje con adjuntos, estos cuentan con su propio recurso.</a:t>
+            </a:r>
+          </a:p>
+        </p:txBody>
+      </p:sp>
+      <p:sp>
+        <p:nvSpPr>
+          <p:cNvPr id="7" name="Title 1"/>
+          <p:cNvSpPr txBox="1">
+            <a:spLocks/>
+          </p:cNvSpPr>
+          <p:nvPr/>
+        </p:nvSpPr>
+        <p:spPr>
+          <a:xfrm>
+            <a:off x="469556" y="3208636"/>
+            <a:ext cx="9404723" cy="586584"/>
+          </a:xfrm>
+          <a:prstGeom prst="rect">
+            <a:avLst/>
+          </a:prstGeom>
+        </p:spPr>
+        <p:txBody>
+          <a:bodyPr vert="horz" lIns="91440" tIns="45720" rIns="91440" bIns="45720" rtlCol="0" anchor="t">
+            <a:noAutofit/>
+          </a:bodyPr>
+          <a:lstStyle>
+            <a:lvl1pPr algn="l" defTabSz="457200" rtl="0" eaLnBrk="1" latinLnBrk="0" hangingPunct="1">
+              <a:spcBef>
+                <a:spcPct val="0"/>
+              </a:spcBef>
+              <a:buNone/>
+              <a:defRPr sz="4200" b="0" i="0" kern="1200">
+                <a:solidFill>
+                  <a:schemeClr val="tx2"/>
+                </a:solidFill>
+                <a:latin typeface="+mj-lt"/>
+                <a:ea typeface="+mj-ea"/>
+                <a:cs typeface="+mj-cs"/>
+              </a:defRPr>
+            </a:lvl1pPr>
+            <a:lvl2pPr eaLnBrk="1" hangingPunct="1">
+              <a:defRPr>
+                <a:solidFill>
+                  <a:schemeClr val="tx2"/>
+                </a:solidFill>
+              </a:defRPr>
+            </a:lvl2pPr>
+            <a:lvl3pPr eaLnBrk="1" hangingPunct="1">
+              <a:defRPr>
+                <a:solidFill>
+                  <a:schemeClr val="tx2"/>
+                </a:solidFill>
+              </a:defRPr>
+            </a:lvl3pPr>
+            <a:lvl4pPr eaLnBrk="1" hangingPunct="1">
+              <a:defRPr>
+                <a:solidFill>
+                  <a:schemeClr val="tx2"/>
+                </a:solidFill>
+              </a:defRPr>
+            </a:lvl4pPr>
+            <a:lvl5pPr eaLnBrk="1" hangingPunct="1">
+              <a:defRPr>
+                <a:solidFill>
+                  <a:schemeClr val="tx2"/>
+                </a:solidFill>
+              </a:defRPr>
+            </a:lvl5pPr>
+            <a:lvl6pPr eaLnBrk="1" hangingPunct="1">
+              <a:defRPr>
+                <a:solidFill>
+                  <a:schemeClr val="tx2"/>
+                </a:solidFill>
+              </a:defRPr>
+            </a:lvl6pPr>
+            <a:lvl7pPr eaLnBrk="1" hangingPunct="1">
+              <a:defRPr>
+                <a:solidFill>
+                  <a:schemeClr val="tx2"/>
+                </a:solidFill>
+              </a:defRPr>
+            </a:lvl7pPr>
+            <a:lvl8pPr eaLnBrk="1" hangingPunct="1">
+              <a:defRPr>
+                <a:solidFill>
+                  <a:schemeClr val="tx2"/>
+                </a:solidFill>
+              </a:defRPr>
+            </a:lvl8pPr>
+            <a:lvl9pPr eaLnBrk="1" hangingPunct="1">
+              <a:defRPr>
+                <a:solidFill>
+                  <a:schemeClr val="tx2"/>
+                </a:solidFill>
+              </a:defRPr>
+            </a:lvl9pPr>
+          </a:lstStyle>
+          <a:p>
+            <a:r>
+              <a:rPr lang="es-ES" sz="2800" dirty="0" smtClean="0"/>
+              <a:t>Adjunto (</a:t>
+            </a:r>
+            <a:r>
+              <a:rPr lang="es-ES" sz="2800" i="1" dirty="0" err="1" smtClean="0"/>
+              <a:t>attachment</a:t>
+            </a:r>
+            <a:r>
+              <a:rPr lang="es-ES" sz="2800" dirty="0" smtClean="0"/>
+              <a:t>)</a:t>
+            </a:r>
+            <a:r>
+              <a:rPr lang="es-ES" b="1" dirty="0" smtClean="0"/>
+              <a:t/>
+            </a:r>
+            <a:br>
+              <a:rPr lang="es-ES" b="1" dirty="0" smtClean="0"/>
+            </a:br>
+            <a:endParaRPr lang="es-ES" dirty="0"/>
+          </a:p>
+        </p:txBody>
+      </p:sp>
+    </p:spTree>
+    <p:extLst>
+      <p:ext uri="{BB962C8B-B14F-4D97-AF65-F5344CB8AC3E}">
+        <p14:creationId xmlns:p14="http://schemas.microsoft.com/office/powerpoint/2010/main" val="2277724844"/>
+      </p:ext>
+    </p:extLst>
+  </p:cSld>
+  <p:clrMapOvr>
+    <a:masterClrMapping/>
+  </p:clrMapOvr>
+</p:sld>
+</file>
+
+<file path=ppt/slides/slide17.xml><?xml version="1.0" encoding="utf-8"?>
+<p:sld xmlns:a="http://schemas.openxmlformats.org/drawingml/2006/main" xmlns:r="http://schemas.openxmlformats.org/officeDocument/2006/relationships" xmlns:p="http://schemas.openxmlformats.org/presentationml/2006/main">
+  <p:cSld>
+    <p:spTree>
+      <p:nvGrpSpPr>
+        <p:cNvPr id="1" name=""/>
+        <p:cNvGrpSpPr/>
+        <p:nvPr/>
+      </p:nvGrpSpPr>
+      <p:grpSpPr>
+        <a:xfrm>
+          <a:off x="0" y="0"/>
+          <a:ext cx="0" cy="0"/>
+          <a:chOff x="0" y="0"/>
+          <a:chExt cx="0" cy="0"/>
+        </a:xfrm>
+      </p:grpSpPr>
+      <p:sp>
+        <p:nvSpPr>
+          <p:cNvPr id="2" name="Title 1"/>
+          <p:cNvSpPr>
+            <a:spLocks noGrp="1"/>
+          </p:cNvSpPr>
+          <p:nvPr>
+            <p:ph type="title"/>
+          </p:nvPr>
+        </p:nvSpPr>
+        <p:spPr>
+          <a:xfrm>
+            <a:off x="646111" y="452718"/>
+            <a:ext cx="9404723" cy="782958"/>
+          </a:xfrm>
+        </p:spPr>
+        <p:txBody>
+          <a:bodyPr/>
+          <a:lstStyle/>
+          <a:p>
+            <a:r>
+              <a:rPr lang="es-ES" b="1" dirty="0" smtClean="0"/>
+              <a:t>Recursos de Gmail</a:t>
+            </a:r>
+            <a:endParaRPr lang="es-ES" b="1" dirty="0"/>
+          </a:p>
+        </p:txBody>
+      </p:sp>
+      <p:sp>
+        <p:nvSpPr>
+          <p:cNvPr id="4" name="Content Placeholder 2"/>
+          <p:cNvSpPr txBox="1">
+            <a:spLocks/>
+          </p:cNvSpPr>
+          <p:nvPr/>
+        </p:nvSpPr>
+        <p:spPr>
+          <a:xfrm>
+            <a:off x="469556" y="2242388"/>
+            <a:ext cx="10492427" cy="966248"/>
+          </a:xfrm>
+          <a:prstGeom prst="rect">
+            <a:avLst/>
+          </a:prstGeom>
+        </p:spPr>
+        <p:txBody>
+          <a:bodyPr vert="horz" lIns="91440" tIns="45720" rIns="91440" bIns="45720" rtlCol="0">
+            <a:normAutofit/>
+          </a:bodyPr>
+          <a:lstStyle>
+            <a:lvl1pPr marL="342900" indent="-342900" algn="l" defTabSz="457200" rtl="0" eaLnBrk="1" latinLnBrk="0" hangingPunct="1">
+              <a:spcBef>
+                <a:spcPts val="1000"/>
+              </a:spcBef>
+              <a:spcAft>
+                <a:spcPts val="0"/>
+              </a:spcAft>
+              <a:buClr>
+                <a:schemeClr val="bg2">
+                  <a:lumMod val="40000"/>
+                  <a:lumOff val="60000"/>
+                </a:schemeClr>
+              </a:buClr>
+              <a:buSzPct val="80000"/>
+              <a:buFont typeface="Wingdings 3" charset="2"/>
+              <a:buChar char=""/>
+              <a:defRPr sz="2000" b="0" i="0" kern="1200">
+                <a:solidFill>
+                  <a:schemeClr val="tx1"/>
+                </a:solidFill>
+                <a:latin typeface="+mj-lt"/>
+                <a:ea typeface="+mj-ea"/>
+                <a:cs typeface="+mj-cs"/>
+              </a:defRPr>
+            </a:lvl1pPr>
+            <a:lvl2pPr marL="742950" indent="-285750" algn="l" defTabSz="457200" rtl="0" eaLnBrk="1" latinLnBrk="0" hangingPunct="1">
+              <a:spcBef>
+                <a:spcPts val="1000"/>
+              </a:spcBef>
+              <a:spcAft>
+                <a:spcPts val="0"/>
+              </a:spcAft>
+              <a:buClr>
+                <a:schemeClr val="bg2">
+                  <a:lumMod val="40000"/>
+                  <a:lumOff val="60000"/>
+                </a:schemeClr>
+              </a:buClr>
+              <a:buSzPct val="80000"/>
+              <a:buFont typeface="Wingdings 3" charset="2"/>
+              <a:buChar char=""/>
+              <a:defRPr sz="1800" b="0" i="0" kern="1200">
+                <a:solidFill>
+                  <a:schemeClr val="tx1"/>
+                </a:solidFill>
+                <a:latin typeface="+mj-lt"/>
+                <a:ea typeface="+mj-ea"/>
+                <a:cs typeface="+mj-cs"/>
+              </a:defRPr>
+            </a:lvl2pPr>
+            <a:lvl3pPr marL="1143000" indent="-228600" algn="l" defTabSz="457200" rtl="0" eaLnBrk="1" latinLnBrk="0" hangingPunct="1">
+              <a:spcBef>
+                <a:spcPts val="1000"/>
+              </a:spcBef>
+              <a:spcAft>
+                <a:spcPts val="0"/>
+              </a:spcAft>
+              <a:buClr>
+                <a:schemeClr val="bg2">
+                  <a:lumMod val="40000"/>
+                  <a:lumOff val="60000"/>
+                </a:schemeClr>
+              </a:buClr>
+              <a:buSzPct val="80000"/>
+              <a:buFont typeface="Wingdings 3" charset="2"/>
+              <a:buChar char=""/>
+              <a:defRPr sz="1600" b="0" i="0" kern="1200">
+                <a:solidFill>
+                  <a:schemeClr val="tx1"/>
+                </a:solidFill>
+                <a:latin typeface="+mj-lt"/>
+                <a:ea typeface="+mj-ea"/>
+                <a:cs typeface="+mj-cs"/>
+              </a:defRPr>
+            </a:lvl3pPr>
+            <a:lvl4pPr marL="1600200" indent="-228600" algn="l" defTabSz="457200" rtl="0" eaLnBrk="1" latinLnBrk="0" hangingPunct="1">
+              <a:spcBef>
+                <a:spcPts val="1000"/>
+              </a:spcBef>
+              <a:spcAft>
+                <a:spcPts val="0"/>
+              </a:spcAft>
+              <a:buClr>
+                <a:schemeClr val="bg2">
+                  <a:lumMod val="40000"/>
+                  <a:lumOff val="60000"/>
+                </a:schemeClr>
+              </a:buClr>
+              <a:buSzPct val="80000"/>
+              <a:buFont typeface="Wingdings 3" charset="2"/>
+              <a:buChar char=""/>
+              <a:defRPr sz="1400" b="0" i="0" kern="1200">
+                <a:solidFill>
+                  <a:schemeClr val="tx1"/>
+                </a:solidFill>
+                <a:latin typeface="+mj-lt"/>
+                <a:ea typeface="+mj-ea"/>
+                <a:cs typeface="+mj-cs"/>
+              </a:defRPr>
+            </a:lvl4pPr>
+            <a:lvl5pPr marL="2057400" indent="-228600" algn="l" defTabSz="457200" rtl="0" eaLnBrk="1" latinLnBrk="0" hangingPunct="1">
+              <a:spcBef>
+                <a:spcPts val="1000"/>
+              </a:spcBef>
+              <a:spcAft>
+                <a:spcPts val="0"/>
+              </a:spcAft>
+              <a:buClr>
+                <a:schemeClr val="bg2">
+                  <a:lumMod val="40000"/>
+                  <a:lumOff val="60000"/>
+                </a:schemeClr>
+              </a:buClr>
+              <a:buSzPct val="80000"/>
+              <a:buFont typeface="Wingdings 3" charset="2"/>
+              <a:buChar char=""/>
+              <a:defRPr sz="1400" b="0" i="0" kern="1200">
+                <a:solidFill>
+                  <a:schemeClr val="tx1"/>
+                </a:solidFill>
+                <a:latin typeface="+mj-lt"/>
+                <a:ea typeface="+mj-ea"/>
+                <a:cs typeface="+mj-cs"/>
+              </a:defRPr>
+            </a:lvl5pPr>
+            <a:lvl6pPr marL="2506000" indent="-228600" algn="l" defTabSz="457200" rtl="0" eaLnBrk="1" latinLnBrk="0" hangingPunct="1">
+              <a:spcBef>
+                <a:spcPts val="1000"/>
+              </a:spcBef>
+              <a:spcAft>
+                <a:spcPts val="0"/>
+              </a:spcAft>
+              <a:buClr>
+                <a:schemeClr val="bg2">
+                  <a:lumMod val="40000"/>
+                  <a:lumOff val="60000"/>
+                </a:schemeClr>
+              </a:buClr>
+              <a:buSzPct val="80000"/>
+              <a:buFont typeface="Wingdings 3" charset="2"/>
+              <a:buChar char=""/>
+              <a:defRPr sz="1400" b="0" i="0" kern="1200">
+                <a:solidFill>
+                  <a:schemeClr val="tx1"/>
+                </a:solidFill>
+                <a:latin typeface="+mj-lt"/>
+                <a:ea typeface="+mj-ea"/>
+                <a:cs typeface="+mj-cs"/>
+              </a:defRPr>
+            </a:lvl6pPr>
+            <a:lvl7pPr marL="2971800" indent="-228600" algn="l" defTabSz="457200" rtl="0" eaLnBrk="1" latinLnBrk="0" hangingPunct="1">
+              <a:spcBef>
+                <a:spcPts val="1000"/>
+              </a:spcBef>
+              <a:spcAft>
+                <a:spcPts val="0"/>
+              </a:spcAft>
+              <a:buClr>
+                <a:schemeClr val="bg2">
+                  <a:lumMod val="40000"/>
+                  <a:lumOff val="60000"/>
+                </a:schemeClr>
+              </a:buClr>
+              <a:buSzPct val="80000"/>
+              <a:buFont typeface="Wingdings 3" charset="2"/>
+              <a:buChar char=""/>
+              <a:defRPr sz="1400" b="0" i="0" kern="1200">
+                <a:solidFill>
+                  <a:schemeClr val="tx1"/>
+                </a:solidFill>
+                <a:latin typeface="+mj-lt"/>
+                <a:ea typeface="+mj-ea"/>
+                <a:cs typeface="+mj-cs"/>
+              </a:defRPr>
+            </a:lvl7pPr>
+            <a:lvl8pPr marL="3429000" indent="-228600" algn="l" defTabSz="457200" rtl="0" eaLnBrk="1" latinLnBrk="0" hangingPunct="1">
+              <a:spcBef>
+                <a:spcPts val="1000"/>
+              </a:spcBef>
+              <a:spcAft>
+                <a:spcPts val="0"/>
+              </a:spcAft>
+              <a:buClr>
+                <a:schemeClr val="bg2">
+                  <a:lumMod val="40000"/>
+                  <a:lumOff val="60000"/>
+                </a:schemeClr>
+              </a:buClr>
+              <a:buSzPct val="80000"/>
+              <a:buFont typeface="Wingdings 3" charset="2"/>
+              <a:buChar char=""/>
+              <a:defRPr sz="1400" b="0" i="0" kern="1200">
+                <a:solidFill>
+                  <a:schemeClr val="tx1"/>
+                </a:solidFill>
+                <a:latin typeface="+mj-lt"/>
+                <a:ea typeface="+mj-ea"/>
+                <a:cs typeface="+mj-cs"/>
+              </a:defRPr>
+            </a:lvl8pPr>
+            <a:lvl9pPr marL="3886200" indent="-228600" algn="l" defTabSz="457200" rtl="0" eaLnBrk="1" latinLnBrk="0" hangingPunct="1">
+              <a:spcBef>
+                <a:spcPts val="1000"/>
+              </a:spcBef>
+              <a:spcAft>
+                <a:spcPts val="0"/>
+              </a:spcAft>
+              <a:buClr>
+                <a:schemeClr val="bg2">
+                  <a:lumMod val="40000"/>
+                  <a:lumOff val="60000"/>
+                </a:schemeClr>
+              </a:buClr>
+              <a:buSzPct val="80000"/>
+              <a:buFont typeface="Wingdings 3" charset="2"/>
+              <a:buChar char=""/>
+              <a:defRPr sz="1400" b="0" i="0" kern="1200">
+                <a:solidFill>
+                  <a:schemeClr val="tx1"/>
+                </a:solidFill>
+                <a:latin typeface="+mj-lt"/>
+                <a:ea typeface="+mj-ea"/>
+                <a:cs typeface="+mj-cs"/>
+              </a:defRPr>
+            </a:lvl9pPr>
+          </a:lstStyle>
+          <a:p>
+            <a:pPr algn="just"/>
+            <a:r>
+              <a:rPr lang="es-ES" dirty="0" err="1"/>
+              <a:t>Metainformación</a:t>
+            </a:r>
+            <a:r>
+              <a:rPr lang="es-ES" dirty="0"/>
+              <a:t> de un hilo que determina a las categorías a las que pertenece (enviados, recibidos, social, notificaciones, etcétera).</a:t>
+            </a:r>
+          </a:p>
+        </p:txBody>
+      </p:sp>
+      <p:sp>
+        <p:nvSpPr>
+          <p:cNvPr id="5" name="Title 1"/>
+          <p:cNvSpPr txBox="1">
+            <a:spLocks/>
+          </p:cNvSpPr>
+          <p:nvPr/>
+        </p:nvSpPr>
+        <p:spPr>
+          <a:xfrm>
+            <a:off x="469556" y="1548711"/>
+            <a:ext cx="9404723" cy="586584"/>
+          </a:xfrm>
+          <a:prstGeom prst="rect">
+            <a:avLst/>
+          </a:prstGeom>
+        </p:spPr>
+        <p:txBody>
+          <a:bodyPr vert="horz" lIns="91440" tIns="45720" rIns="91440" bIns="45720" rtlCol="0" anchor="t">
+            <a:noAutofit/>
+          </a:bodyPr>
+          <a:lstStyle>
+            <a:lvl1pPr algn="l" defTabSz="457200" rtl="0" eaLnBrk="1" latinLnBrk="0" hangingPunct="1">
+              <a:spcBef>
+                <a:spcPct val="0"/>
+              </a:spcBef>
+              <a:buNone/>
+              <a:defRPr sz="4200" b="0" i="0" kern="1200">
+                <a:solidFill>
+                  <a:schemeClr val="tx2"/>
+                </a:solidFill>
+                <a:latin typeface="+mj-lt"/>
+                <a:ea typeface="+mj-ea"/>
+                <a:cs typeface="+mj-cs"/>
+              </a:defRPr>
+            </a:lvl1pPr>
+            <a:lvl2pPr eaLnBrk="1" hangingPunct="1">
+              <a:defRPr>
+                <a:solidFill>
+                  <a:schemeClr val="tx2"/>
+                </a:solidFill>
+              </a:defRPr>
+            </a:lvl2pPr>
+            <a:lvl3pPr eaLnBrk="1" hangingPunct="1">
+              <a:defRPr>
+                <a:solidFill>
+                  <a:schemeClr val="tx2"/>
+                </a:solidFill>
+              </a:defRPr>
+            </a:lvl3pPr>
+            <a:lvl4pPr eaLnBrk="1" hangingPunct="1">
+              <a:defRPr>
+                <a:solidFill>
+                  <a:schemeClr val="tx2"/>
+                </a:solidFill>
+              </a:defRPr>
+            </a:lvl4pPr>
+            <a:lvl5pPr eaLnBrk="1" hangingPunct="1">
+              <a:defRPr>
+                <a:solidFill>
+                  <a:schemeClr val="tx2"/>
+                </a:solidFill>
+              </a:defRPr>
+            </a:lvl5pPr>
+            <a:lvl6pPr eaLnBrk="1" hangingPunct="1">
+              <a:defRPr>
+                <a:solidFill>
+                  <a:schemeClr val="tx2"/>
+                </a:solidFill>
+              </a:defRPr>
+            </a:lvl6pPr>
+            <a:lvl7pPr eaLnBrk="1" hangingPunct="1">
+              <a:defRPr>
+                <a:solidFill>
+                  <a:schemeClr val="tx2"/>
+                </a:solidFill>
+              </a:defRPr>
+            </a:lvl7pPr>
+            <a:lvl8pPr eaLnBrk="1" hangingPunct="1">
+              <a:defRPr>
+                <a:solidFill>
+                  <a:schemeClr val="tx2"/>
+                </a:solidFill>
+              </a:defRPr>
+            </a:lvl8pPr>
+            <a:lvl9pPr eaLnBrk="1" hangingPunct="1">
+              <a:defRPr>
+                <a:solidFill>
+                  <a:schemeClr val="tx2"/>
+                </a:solidFill>
+              </a:defRPr>
+            </a:lvl9pPr>
+          </a:lstStyle>
+          <a:p>
+            <a:r>
+              <a:rPr lang="es-ES" sz="2800" dirty="0" smtClean="0"/>
+              <a:t>Etiquetas (</a:t>
+            </a:r>
+            <a:r>
+              <a:rPr lang="es-ES" sz="2800" i="1" dirty="0" err="1" smtClean="0"/>
+              <a:t>labels</a:t>
+            </a:r>
+            <a:r>
+              <a:rPr lang="es-ES" sz="2800" dirty="0" smtClean="0"/>
+              <a:t>)</a:t>
+            </a:r>
+            <a:r>
+              <a:rPr lang="es-ES" b="1" dirty="0" smtClean="0"/>
+              <a:t/>
+            </a:r>
+            <a:br>
+              <a:rPr lang="es-ES" b="1" dirty="0" smtClean="0"/>
+            </a:br>
+            <a:endParaRPr lang="es-ES" dirty="0"/>
+          </a:p>
+        </p:txBody>
+      </p:sp>
+      <p:sp>
+        <p:nvSpPr>
+          <p:cNvPr id="6" name="Content Placeholder 2"/>
+          <p:cNvSpPr txBox="1">
+            <a:spLocks/>
+          </p:cNvSpPr>
+          <p:nvPr/>
+        </p:nvSpPr>
+        <p:spPr>
+          <a:xfrm>
+            <a:off x="469556" y="3902313"/>
+            <a:ext cx="10492427" cy="1633514"/>
+          </a:xfrm>
+          <a:prstGeom prst="rect">
+            <a:avLst/>
+          </a:prstGeom>
+        </p:spPr>
+        <p:txBody>
+          <a:bodyPr vert="horz" lIns="91440" tIns="45720" rIns="91440" bIns="45720" rtlCol="0">
+            <a:normAutofit/>
+          </a:bodyPr>
+          <a:lstStyle>
+            <a:lvl1pPr marL="342900" indent="-342900" algn="l" defTabSz="457200" rtl="0" eaLnBrk="1" latinLnBrk="0" hangingPunct="1">
+              <a:spcBef>
+                <a:spcPts val="1000"/>
+              </a:spcBef>
+              <a:spcAft>
+                <a:spcPts val="0"/>
+              </a:spcAft>
+              <a:buClr>
+                <a:schemeClr val="bg2">
+                  <a:lumMod val="40000"/>
+                  <a:lumOff val="60000"/>
+                </a:schemeClr>
+              </a:buClr>
+              <a:buSzPct val="80000"/>
+              <a:buFont typeface="Wingdings 3" charset="2"/>
+              <a:buChar char=""/>
+              <a:defRPr sz="2000" b="0" i="0" kern="1200">
+                <a:solidFill>
+                  <a:schemeClr val="tx1"/>
+                </a:solidFill>
+                <a:latin typeface="+mj-lt"/>
+                <a:ea typeface="+mj-ea"/>
+                <a:cs typeface="+mj-cs"/>
+              </a:defRPr>
+            </a:lvl1pPr>
+            <a:lvl2pPr marL="742950" indent="-285750" algn="l" defTabSz="457200" rtl="0" eaLnBrk="1" latinLnBrk="0" hangingPunct="1">
+              <a:spcBef>
+                <a:spcPts val="1000"/>
+              </a:spcBef>
+              <a:spcAft>
+                <a:spcPts val="0"/>
+              </a:spcAft>
+              <a:buClr>
+                <a:schemeClr val="bg2">
+                  <a:lumMod val="40000"/>
+                  <a:lumOff val="60000"/>
+                </a:schemeClr>
+              </a:buClr>
+              <a:buSzPct val="80000"/>
+              <a:buFont typeface="Wingdings 3" charset="2"/>
+              <a:buChar char=""/>
+              <a:defRPr sz="1800" b="0" i="0" kern="1200">
+                <a:solidFill>
+                  <a:schemeClr val="tx1"/>
+                </a:solidFill>
+                <a:latin typeface="+mj-lt"/>
+                <a:ea typeface="+mj-ea"/>
+                <a:cs typeface="+mj-cs"/>
+              </a:defRPr>
+            </a:lvl2pPr>
+            <a:lvl3pPr marL="1143000" indent="-228600" algn="l" defTabSz="457200" rtl="0" eaLnBrk="1" latinLnBrk="0" hangingPunct="1">
+              <a:spcBef>
+                <a:spcPts val="1000"/>
+              </a:spcBef>
+              <a:spcAft>
+                <a:spcPts val="0"/>
+              </a:spcAft>
+              <a:buClr>
+                <a:schemeClr val="bg2">
+                  <a:lumMod val="40000"/>
+                  <a:lumOff val="60000"/>
+                </a:schemeClr>
+              </a:buClr>
+              <a:buSzPct val="80000"/>
+              <a:buFont typeface="Wingdings 3" charset="2"/>
+              <a:buChar char=""/>
+              <a:defRPr sz="1600" b="0" i="0" kern="1200">
+                <a:solidFill>
+                  <a:schemeClr val="tx1"/>
+                </a:solidFill>
+                <a:latin typeface="+mj-lt"/>
+                <a:ea typeface="+mj-ea"/>
+                <a:cs typeface="+mj-cs"/>
+              </a:defRPr>
+            </a:lvl3pPr>
+            <a:lvl4pPr marL="1600200" indent="-228600" algn="l" defTabSz="457200" rtl="0" eaLnBrk="1" latinLnBrk="0" hangingPunct="1">
+              <a:spcBef>
+                <a:spcPts val="1000"/>
+              </a:spcBef>
+              <a:spcAft>
+                <a:spcPts val="0"/>
+              </a:spcAft>
+              <a:buClr>
+                <a:schemeClr val="bg2">
+                  <a:lumMod val="40000"/>
+                  <a:lumOff val="60000"/>
+                </a:schemeClr>
+              </a:buClr>
+              <a:buSzPct val="80000"/>
+              <a:buFont typeface="Wingdings 3" charset="2"/>
+              <a:buChar char=""/>
+              <a:defRPr sz="1400" b="0" i="0" kern="1200">
+                <a:solidFill>
+                  <a:schemeClr val="tx1"/>
+                </a:solidFill>
+                <a:latin typeface="+mj-lt"/>
+                <a:ea typeface="+mj-ea"/>
+                <a:cs typeface="+mj-cs"/>
+              </a:defRPr>
+            </a:lvl4pPr>
+            <a:lvl5pPr marL="2057400" indent="-228600" algn="l" defTabSz="457200" rtl="0" eaLnBrk="1" latinLnBrk="0" hangingPunct="1">
+              <a:spcBef>
+                <a:spcPts val="1000"/>
+              </a:spcBef>
+              <a:spcAft>
+                <a:spcPts val="0"/>
+              </a:spcAft>
+              <a:buClr>
+                <a:schemeClr val="bg2">
+                  <a:lumMod val="40000"/>
+                  <a:lumOff val="60000"/>
+                </a:schemeClr>
+              </a:buClr>
+              <a:buSzPct val="80000"/>
+              <a:buFont typeface="Wingdings 3" charset="2"/>
+              <a:buChar char=""/>
+              <a:defRPr sz="1400" b="0" i="0" kern="1200">
+                <a:solidFill>
+                  <a:schemeClr val="tx1"/>
+                </a:solidFill>
+                <a:latin typeface="+mj-lt"/>
+                <a:ea typeface="+mj-ea"/>
+                <a:cs typeface="+mj-cs"/>
+              </a:defRPr>
+            </a:lvl5pPr>
+            <a:lvl6pPr marL="2506000" indent="-228600" algn="l" defTabSz="457200" rtl="0" eaLnBrk="1" latinLnBrk="0" hangingPunct="1">
+              <a:spcBef>
+                <a:spcPts val="1000"/>
+              </a:spcBef>
+              <a:spcAft>
+                <a:spcPts val="0"/>
+              </a:spcAft>
+              <a:buClr>
+                <a:schemeClr val="bg2">
+                  <a:lumMod val="40000"/>
+                  <a:lumOff val="60000"/>
+                </a:schemeClr>
+              </a:buClr>
+              <a:buSzPct val="80000"/>
+              <a:buFont typeface="Wingdings 3" charset="2"/>
+              <a:buChar char=""/>
+              <a:defRPr sz="1400" b="0" i="0" kern="1200">
+                <a:solidFill>
+                  <a:schemeClr val="tx1"/>
+                </a:solidFill>
+                <a:latin typeface="+mj-lt"/>
+                <a:ea typeface="+mj-ea"/>
+                <a:cs typeface="+mj-cs"/>
+              </a:defRPr>
+            </a:lvl6pPr>
+            <a:lvl7pPr marL="2971800" indent="-228600" algn="l" defTabSz="457200" rtl="0" eaLnBrk="1" latinLnBrk="0" hangingPunct="1">
+              <a:spcBef>
+                <a:spcPts val="1000"/>
+              </a:spcBef>
+              <a:spcAft>
+                <a:spcPts val="0"/>
+              </a:spcAft>
+              <a:buClr>
+                <a:schemeClr val="bg2">
+                  <a:lumMod val="40000"/>
+                  <a:lumOff val="60000"/>
+                </a:schemeClr>
+              </a:buClr>
+              <a:buSzPct val="80000"/>
+              <a:buFont typeface="Wingdings 3" charset="2"/>
+              <a:buChar char=""/>
+              <a:defRPr sz="1400" b="0" i="0" kern="1200">
+                <a:solidFill>
+                  <a:schemeClr val="tx1"/>
+                </a:solidFill>
+                <a:latin typeface="+mj-lt"/>
+                <a:ea typeface="+mj-ea"/>
+                <a:cs typeface="+mj-cs"/>
+              </a:defRPr>
+            </a:lvl7pPr>
+            <a:lvl8pPr marL="3429000" indent="-228600" algn="l" defTabSz="457200" rtl="0" eaLnBrk="1" latinLnBrk="0" hangingPunct="1">
+              <a:spcBef>
+                <a:spcPts val="1000"/>
+              </a:spcBef>
+              <a:spcAft>
+                <a:spcPts val="0"/>
+              </a:spcAft>
+              <a:buClr>
+                <a:schemeClr val="bg2">
+                  <a:lumMod val="40000"/>
+                  <a:lumOff val="60000"/>
+                </a:schemeClr>
+              </a:buClr>
+              <a:buSzPct val="80000"/>
+              <a:buFont typeface="Wingdings 3" charset="2"/>
+              <a:buChar char=""/>
+              <a:defRPr sz="1400" b="0" i="0" kern="1200">
+                <a:solidFill>
+                  <a:schemeClr val="tx1"/>
+                </a:solidFill>
+                <a:latin typeface="+mj-lt"/>
+                <a:ea typeface="+mj-ea"/>
+                <a:cs typeface="+mj-cs"/>
+              </a:defRPr>
+            </a:lvl8pPr>
+            <a:lvl9pPr marL="3886200" indent="-228600" algn="l" defTabSz="457200" rtl="0" eaLnBrk="1" latinLnBrk="0" hangingPunct="1">
+              <a:spcBef>
+                <a:spcPts val="1000"/>
+              </a:spcBef>
+              <a:spcAft>
+                <a:spcPts val="0"/>
+              </a:spcAft>
+              <a:buClr>
+                <a:schemeClr val="bg2">
+                  <a:lumMod val="40000"/>
+                  <a:lumOff val="60000"/>
+                </a:schemeClr>
+              </a:buClr>
+              <a:buSzPct val="80000"/>
+              <a:buFont typeface="Wingdings 3" charset="2"/>
+              <a:buChar char=""/>
+              <a:defRPr sz="1400" b="0" i="0" kern="1200">
+                <a:solidFill>
+                  <a:schemeClr val="tx1"/>
+                </a:solidFill>
+                <a:latin typeface="+mj-lt"/>
+                <a:ea typeface="+mj-ea"/>
+                <a:cs typeface="+mj-cs"/>
+              </a:defRPr>
+            </a:lvl9pPr>
+          </a:lstStyle>
+          <a:p>
+            <a:pPr algn="just"/>
+            <a:r>
+              <a:rPr lang="es-ES" dirty="0" smtClean="0"/>
+              <a:t>Recurso </a:t>
+            </a:r>
+            <a:r>
+              <a:rPr lang="es-ES" dirty="0"/>
+              <a:t>asociado a las últimas actividades que has efectuado (leer un hilo, enviar un mensaje, etcétera). Cada elemento de historia tiene un tiempo de vida de entre unas horas y dos o tres semanas.</a:t>
+            </a:r>
+          </a:p>
+        </p:txBody>
+      </p:sp>
+      <p:sp>
+        <p:nvSpPr>
+          <p:cNvPr id="7" name="Title 1"/>
+          <p:cNvSpPr txBox="1">
+            <a:spLocks/>
+          </p:cNvSpPr>
+          <p:nvPr/>
+        </p:nvSpPr>
+        <p:spPr>
+          <a:xfrm>
+            <a:off x="469556" y="3208636"/>
+            <a:ext cx="9404723" cy="586584"/>
+          </a:xfrm>
+          <a:prstGeom prst="rect">
+            <a:avLst/>
+          </a:prstGeom>
+        </p:spPr>
+        <p:txBody>
+          <a:bodyPr vert="horz" lIns="91440" tIns="45720" rIns="91440" bIns="45720" rtlCol="0" anchor="t">
+            <a:noAutofit/>
+          </a:bodyPr>
+          <a:lstStyle>
+            <a:lvl1pPr algn="l" defTabSz="457200" rtl="0" eaLnBrk="1" latinLnBrk="0" hangingPunct="1">
+              <a:spcBef>
+                <a:spcPct val="0"/>
+              </a:spcBef>
+              <a:buNone/>
+              <a:defRPr sz="4200" b="0" i="0" kern="1200">
+                <a:solidFill>
+                  <a:schemeClr val="tx2"/>
+                </a:solidFill>
+                <a:latin typeface="+mj-lt"/>
+                <a:ea typeface="+mj-ea"/>
+                <a:cs typeface="+mj-cs"/>
+              </a:defRPr>
+            </a:lvl1pPr>
+            <a:lvl2pPr eaLnBrk="1" hangingPunct="1">
+              <a:defRPr>
+                <a:solidFill>
+                  <a:schemeClr val="tx2"/>
+                </a:solidFill>
+              </a:defRPr>
+            </a:lvl2pPr>
+            <a:lvl3pPr eaLnBrk="1" hangingPunct="1">
+              <a:defRPr>
+                <a:solidFill>
+                  <a:schemeClr val="tx2"/>
+                </a:solidFill>
+              </a:defRPr>
+            </a:lvl3pPr>
+            <a:lvl4pPr eaLnBrk="1" hangingPunct="1">
+              <a:defRPr>
+                <a:solidFill>
+                  <a:schemeClr val="tx2"/>
+                </a:solidFill>
+              </a:defRPr>
+            </a:lvl4pPr>
+            <a:lvl5pPr eaLnBrk="1" hangingPunct="1">
+              <a:defRPr>
+                <a:solidFill>
+                  <a:schemeClr val="tx2"/>
+                </a:solidFill>
+              </a:defRPr>
+            </a:lvl5pPr>
+            <a:lvl6pPr eaLnBrk="1" hangingPunct="1">
+              <a:defRPr>
+                <a:solidFill>
+                  <a:schemeClr val="tx2"/>
+                </a:solidFill>
+              </a:defRPr>
+            </a:lvl6pPr>
+            <a:lvl7pPr eaLnBrk="1" hangingPunct="1">
+              <a:defRPr>
+                <a:solidFill>
+                  <a:schemeClr val="tx2"/>
+                </a:solidFill>
+              </a:defRPr>
+            </a:lvl7pPr>
+            <a:lvl8pPr eaLnBrk="1" hangingPunct="1">
+              <a:defRPr>
+                <a:solidFill>
+                  <a:schemeClr val="tx2"/>
+                </a:solidFill>
+              </a:defRPr>
+            </a:lvl8pPr>
+            <a:lvl9pPr eaLnBrk="1" hangingPunct="1">
+              <a:defRPr>
+                <a:solidFill>
+                  <a:schemeClr val="tx2"/>
+                </a:solidFill>
+              </a:defRPr>
+            </a:lvl9pPr>
+          </a:lstStyle>
+          <a:p>
+            <a:r>
+              <a:rPr lang="es-ES" sz="2800" dirty="0" smtClean="0"/>
+              <a:t>Historia (</a:t>
+            </a:r>
+            <a:r>
+              <a:rPr lang="es-ES" sz="2800" i="1" dirty="0" err="1" smtClean="0"/>
+              <a:t>history</a:t>
+            </a:r>
+            <a:r>
+              <a:rPr lang="es-ES" sz="2800" dirty="0" smtClean="0"/>
+              <a:t>)</a:t>
+            </a:r>
+            <a:r>
+              <a:rPr lang="es-ES" b="1" dirty="0" smtClean="0"/>
+              <a:t/>
+            </a:r>
+            <a:br>
+              <a:rPr lang="es-ES" b="1" dirty="0" smtClean="0"/>
+            </a:br>
+            <a:endParaRPr lang="es-ES" dirty="0"/>
+          </a:p>
+        </p:txBody>
+      </p:sp>
+    </p:spTree>
+    <p:extLst>
+      <p:ext uri="{BB962C8B-B14F-4D97-AF65-F5344CB8AC3E}">
+        <p14:creationId xmlns:p14="http://schemas.microsoft.com/office/powerpoint/2010/main" val="3090522148"/>
+      </p:ext>
+    </p:extLst>
+  </p:cSld>
+  <p:clrMapOvr>
+    <a:masterClrMapping/>
+  </p:clrMapOvr>
+</p:sld>
+</file>
+
+<file path=ppt/slides/slide18.xml><?xml version="1.0" encoding="utf-8"?>
+<p:sld xmlns:a="http://schemas.openxmlformats.org/drawingml/2006/main" xmlns:r="http://schemas.openxmlformats.org/officeDocument/2006/relationships" xmlns:p="http://schemas.openxmlformats.org/presentationml/2006/main">
+  <p:cSld>
+    <p:spTree>
+      <p:nvGrpSpPr>
+        <p:cNvPr id="1" name=""/>
+        <p:cNvGrpSpPr/>
+        <p:nvPr/>
+      </p:nvGrpSpPr>
+      <p:grpSpPr>
+        <a:xfrm>
+          <a:off x="0" y="0"/>
+          <a:ext cx="0" cy="0"/>
+          <a:chOff x="0" y="0"/>
+          <a:chExt cx="0" cy="0"/>
+        </a:xfrm>
+      </p:grpSpPr>
+      <p:sp>
+        <p:nvSpPr>
+          <p:cNvPr id="2" name="Title 1"/>
+          <p:cNvSpPr>
+            <a:spLocks noGrp="1"/>
+          </p:cNvSpPr>
+          <p:nvPr>
+            <p:ph type="title"/>
+          </p:nvPr>
+        </p:nvSpPr>
+        <p:spPr>
+          <a:xfrm>
+            <a:off x="646111" y="452718"/>
+            <a:ext cx="9404723" cy="782958"/>
+          </a:xfrm>
+        </p:spPr>
+        <p:txBody>
+          <a:bodyPr/>
+          <a:lstStyle/>
+          <a:p>
+            <a:r>
+              <a:rPr lang="es-ES" b="1" dirty="0" smtClean="0"/>
+              <a:t>Cómo funciona </a:t>
+            </a:r>
+            <a:r>
+              <a:rPr lang="es-ES" b="1" dirty="0" err="1" smtClean="0"/>
+              <a:t>BlackMail</a:t>
+            </a:r>
+            <a:endParaRPr lang="es-ES" b="1" dirty="0"/>
+          </a:p>
+        </p:txBody>
+      </p:sp>
+      <p:sp>
+        <p:nvSpPr>
+          <p:cNvPr id="3" name="Content Placeholder 2"/>
+          <p:cNvSpPr>
+            <a:spLocks noGrp="1"/>
+          </p:cNvSpPr>
+          <p:nvPr>
+            <p:ph idx="1"/>
+          </p:nvPr>
+        </p:nvSpPr>
+        <p:spPr>
+          <a:xfrm>
+            <a:off x="436605" y="1532238"/>
+            <a:ext cx="11071654" cy="782594"/>
+          </a:xfrm>
+        </p:spPr>
+        <p:txBody>
+          <a:bodyPr>
+            <a:normAutofit/>
+          </a:bodyPr>
+          <a:lstStyle/>
+          <a:p>
+            <a:pPr marL="0" indent="0" algn="just">
+              <a:buNone/>
+            </a:pPr>
+            <a:r>
+              <a:rPr lang="es-ES" dirty="0"/>
+              <a:t>A continuación veremos, de forma muy resumida, cómo funciona nuestra aplicación. Se ha tratado de hacer un diseño por capas.</a:t>
+            </a:r>
+            <a:endParaRPr lang="es-ES" dirty="0" smtClean="0"/>
+          </a:p>
+          <a:p>
+            <a:pPr marL="0" indent="0" algn="just">
+              <a:buNone/>
+            </a:pPr>
+            <a:endParaRPr lang="es-ES" dirty="0"/>
+          </a:p>
+        </p:txBody>
+      </p:sp>
+      <p:sp>
+        <p:nvSpPr>
+          <p:cNvPr id="4" name="Content Placeholder 2"/>
+          <p:cNvSpPr txBox="1">
+            <a:spLocks/>
+          </p:cNvSpPr>
+          <p:nvPr/>
+        </p:nvSpPr>
+        <p:spPr>
+          <a:xfrm>
+            <a:off x="436605" y="3305071"/>
+            <a:ext cx="10492427" cy="1659925"/>
+          </a:xfrm>
+          <a:prstGeom prst="rect">
+            <a:avLst/>
+          </a:prstGeom>
+        </p:spPr>
+        <p:txBody>
+          <a:bodyPr vert="horz" lIns="91440" tIns="45720" rIns="91440" bIns="45720" rtlCol="0">
+            <a:normAutofit/>
+          </a:bodyPr>
+          <a:lstStyle>
+            <a:lvl1pPr marL="342900" indent="-342900" algn="l" defTabSz="457200" rtl="0" eaLnBrk="1" latinLnBrk="0" hangingPunct="1">
+              <a:spcBef>
+                <a:spcPts val="1000"/>
+              </a:spcBef>
+              <a:spcAft>
+                <a:spcPts val="0"/>
+              </a:spcAft>
+              <a:buClr>
+                <a:schemeClr val="bg2">
+                  <a:lumMod val="40000"/>
+                  <a:lumOff val="60000"/>
+                </a:schemeClr>
+              </a:buClr>
+              <a:buSzPct val="80000"/>
+              <a:buFont typeface="Wingdings 3" charset="2"/>
+              <a:buChar char=""/>
+              <a:defRPr sz="2000" b="0" i="0" kern="1200">
+                <a:solidFill>
+                  <a:schemeClr val="tx1"/>
+                </a:solidFill>
+                <a:latin typeface="+mj-lt"/>
+                <a:ea typeface="+mj-ea"/>
+                <a:cs typeface="+mj-cs"/>
+              </a:defRPr>
+            </a:lvl1pPr>
+            <a:lvl2pPr marL="742950" indent="-285750" algn="l" defTabSz="457200" rtl="0" eaLnBrk="1" latinLnBrk="0" hangingPunct="1">
+              <a:spcBef>
+                <a:spcPts val="1000"/>
+              </a:spcBef>
+              <a:spcAft>
+                <a:spcPts val="0"/>
+              </a:spcAft>
+              <a:buClr>
+                <a:schemeClr val="bg2">
+                  <a:lumMod val="40000"/>
+                  <a:lumOff val="60000"/>
+                </a:schemeClr>
+              </a:buClr>
+              <a:buSzPct val="80000"/>
+              <a:buFont typeface="Wingdings 3" charset="2"/>
+              <a:buChar char=""/>
+              <a:defRPr sz="1800" b="0" i="0" kern="1200">
+                <a:solidFill>
+                  <a:schemeClr val="tx1"/>
+                </a:solidFill>
+                <a:latin typeface="+mj-lt"/>
+                <a:ea typeface="+mj-ea"/>
+                <a:cs typeface="+mj-cs"/>
+              </a:defRPr>
+            </a:lvl2pPr>
+            <a:lvl3pPr marL="1143000" indent="-228600" algn="l" defTabSz="457200" rtl="0" eaLnBrk="1" latinLnBrk="0" hangingPunct="1">
+              <a:spcBef>
+                <a:spcPts val="1000"/>
+              </a:spcBef>
+              <a:spcAft>
+                <a:spcPts val="0"/>
+              </a:spcAft>
+              <a:buClr>
+                <a:schemeClr val="bg2">
+                  <a:lumMod val="40000"/>
+                  <a:lumOff val="60000"/>
+                </a:schemeClr>
+              </a:buClr>
+              <a:buSzPct val="80000"/>
+              <a:buFont typeface="Wingdings 3" charset="2"/>
+              <a:buChar char=""/>
+              <a:defRPr sz="1600" b="0" i="0" kern="1200">
+                <a:solidFill>
+                  <a:schemeClr val="tx1"/>
+                </a:solidFill>
+                <a:latin typeface="+mj-lt"/>
+                <a:ea typeface="+mj-ea"/>
+                <a:cs typeface="+mj-cs"/>
+              </a:defRPr>
+            </a:lvl3pPr>
+            <a:lvl4pPr marL="1600200" indent="-228600" algn="l" defTabSz="457200" rtl="0" eaLnBrk="1" latinLnBrk="0" hangingPunct="1">
+              <a:spcBef>
+                <a:spcPts val="1000"/>
+              </a:spcBef>
+              <a:spcAft>
+                <a:spcPts val="0"/>
+              </a:spcAft>
+              <a:buClr>
+                <a:schemeClr val="bg2">
+                  <a:lumMod val="40000"/>
+                  <a:lumOff val="60000"/>
+                </a:schemeClr>
+              </a:buClr>
+              <a:buSzPct val="80000"/>
+              <a:buFont typeface="Wingdings 3" charset="2"/>
+              <a:buChar char=""/>
+              <a:defRPr sz="1400" b="0" i="0" kern="1200">
+                <a:solidFill>
+                  <a:schemeClr val="tx1"/>
+                </a:solidFill>
+                <a:latin typeface="+mj-lt"/>
+                <a:ea typeface="+mj-ea"/>
+                <a:cs typeface="+mj-cs"/>
+              </a:defRPr>
+            </a:lvl4pPr>
+            <a:lvl5pPr marL="2057400" indent="-228600" algn="l" defTabSz="457200" rtl="0" eaLnBrk="1" latinLnBrk="0" hangingPunct="1">
+              <a:spcBef>
+                <a:spcPts val="1000"/>
+              </a:spcBef>
+              <a:spcAft>
+                <a:spcPts val="0"/>
+              </a:spcAft>
+              <a:buClr>
+                <a:schemeClr val="bg2">
+                  <a:lumMod val="40000"/>
+                  <a:lumOff val="60000"/>
+                </a:schemeClr>
+              </a:buClr>
+              <a:buSzPct val="80000"/>
+              <a:buFont typeface="Wingdings 3" charset="2"/>
+              <a:buChar char=""/>
+              <a:defRPr sz="1400" b="0" i="0" kern="1200">
+                <a:solidFill>
+                  <a:schemeClr val="tx1"/>
+                </a:solidFill>
+                <a:latin typeface="+mj-lt"/>
+                <a:ea typeface="+mj-ea"/>
+                <a:cs typeface="+mj-cs"/>
+              </a:defRPr>
+            </a:lvl5pPr>
+            <a:lvl6pPr marL="2506000" indent="-228600" algn="l" defTabSz="457200" rtl="0" eaLnBrk="1" latinLnBrk="0" hangingPunct="1">
+              <a:spcBef>
+                <a:spcPts val="1000"/>
+              </a:spcBef>
+              <a:spcAft>
+                <a:spcPts val="0"/>
+              </a:spcAft>
+              <a:buClr>
+                <a:schemeClr val="bg2">
+                  <a:lumMod val="40000"/>
+                  <a:lumOff val="60000"/>
+                </a:schemeClr>
+              </a:buClr>
+              <a:buSzPct val="80000"/>
+              <a:buFont typeface="Wingdings 3" charset="2"/>
+              <a:buChar char=""/>
+              <a:defRPr sz="1400" b="0" i="0" kern="1200">
+                <a:solidFill>
+                  <a:schemeClr val="tx1"/>
+                </a:solidFill>
+                <a:latin typeface="+mj-lt"/>
+                <a:ea typeface="+mj-ea"/>
+                <a:cs typeface="+mj-cs"/>
+              </a:defRPr>
+            </a:lvl6pPr>
+            <a:lvl7pPr marL="2971800" indent="-228600" algn="l" defTabSz="457200" rtl="0" eaLnBrk="1" latinLnBrk="0" hangingPunct="1">
+              <a:spcBef>
+                <a:spcPts val="1000"/>
+              </a:spcBef>
+              <a:spcAft>
+                <a:spcPts val="0"/>
+              </a:spcAft>
+              <a:buClr>
+                <a:schemeClr val="bg2">
+                  <a:lumMod val="40000"/>
+                  <a:lumOff val="60000"/>
+                </a:schemeClr>
+              </a:buClr>
+              <a:buSzPct val="80000"/>
+              <a:buFont typeface="Wingdings 3" charset="2"/>
+              <a:buChar char=""/>
+              <a:defRPr sz="1400" b="0" i="0" kern="1200">
+                <a:solidFill>
+                  <a:schemeClr val="tx1"/>
+                </a:solidFill>
+                <a:latin typeface="+mj-lt"/>
+                <a:ea typeface="+mj-ea"/>
+                <a:cs typeface="+mj-cs"/>
+              </a:defRPr>
+            </a:lvl7pPr>
+            <a:lvl8pPr marL="3429000" indent="-228600" algn="l" defTabSz="457200" rtl="0" eaLnBrk="1" latinLnBrk="0" hangingPunct="1">
+              <a:spcBef>
+                <a:spcPts val="1000"/>
+              </a:spcBef>
+              <a:spcAft>
+                <a:spcPts val="0"/>
+              </a:spcAft>
+              <a:buClr>
+                <a:schemeClr val="bg2">
+                  <a:lumMod val="40000"/>
+                  <a:lumOff val="60000"/>
+                </a:schemeClr>
+              </a:buClr>
+              <a:buSzPct val="80000"/>
+              <a:buFont typeface="Wingdings 3" charset="2"/>
+              <a:buChar char=""/>
+              <a:defRPr sz="1400" b="0" i="0" kern="1200">
+                <a:solidFill>
+                  <a:schemeClr val="tx1"/>
+                </a:solidFill>
+                <a:latin typeface="+mj-lt"/>
+                <a:ea typeface="+mj-ea"/>
+                <a:cs typeface="+mj-cs"/>
+              </a:defRPr>
+            </a:lvl8pPr>
+            <a:lvl9pPr marL="3886200" indent="-228600" algn="l" defTabSz="457200" rtl="0" eaLnBrk="1" latinLnBrk="0" hangingPunct="1">
+              <a:spcBef>
+                <a:spcPts val="1000"/>
+              </a:spcBef>
+              <a:spcAft>
+                <a:spcPts val="0"/>
+              </a:spcAft>
+              <a:buClr>
+                <a:schemeClr val="bg2">
+                  <a:lumMod val="40000"/>
+                  <a:lumOff val="60000"/>
+                </a:schemeClr>
+              </a:buClr>
+              <a:buSzPct val="80000"/>
+              <a:buFont typeface="Wingdings 3" charset="2"/>
+              <a:buChar char=""/>
+              <a:defRPr sz="1400" b="0" i="0" kern="1200">
+                <a:solidFill>
+                  <a:schemeClr val="tx1"/>
+                </a:solidFill>
+                <a:latin typeface="+mj-lt"/>
+                <a:ea typeface="+mj-ea"/>
+                <a:cs typeface="+mj-cs"/>
+              </a:defRPr>
+            </a:lvl9pPr>
+          </a:lstStyle>
+          <a:p>
+            <a:pPr algn="just"/>
+            <a:r>
+              <a:rPr lang="es-ES" dirty="0"/>
+              <a:t>Lo principal es señalar que la interfaz de la aplicación está realizada utilizando un fichero HTML y su hoja de estilos CSS. En realidad, para facilitar el desarrollo de los estilos se ha utilizado LESS. </a:t>
+            </a:r>
+          </a:p>
+        </p:txBody>
+      </p:sp>
+      <p:sp>
+        <p:nvSpPr>
+          <p:cNvPr id="5" name="Title 1"/>
+          <p:cNvSpPr txBox="1">
+            <a:spLocks/>
+          </p:cNvSpPr>
+          <p:nvPr/>
+        </p:nvSpPr>
+        <p:spPr>
+          <a:xfrm>
+            <a:off x="436605" y="2611394"/>
+            <a:ext cx="9404723" cy="586584"/>
+          </a:xfrm>
+          <a:prstGeom prst="rect">
+            <a:avLst/>
+          </a:prstGeom>
+        </p:spPr>
+        <p:txBody>
+          <a:bodyPr vert="horz" lIns="91440" tIns="45720" rIns="91440" bIns="45720" rtlCol="0" anchor="t">
+            <a:noAutofit/>
+          </a:bodyPr>
+          <a:lstStyle>
+            <a:lvl1pPr algn="l" defTabSz="457200" rtl="0" eaLnBrk="1" latinLnBrk="0" hangingPunct="1">
+              <a:spcBef>
+                <a:spcPct val="0"/>
+              </a:spcBef>
+              <a:buNone/>
+              <a:defRPr sz="4200" b="0" i="0" kern="1200">
+                <a:solidFill>
+                  <a:schemeClr val="tx2"/>
+                </a:solidFill>
+                <a:latin typeface="+mj-lt"/>
+                <a:ea typeface="+mj-ea"/>
+                <a:cs typeface="+mj-cs"/>
+              </a:defRPr>
+            </a:lvl1pPr>
+            <a:lvl2pPr eaLnBrk="1" hangingPunct="1">
+              <a:defRPr>
+                <a:solidFill>
+                  <a:schemeClr val="tx2"/>
+                </a:solidFill>
+              </a:defRPr>
+            </a:lvl2pPr>
+            <a:lvl3pPr eaLnBrk="1" hangingPunct="1">
+              <a:defRPr>
+                <a:solidFill>
+                  <a:schemeClr val="tx2"/>
+                </a:solidFill>
+              </a:defRPr>
+            </a:lvl3pPr>
+            <a:lvl4pPr eaLnBrk="1" hangingPunct="1">
+              <a:defRPr>
+                <a:solidFill>
+                  <a:schemeClr val="tx2"/>
+                </a:solidFill>
+              </a:defRPr>
+            </a:lvl4pPr>
+            <a:lvl5pPr eaLnBrk="1" hangingPunct="1">
+              <a:defRPr>
+                <a:solidFill>
+                  <a:schemeClr val="tx2"/>
+                </a:solidFill>
+              </a:defRPr>
+            </a:lvl5pPr>
+            <a:lvl6pPr eaLnBrk="1" hangingPunct="1">
+              <a:defRPr>
+                <a:solidFill>
+                  <a:schemeClr val="tx2"/>
+                </a:solidFill>
+              </a:defRPr>
+            </a:lvl6pPr>
+            <a:lvl7pPr eaLnBrk="1" hangingPunct="1">
+              <a:defRPr>
+                <a:solidFill>
+                  <a:schemeClr val="tx2"/>
+                </a:solidFill>
+              </a:defRPr>
+            </a:lvl7pPr>
+            <a:lvl8pPr eaLnBrk="1" hangingPunct="1">
+              <a:defRPr>
+                <a:solidFill>
+                  <a:schemeClr val="tx2"/>
+                </a:solidFill>
+              </a:defRPr>
+            </a:lvl8pPr>
+            <a:lvl9pPr eaLnBrk="1" hangingPunct="1">
+              <a:defRPr>
+                <a:solidFill>
+                  <a:schemeClr val="tx2"/>
+                </a:solidFill>
+              </a:defRPr>
+            </a:lvl9pPr>
+          </a:lstStyle>
+          <a:p>
+            <a:r>
+              <a:rPr lang="es-ES" sz="2800" dirty="0"/>
+              <a:t>Plantilla HTML y </a:t>
+            </a:r>
+            <a:r>
+              <a:rPr lang="es-ES" sz="2800" dirty="0" smtClean="0"/>
+              <a:t>CSS</a:t>
+            </a:r>
+            <a:r>
+              <a:rPr lang="es-ES" b="1" dirty="0" smtClean="0"/>
+              <a:t/>
+            </a:r>
+            <a:br>
+              <a:rPr lang="es-ES" b="1" dirty="0" smtClean="0"/>
+            </a:br>
+            <a:endParaRPr lang="es-ES" dirty="0"/>
+          </a:p>
+        </p:txBody>
+      </p:sp>
+    </p:spTree>
+    <p:extLst>
+      <p:ext uri="{BB962C8B-B14F-4D97-AF65-F5344CB8AC3E}">
+        <p14:creationId xmlns:p14="http://schemas.microsoft.com/office/powerpoint/2010/main" val="2539530692"/>
+      </p:ext>
+    </p:extLst>
+  </p:cSld>
+  <p:clrMapOvr>
+    <a:masterClrMapping/>
+  </p:clrMapOvr>
+</p:sld>
+</file>
+
+<file path=ppt/slides/slide19.xml><?xml version="1.0" encoding="utf-8"?>
+<p:sld xmlns:a="http://schemas.openxmlformats.org/drawingml/2006/main" xmlns:r="http://schemas.openxmlformats.org/officeDocument/2006/relationships" xmlns:p="http://schemas.openxmlformats.org/presentationml/2006/main">
+  <p:cSld>
+    <p:spTree>
+      <p:nvGrpSpPr>
+        <p:cNvPr id="1" name=""/>
+        <p:cNvGrpSpPr/>
+        <p:nvPr/>
+      </p:nvGrpSpPr>
+      <p:grpSpPr>
+        <a:xfrm>
+          <a:off x="0" y="0"/>
+          <a:ext cx="0" cy="0"/>
+          <a:chOff x="0" y="0"/>
+          <a:chExt cx="0" cy="0"/>
+        </a:xfrm>
+      </p:grpSpPr>
+      <p:sp>
+        <p:nvSpPr>
+          <p:cNvPr id="2" name="Title 1"/>
+          <p:cNvSpPr>
+            <a:spLocks noGrp="1"/>
+          </p:cNvSpPr>
+          <p:nvPr>
+            <p:ph type="title"/>
+          </p:nvPr>
+        </p:nvSpPr>
+        <p:spPr>
+          <a:xfrm>
+            <a:off x="646111" y="452718"/>
+            <a:ext cx="9404723" cy="782958"/>
+          </a:xfrm>
+        </p:spPr>
+        <p:txBody>
+          <a:bodyPr/>
+          <a:lstStyle/>
+          <a:p>
+            <a:r>
+              <a:rPr lang="es-ES" b="1" dirty="0" smtClean="0"/>
+              <a:t>Cómo funciona </a:t>
+            </a:r>
+            <a:r>
+              <a:rPr lang="es-ES" b="1" dirty="0" err="1" smtClean="0"/>
+              <a:t>BlackMail</a:t>
+            </a:r>
+            <a:endParaRPr lang="es-ES" b="1" dirty="0"/>
+          </a:p>
+        </p:txBody>
+      </p:sp>
+      <p:sp>
+        <p:nvSpPr>
+          <p:cNvPr id="4" name="Content Placeholder 2"/>
+          <p:cNvSpPr txBox="1">
+            <a:spLocks/>
+          </p:cNvSpPr>
+          <p:nvPr/>
+        </p:nvSpPr>
+        <p:spPr>
+          <a:xfrm>
+            <a:off x="436605" y="2431859"/>
+            <a:ext cx="10492427" cy="1225742"/>
+          </a:xfrm>
+          <a:prstGeom prst="rect">
+            <a:avLst/>
+          </a:prstGeom>
+        </p:spPr>
+        <p:txBody>
+          <a:bodyPr vert="horz" lIns="91440" tIns="45720" rIns="91440" bIns="45720" rtlCol="0">
+            <a:normAutofit/>
+          </a:bodyPr>
+          <a:lstStyle>
+            <a:lvl1pPr marL="342900" indent="-342900" algn="l" defTabSz="457200" rtl="0" eaLnBrk="1" latinLnBrk="0" hangingPunct="1">
+              <a:spcBef>
+                <a:spcPts val="1000"/>
+              </a:spcBef>
+              <a:spcAft>
+                <a:spcPts val="0"/>
+              </a:spcAft>
+              <a:buClr>
+                <a:schemeClr val="bg2">
+                  <a:lumMod val="40000"/>
+                  <a:lumOff val="60000"/>
+                </a:schemeClr>
+              </a:buClr>
+              <a:buSzPct val="80000"/>
+              <a:buFont typeface="Wingdings 3" charset="2"/>
+              <a:buChar char=""/>
+              <a:defRPr sz="2000" b="0" i="0" kern="1200">
+                <a:solidFill>
+                  <a:schemeClr val="tx1"/>
+                </a:solidFill>
+                <a:latin typeface="+mj-lt"/>
+                <a:ea typeface="+mj-ea"/>
+                <a:cs typeface="+mj-cs"/>
+              </a:defRPr>
+            </a:lvl1pPr>
+            <a:lvl2pPr marL="742950" indent="-285750" algn="l" defTabSz="457200" rtl="0" eaLnBrk="1" latinLnBrk="0" hangingPunct="1">
+              <a:spcBef>
+                <a:spcPts val="1000"/>
+              </a:spcBef>
+              <a:spcAft>
+                <a:spcPts val="0"/>
+              </a:spcAft>
+              <a:buClr>
+                <a:schemeClr val="bg2">
+                  <a:lumMod val="40000"/>
+                  <a:lumOff val="60000"/>
+                </a:schemeClr>
+              </a:buClr>
+              <a:buSzPct val="80000"/>
+              <a:buFont typeface="Wingdings 3" charset="2"/>
+              <a:buChar char=""/>
+              <a:defRPr sz="1800" b="0" i="0" kern="1200">
+                <a:solidFill>
+                  <a:schemeClr val="tx1"/>
+                </a:solidFill>
+                <a:latin typeface="+mj-lt"/>
+                <a:ea typeface="+mj-ea"/>
+                <a:cs typeface="+mj-cs"/>
+              </a:defRPr>
+            </a:lvl2pPr>
+            <a:lvl3pPr marL="1143000" indent="-228600" algn="l" defTabSz="457200" rtl="0" eaLnBrk="1" latinLnBrk="0" hangingPunct="1">
+              <a:spcBef>
+                <a:spcPts val="1000"/>
+              </a:spcBef>
+              <a:spcAft>
+                <a:spcPts val="0"/>
+              </a:spcAft>
+              <a:buClr>
+                <a:schemeClr val="bg2">
+                  <a:lumMod val="40000"/>
+                  <a:lumOff val="60000"/>
+                </a:schemeClr>
+              </a:buClr>
+              <a:buSzPct val="80000"/>
+              <a:buFont typeface="Wingdings 3" charset="2"/>
+              <a:buChar char=""/>
+              <a:defRPr sz="1600" b="0" i="0" kern="1200">
+                <a:solidFill>
+                  <a:schemeClr val="tx1"/>
+                </a:solidFill>
+                <a:latin typeface="+mj-lt"/>
+                <a:ea typeface="+mj-ea"/>
+                <a:cs typeface="+mj-cs"/>
+              </a:defRPr>
+            </a:lvl3pPr>
+            <a:lvl4pPr marL="1600200" indent="-228600" algn="l" defTabSz="457200" rtl="0" eaLnBrk="1" latinLnBrk="0" hangingPunct="1">
+              <a:spcBef>
+                <a:spcPts val="1000"/>
+              </a:spcBef>
+              <a:spcAft>
+                <a:spcPts val="0"/>
+              </a:spcAft>
+              <a:buClr>
+                <a:schemeClr val="bg2">
+                  <a:lumMod val="40000"/>
+                  <a:lumOff val="60000"/>
+                </a:schemeClr>
+              </a:buClr>
+              <a:buSzPct val="80000"/>
+              <a:buFont typeface="Wingdings 3" charset="2"/>
+              <a:buChar char=""/>
+              <a:defRPr sz="1400" b="0" i="0" kern="1200">
+                <a:solidFill>
+                  <a:schemeClr val="tx1"/>
+                </a:solidFill>
+                <a:latin typeface="+mj-lt"/>
+                <a:ea typeface="+mj-ea"/>
+                <a:cs typeface="+mj-cs"/>
+              </a:defRPr>
+            </a:lvl4pPr>
+            <a:lvl5pPr marL="2057400" indent="-228600" algn="l" defTabSz="457200" rtl="0" eaLnBrk="1" latinLnBrk="0" hangingPunct="1">
+              <a:spcBef>
+                <a:spcPts val="1000"/>
+              </a:spcBef>
+              <a:spcAft>
+                <a:spcPts val="0"/>
+              </a:spcAft>
+              <a:buClr>
+                <a:schemeClr val="bg2">
+                  <a:lumMod val="40000"/>
+                  <a:lumOff val="60000"/>
+                </a:schemeClr>
+              </a:buClr>
+              <a:buSzPct val="80000"/>
+              <a:buFont typeface="Wingdings 3" charset="2"/>
+              <a:buChar char=""/>
+              <a:defRPr sz="1400" b="0" i="0" kern="1200">
+                <a:solidFill>
+                  <a:schemeClr val="tx1"/>
+                </a:solidFill>
+                <a:latin typeface="+mj-lt"/>
+                <a:ea typeface="+mj-ea"/>
+                <a:cs typeface="+mj-cs"/>
+              </a:defRPr>
+            </a:lvl5pPr>
+            <a:lvl6pPr marL="2506000" indent="-228600" algn="l" defTabSz="457200" rtl="0" eaLnBrk="1" latinLnBrk="0" hangingPunct="1">
+              <a:spcBef>
+                <a:spcPts val="1000"/>
+              </a:spcBef>
+              <a:spcAft>
+                <a:spcPts val="0"/>
+              </a:spcAft>
+              <a:buClr>
+                <a:schemeClr val="bg2">
+                  <a:lumMod val="40000"/>
+                  <a:lumOff val="60000"/>
+                </a:schemeClr>
+              </a:buClr>
+              <a:buSzPct val="80000"/>
+              <a:buFont typeface="Wingdings 3" charset="2"/>
+              <a:buChar char=""/>
+              <a:defRPr sz="1400" b="0" i="0" kern="1200">
+                <a:solidFill>
+                  <a:schemeClr val="tx1"/>
+                </a:solidFill>
+                <a:latin typeface="+mj-lt"/>
+                <a:ea typeface="+mj-ea"/>
+                <a:cs typeface="+mj-cs"/>
+              </a:defRPr>
+            </a:lvl6pPr>
+            <a:lvl7pPr marL="2971800" indent="-228600" algn="l" defTabSz="457200" rtl="0" eaLnBrk="1" latinLnBrk="0" hangingPunct="1">
+              <a:spcBef>
+                <a:spcPts val="1000"/>
+              </a:spcBef>
+              <a:spcAft>
+                <a:spcPts val="0"/>
+              </a:spcAft>
+              <a:buClr>
+                <a:schemeClr val="bg2">
+                  <a:lumMod val="40000"/>
+                  <a:lumOff val="60000"/>
+                </a:schemeClr>
+              </a:buClr>
+              <a:buSzPct val="80000"/>
+              <a:buFont typeface="Wingdings 3" charset="2"/>
+              <a:buChar char=""/>
+              <a:defRPr sz="1400" b="0" i="0" kern="1200">
+                <a:solidFill>
+                  <a:schemeClr val="tx1"/>
+                </a:solidFill>
+                <a:latin typeface="+mj-lt"/>
+                <a:ea typeface="+mj-ea"/>
+                <a:cs typeface="+mj-cs"/>
+              </a:defRPr>
+            </a:lvl7pPr>
+            <a:lvl8pPr marL="3429000" indent="-228600" algn="l" defTabSz="457200" rtl="0" eaLnBrk="1" latinLnBrk="0" hangingPunct="1">
+              <a:spcBef>
+                <a:spcPts val="1000"/>
+              </a:spcBef>
+              <a:spcAft>
+                <a:spcPts val="0"/>
+              </a:spcAft>
+              <a:buClr>
+                <a:schemeClr val="bg2">
+                  <a:lumMod val="40000"/>
+                  <a:lumOff val="60000"/>
+                </a:schemeClr>
+              </a:buClr>
+              <a:buSzPct val="80000"/>
+              <a:buFont typeface="Wingdings 3" charset="2"/>
+              <a:buChar char=""/>
+              <a:defRPr sz="1400" b="0" i="0" kern="1200">
+                <a:solidFill>
+                  <a:schemeClr val="tx1"/>
+                </a:solidFill>
+                <a:latin typeface="+mj-lt"/>
+                <a:ea typeface="+mj-ea"/>
+                <a:cs typeface="+mj-cs"/>
+              </a:defRPr>
+            </a:lvl8pPr>
+            <a:lvl9pPr marL="3886200" indent="-228600" algn="l" defTabSz="457200" rtl="0" eaLnBrk="1" latinLnBrk="0" hangingPunct="1">
+              <a:spcBef>
+                <a:spcPts val="1000"/>
+              </a:spcBef>
+              <a:spcAft>
+                <a:spcPts val="0"/>
+              </a:spcAft>
+              <a:buClr>
+                <a:schemeClr val="bg2">
+                  <a:lumMod val="40000"/>
+                  <a:lumOff val="60000"/>
+                </a:schemeClr>
+              </a:buClr>
+              <a:buSzPct val="80000"/>
+              <a:buFont typeface="Wingdings 3" charset="2"/>
+              <a:buChar char=""/>
+              <a:defRPr sz="1400" b="0" i="0" kern="1200">
+                <a:solidFill>
+                  <a:schemeClr val="tx1"/>
+                </a:solidFill>
+                <a:latin typeface="+mj-lt"/>
+                <a:ea typeface="+mj-ea"/>
+                <a:cs typeface="+mj-cs"/>
+              </a:defRPr>
+            </a:lvl9pPr>
+          </a:lstStyle>
+          <a:p>
+            <a:pPr algn="just"/>
+            <a:r>
+              <a:rPr lang="es-ES" dirty="0"/>
+              <a:t>Para rellenar la plantilla con datos útiles hemos utilizado Angular.js, el cual solicita datos a la capa inferior, que hemos denominado 'sistema', y los actualiza en la interfaz cuando es necesario. </a:t>
+            </a:r>
+          </a:p>
+        </p:txBody>
+      </p:sp>
+      <p:sp>
+        <p:nvSpPr>
+          <p:cNvPr id="5" name="Title 1"/>
+          <p:cNvSpPr txBox="1">
+            <a:spLocks/>
+          </p:cNvSpPr>
+          <p:nvPr/>
+        </p:nvSpPr>
+        <p:spPr>
+          <a:xfrm>
+            <a:off x="436605" y="1540475"/>
+            <a:ext cx="9404723" cy="586584"/>
+          </a:xfrm>
+          <a:prstGeom prst="rect">
+            <a:avLst/>
+          </a:prstGeom>
+        </p:spPr>
+        <p:txBody>
+          <a:bodyPr vert="horz" lIns="91440" tIns="45720" rIns="91440" bIns="45720" rtlCol="0" anchor="t">
+            <a:noAutofit/>
+          </a:bodyPr>
+          <a:lstStyle>
+            <a:lvl1pPr algn="l" defTabSz="457200" rtl="0" eaLnBrk="1" latinLnBrk="0" hangingPunct="1">
+              <a:spcBef>
+                <a:spcPct val="0"/>
+              </a:spcBef>
+              <a:buNone/>
+              <a:defRPr sz="4200" b="0" i="0" kern="1200">
+                <a:solidFill>
+                  <a:schemeClr val="tx2"/>
+                </a:solidFill>
+                <a:latin typeface="+mj-lt"/>
+                <a:ea typeface="+mj-ea"/>
+                <a:cs typeface="+mj-cs"/>
+              </a:defRPr>
+            </a:lvl1pPr>
+            <a:lvl2pPr eaLnBrk="1" hangingPunct="1">
+              <a:defRPr>
+                <a:solidFill>
+                  <a:schemeClr val="tx2"/>
+                </a:solidFill>
+              </a:defRPr>
+            </a:lvl2pPr>
+            <a:lvl3pPr eaLnBrk="1" hangingPunct="1">
+              <a:defRPr>
+                <a:solidFill>
+                  <a:schemeClr val="tx2"/>
+                </a:solidFill>
+              </a:defRPr>
+            </a:lvl3pPr>
+            <a:lvl4pPr eaLnBrk="1" hangingPunct="1">
+              <a:defRPr>
+                <a:solidFill>
+                  <a:schemeClr val="tx2"/>
+                </a:solidFill>
+              </a:defRPr>
+            </a:lvl4pPr>
+            <a:lvl5pPr eaLnBrk="1" hangingPunct="1">
+              <a:defRPr>
+                <a:solidFill>
+                  <a:schemeClr val="tx2"/>
+                </a:solidFill>
+              </a:defRPr>
+            </a:lvl5pPr>
+            <a:lvl6pPr eaLnBrk="1" hangingPunct="1">
+              <a:defRPr>
+                <a:solidFill>
+                  <a:schemeClr val="tx2"/>
+                </a:solidFill>
+              </a:defRPr>
+            </a:lvl6pPr>
+            <a:lvl7pPr eaLnBrk="1" hangingPunct="1">
+              <a:defRPr>
+                <a:solidFill>
+                  <a:schemeClr val="tx2"/>
+                </a:solidFill>
+              </a:defRPr>
+            </a:lvl7pPr>
+            <a:lvl8pPr eaLnBrk="1" hangingPunct="1">
+              <a:defRPr>
+                <a:solidFill>
+                  <a:schemeClr val="tx2"/>
+                </a:solidFill>
+              </a:defRPr>
+            </a:lvl8pPr>
+            <a:lvl9pPr eaLnBrk="1" hangingPunct="1">
+              <a:defRPr>
+                <a:solidFill>
+                  <a:schemeClr val="tx2"/>
+                </a:solidFill>
+              </a:defRPr>
+            </a:lvl9pPr>
+          </a:lstStyle>
+          <a:p>
+            <a:r>
+              <a:rPr lang="es-ES" sz="2800" dirty="0"/>
+              <a:t>Plantilla HTML y </a:t>
+            </a:r>
+            <a:r>
+              <a:rPr lang="es-ES" sz="2800" dirty="0" smtClean="0"/>
+              <a:t>CSS</a:t>
+            </a:r>
+            <a:r>
+              <a:rPr lang="es-ES" b="1" dirty="0" smtClean="0"/>
+              <a:t/>
+            </a:r>
+            <a:br>
+              <a:rPr lang="es-ES" b="1" dirty="0" smtClean="0"/>
+            </a:br>
+            <a:endParaRPr lang="es-ES" dirty="0"/>
+          </a:p>
+        </p:txBody>
+      </p:sp>
+      <p:sp>
+        <p:nvSpPr>
+          <p:cNvPr id="7" name="Content Placeholder 2"/>
+          <p:cNvSpPr txBox="1">
+            <a:spLocks/>
+          </p:cNvSpPr>
+          <p:nvPr/>
+        </p:nvSpPr>
+        <p:spPr>
+          <a:xfrm>
+            <a:off x="436605" y="4734335"/>
+            <a:ext cx="10492427" cy="1225742"/>
+          </a:xfrm>
+          <a:prstGeom prst="rect">
+            <a:avLst/>
+          </a:prstGeom>
+        </p:spPr>
+        <p:txBody>
+          <a:bodyPr vert="horz" lIns="91440" tIns="45720" rIns="91440" bIns="45720" rtlCol="0">
+            <a:normAutofit/>
+          </a:bodyPr>
+          <a:lstStyle>
+            <a:lvl1pPr marL="342900" indent="-342900" algn="l" defTabSz="457200" rtl="0" eaLnBrk="1" latinLnBrk="0" hangingPunct="1">
+              <a:spcBef>
+                <a:spcPts val="1000"/>
+              </a:spcBef>
+              <a:spcAft>
+                <a:spcPts val="0"/>
+              </a:spcAft>
+              <a:buClr>
+                <a:schemeClr val="bg2">
+                  <a:lumMod val="40000"/>
+                  <a:lumOff val="60000"/>
+                </a:schemeClr>
+              </a:buClr>
+              <a:buSzPct val="80000"/>
+              <a:buFont typeface="Wingdings 3" charset="2"/>
+              <a:buChar char=""/>
+              <a:defRPr sz="2000" b="0" i="0" kern="1200">
+                <a:solidFill>
+                  <a:schemeClr val="tx1"/>
+                </a:solidFill>
+                <a:latin typeface="+mj-lt"/>
+                <a:ea typeface="+mj-ea"/>
+                <a:cs typeface="+mj-cs"/>
+              </a:defRPr>
+            </a:lvl1pPr>
+            <a:lvl2pPr marL="742950" indent="-285750" algn="l" defTabSz="457200" rtl="0" eaLnBrk="1" latinLnBrk="0" hangingPunct="1">
+              <a:spcBef>
+                <a:spcPts val="1000"/>
+              </a:spcBef>
+              <a:spcAft>
+                <a:spcPts val="0"/>
+              </a:spcAft>
+              <a:buClr>
+                <a:schemeClr val="bg2">
+                  <a:lumMod val="40000"/>
+                  <a:lumOff val="60000"/>
+                </a:schemeClr>
+              </a:buClr>
+              <a:buSzPct val="80000"/>
+              <a:buFont typeface="Wingdings 3" charset="2"/>
+              <a:buChar char=""/>
+              <a:defRPr sz="1800" b="0" i="0" kern="1200">
+                <a:solidFill>
+                  <a:schemeClr val="tx1"/>
+                </a:solidFill>
+                <a:latin typeface="+mj-lt"/>
+                <a:ea typeface="+mj-ea"/>
+                <a:cs typeface="+mj-cs"/>
+              </a:defRPr>
+            </a:lvl2pPr>
+            <a:lvl3pPr marL="1143000" indent="-228600" algn="l" defTabSz="457200" rtl="0" eaLnBrk="1" latinLnBrk="0" hangingPunct="1">
+              <a:spcBef>
+                <a:spcPts val="1000"/>
+              </a:spcBef>
+              <a:spcAft>
+                <a:spcPts val="0"/>
+              </a:spcAft>
+              <a:buClr>
+                <a:schemeClr val="bg2">
+                  <a:lumMod val="40000"/>
+                  <a:lumOff val="60000"/>
+                </a:schemeClr>
+              </a:buClr>
+              <a:buSzPct val="80000"/>
+              <a:buFont typeface="Wingdings 3" charset="2"/>
+              <a:buChar char=""/>
+              <a:defRPr sz="1600" b="0" i="0" kern="1200">
+                <a:solidFill>
+                  <a:schemeClr val="tx1"/>
+                </a:solidFill>
+                <a:latin typeface="+mj-lt"/>
+                <a:ea typeface="+mj-ea"/>
+                <a:cs typeface="+mj-cs"/>
+              </a:defRPr>
+            </a:lvl3pPr>
+            <a:lvl4pPr marL="1600200" indent="-228600" algn="l" defTabSz="457200" rtl="0" eaLnBrk="1" latinLnBrk="0" hangingPunct="1">
+              <a:spcBef>
+                <a:spcPts val="1000"/>
+              </a:spcBef>
+              <a:spcAft>
+                <a:spcPts val="0"/>
+              </a:spcAft>
+              <a:buClr>
+                <a:schemeClr val="bg2">
+                  <a:lumMod val="40000"/>
+                  <a:lumOff val="60000"/>
+                </a:schemeClr>
+              </a:buClr>
+              <a:buSzPct val="80000"/>
+              <a:buFont typeface="Wingdings 3" charset="2"/>
+              <a:buChar char=""/>
+              <a:defRPr sz="1400" b="0" i="0" kern="1200">
+                <a:solidFill>
+                  <a:schemeClr val="tx1"/>
+                </a:solidFill>
+                <a:latin typeface="+mj-lt"/>
+                <a:ea typeface="+mj-ea"/>
+                <a:cs typeface="+mj-cs"/>
+              </a:defRPr>
+            </a:lvl4pPr>
+            <a:lvl5pPr marL="2057400" indent="-228600" algn="l" defTabSz="457200" rtl="0" eaLnBrk="1" latinLnBrk="0" hangingPunct="1">
+              <a:spcBef>
+                <a:spcPts val="1000"/>
+              </a:spcBef>
+              <a:spcAft>
+                <a:spcPts val="0"/>
+              </a:spcAft>
+              <a:buClr>
+                <a:schemeClr val="bg2">
+                  <a:lumMod val="40000"/>
+                  <a:lumOff val="60000"/>
+                </a:schemeClr>
+              </a:buClr>
+              <a:buSzPct val="80000"/>
+              <a:buFont typeface="Wingdings 3" charset="2"/>
+              <a:buChar char=""/>
+              <a:defRPr sz="1400" b="0" i="0" kern="1200">
+                <a:solidFill>
+                  <a:schemeClr val="tx1"/>
+                </a:solidFill>
+                <a:latin typeface="+mj-lt"/>
+                <a:ea typeface="+mj-ea"/>
+                <a:cs typeface="+mj-cs"/>
+              </a:defRPr>
+            </a:lvl5pPr>
+            <a:lvl6pPr marL="2506000" indent="-228600" algn="l" defTabSz="457200" rtl="0" eaLnBrk="1" latinLnBrk="0" hangingPunct="1">
+              <a:spcBef>
+                <a:spcPts val="1000"/>
+              </a:spcBef>
+              <a:spcAft>
+                <a:spcPts val="0"/>
+              </a:spcAft>
+              <a:buClr>
+                <a:schemeClr val="bg2">
+                  <a:lumMod val="40000"/>
+                  <a:lumOff val="60000"/>
+                </a:schemeClr>
+              </a:buClr>
+              <a:buSzPct val="80000"/>
+              <a:buFont typeface="Wingdings 3" charset="2"/>
+              <a:buChar char=""/>
+              <a:defRPr sz="1400" b="0" i="0" kern="1200">
+                <a:solidFill>
+                  <a:schemeClr val="tx1"/>
+                </a:solidFill>
+                <a:latin typeface="+mj-lt"/>
+                <a:ea typeface="+mj-ea"/>
+                <a:cs typeface="+mj-cs"/>
+              </a:defRPr>
+            </a:lvl6pPr>
+            <a:lvl7pPr marL="2971800" indent="-228600" algn="l" defTabSz="457200" rtl="0" eaLnBrk="1" latinLnBrk="0" hangingPunct="1">
+              <a:spcBef>
+                <a:spcPts val="1000"/>
+              </a:spcBef>
+              <a:spcAft>
+                <a:spcPts val="0"/>
+              </a:spcAft>
+              <a:buClr>
+                <a:schemeClr val="bg2">
+                  <a:lumMod val="40000"/>
+                  <a:lumOff val="60000"/>
+                </a:schemeClr>
+              </a:buClr>
+              <a:buSzPct val="80000"/>
+              <a:buFont typeface="Wingdings 3" charset="2"/>
+              <a:buChar char=""/>
+              <a:defRPr sz="1400" b="0" i="0" kern="1200">
+                <a:solidFill>
+                  <a:schemeClr val="tx1"/>
+                </a:solidFill>
+                <a:latin typeface="+mj-lt"/>
+                <a:ea typeface="+mj-ea"/>
+                <a:cs typeface="+mj-cs"/>
+              </a:defRPr>
+            </a:lvl7pPr>
+            <a:lvl8pPr marL="3429000" indent="-228600" algn="l" defTabSz="457200" rtl="0" eaLnBrk="1" latinLnBrk="0" hangingPunct="1">
+              <a:spcBef>
+                <a:spcPts val="1000"/>
+              </a:spcBef>
+              <a:spcAft>
+                <a:spcPts val="0"/>
+              </a:spcAft>
+              <a:buClr>
+                <a:schemeClr val="bg2">
+                  <a:lumMod val="40000"/>
+                  <a:lumOff val="60000"/>
+                </a:schemeClr>
+              </a:buClr>
+              <a:buSzPct val="80000"/>
+              <a:buFont typeface="Wingdings 3" charset="2"/>
+              <a:buChar char=""/>
+              <a:defRPr sz="1400" b="0" i="0" kern="1200">
+                <a:solidFill>
+                  <a:schemeClr val="tx1"/>
+                </a:solidFill>
+                <a:latin typeface="+mj-lt"/>
+                <a:ea typeface="+mj-ea"/>
+                <a:cs typeface="+mj-cs"/>
+              </a:defRPr>
+            </a:lvl8pPr>
+            <a:lvl9pPr marL="3886200" indent="-228600" algn="l" defTabSz="457200" rtl="0" eaLnBrk="1" latinLnBrk="0" hangingPunct="1">
+              <a:spcBef>
+                <a:spcPts val="1000"/>
+              </a:spcBef>
+              <a:spcAft>
+                <a:spcPts val="0"/>
+              </a:spcAft>
+              <a:buClr>
+                <a:schemeClr val="bg2">
+                  <a:lumMod val="40000"/>
+                  <a:lumOff val="60000"/>
+                </a:schemeClr>
+              </a:buClr>
+              <a:buSzPct val="80000"/>
+              <a:buFont typeface="Wingdings 3" charset="2"/>
+              <a:buChar char=""/>
+              <a:defRPr sz="1400" b="0" i="0" kern="1200">
+                <a:solidFill>
+                  <a:schemeClr val="tx1"/>
+                </a:solidFill>
+                <a:latin typeface="+mj-lt"/>
+                <a:ea typeface="+mj-ea"/>
+                <a:cs typeface="+mj-cs"/>
+              </a:defRPr>
+            </a:lvl9pPr>
+          </a:lstStyle>
+          <a:p>
+            <a:pPr algn="just"/>
+            <a:r>
+              <a:rPr lang="es-ES" dirty="0"/>
+              <a:t>Consta de dos subsistemas: almacenamiento y red. Su objeto es gestionar ambas capas de forma invisible al controlador a la hora de gestionar los diversos </a:t>
+            </a:r>
+            <a:r>
+              <a:rPr lang="es-ES" dirty="0" smtClean="0"/>
+              <a:t>recursos.</a:t>
+            </a:r>
+            <a:endParaRPr lang="es-ES" dirty="0"/>
+          </a:p>
+        </p:txBody>
+      </p:sp>
+      <p:sp>
+        <p:nvSpPr>
+          <p:cNvPr id="8" name="Title 1"/>
+          <p:cNvSpPr txBox="1">
+            <a:spLocks/>
+          </p:cNvSpPr>
+          <p:nvPr/>
+        </p:nvSpPr>
+        <p:spPr>
+          <a:xfrm>
+            <a:off x="436605" y="3842951"/>
+            <a:ext cx="9404723" cy="586584"/>
+          </a:xfrm>
+          <a:prstGeom prst="rect">
+            <a:avLst/>
+          </a:prstGeom>
+        </p:spPr>
+        <p:txBody>
+          <a:bodyPr vert="horz" lIns="91440" tIns="45720" rIns="91440" bIns="45720" rtlCol="0" anchor="t">
+            <a:noAutofit/>
+          </a:bodyPr>
+          <a:lstStyle>
+            <a:lvl1pPr algn="l" defTabSz="457200" rtl="0" eaLnBrk="1" latinLnBrk="0" hangingPunct="1">
+              <a:spcBef>
+                <a:spcPct val="0"/>
+              </a:spcBef>
+              <a:buNone/>
+              <a:defRPr sz="4200" b="0" i="0" kern="1200">
+                <a:solidFill>
+                  <a:schemeClr val="tx2"/>
+                </a:solidFill>
+                <a:latin typeface="+mj-lt"/>
+                <a:ea typeface="+mj-ea"/>
+                <a:cs typeface="+mj-cs"/>
+              </a:defRPr>
+            </a:lvl1pPr>
+            <a:lvl2pPr eaLnBrk="1" hangingPunct="1">
+              <a:defRPr>
+                <a:solidFill>
+                  <a:schemeClr val="tx2"/>
+                </a:solidFill>
+              </a:defRPr>
+            </a:lvl2pPr>
+            <a:lvl3pPr eaLnBrk="1" hangingPunct="1">
+              <a:defRPr>
+                <a:solidFill>
+                  <a:schemeClr val="tx2"/>
+                </a:solidFill>
+              </a:defRPr>
+            </a:lvl3pPr>
+            <a:lvl4pPr eaLnBrk="1" hangingPunct="1">
+              <a:defRPr>
+                <a:solidFill>
+                  <a:schemeClr val="tx2"/>
+                </a:solidFill>
+              </a:defRPr>
+            </a:lvl4pPr>
+            <a:lvl5pPr eaLnBrk="1" hangingPunct="1">
+              <a:defRPr>
+                <a:solidFill>
+                  <a:schemeClr val="tx2"/>
+                </a:solidFill>
+              </a:defRPr>
+            </a:lvl5pPr>
+            <a:lvl6pPr eaLnBrk="1" hangingPunct="1">
+              <a:defRPr>
+                <a:solidFill>
+                  <a:schemeClr val="tx2"/>
+                </a:solidFill>
+              </a:defRPr>
+            </a:lvl6pPr>
+            <a:lvl7pPr eaLnBrk="1" hangingPunct="1">
+              <a:defRPr>
+                <a:solidFill>
+                  <a:schemeClr val="tx2"/>
+                </a:solidFill>
+              </a:defRPr>
+            </a:lvl7pPr>
+            <a:lvl8pPr eaLnBrk="1" hangingPunct="1">
+              <a:defRPr>
+                <a:solidFill>
+                  <a:schemeClr val="tx2"/>
+                </a:solidFill>
+              </a:defRPr>
+            </a:lvl8pPr>
+            <a:lvl9pPr eaLnBrk="1" hangingPunct="1">
+              <a:defRPr>
+                <a:solidFill>
+                  <a:schemeClr val="tx2"/>
+                </a:solidFill>
+              </a:defRPr>
+            </a:lvl9pPr>
+          </a:lstStyle>
+          <a:p>
+            <a:r>
+              <a:rPr lang="es-ES" sz="2800" dirty="0"/>
+              <a:t>Capa de sistema</a:t>
+            </a:r>
+            <a:r>
+              <a:rPr lang="es-ES" b="1" dirty="0" smtClean="0"/>
+              <a:t/>
+            </a:r>
+            <a:br>
+              <a:rPr lang="es-ES" b="1" dirty="0" smtClean="0"/>
+            </a:br>
+            <a:endParaRPr lang="es-ES" dirty="0"/>
+          </a:p>
+        </p:txBody>
+      </p:sp>
+    </p:spTree>
+    <p:extLst>
+      <p:ext uri="{BB962C8B-B14F-4D97-AF65-F5344CB8AC3E}">
+        <p14:creationId xmlns:p14="http://schemas.microsoft.com/office/powerpoint/2010/main" val="2696201400"/>
       </p:ext>
     </p:extLst>
   </p:cSld>
@@ -8514,6 +12290,2066 @@
     <p:extLst>
       <p:ext uri="{BB962C8B-B14F-4D97-AF65-F5344CB8AC3E}">
         <p14:creationId xmlns:p14="http://schemas.microsoft.com/office/powerpoint/2010/main" val="1473976488"/>
+      </p:ext>
+    </p:extLst>
+  </p:cSld>
+  <p:clrMapOvr>
+    <a:masterClrMapping/>
+  </p:clrMapOvr>
+</p:sld>
+</file>
+
+<file path=ppt/slides/slide20.xml><?xml version="1.0" encoding="utf-8"?>
+<p:sld xmlns:a="http://schemas.openxmlformats.org/drawingml/2006/main" xmlns:r="http://schemas.openxmlformats.org/officeDocument/2006/relationships" xmlns:p="http://schemas.openxmlformats.org/presentationml/2006/main">
+  <p:cSld>
+    <p:spTree>
+      <p:nvGrpSpPr>
+        <p:cNvPr id="1" name=""/>
+        <p:cNvGrpSpPr/>
+        <p:nvPr/>
+      </p:nvGrpSpPr>
+      <p:grpSpPr>
+        <a:xfrm>
+          <a:off x="0" y="0"/>
+          <a:ext cx="0" cy="0"/>
+          <a:chOff x="0" y="0"/>
+          <a:chExt cx="0" cy="0"/>
+        </a:xfrm>
+      </p:grpSpPr>
+      <p:sp>
+        <p:nvSpPr>
+          <p:cNvPr id="2" name="Title 1"/>
+          <p:cNvSpPr>
+            <a:spLocks noGrp="1"/>
+          </p:cNvSpPr>
+          <p:nvPr>
+            <p:ph type="title"/>
+          </p:nvPr>
+        </p:nvSpPr>
+        <p:spPr>
+          <a:xfrm>
+            <a:off x="646111" y="452718"/>
+            <a:ext cx="9404723" cy="782958"/>
+          </a:xfrm>
+        </p:spPr>
+        <p:txBody>
+          <a:bodyPr/>
+          <a:lstStyle/>
+          <a:p>
+            <a:r>
+              <a:rPr lang="es-ES" b="1" dirty="0" smtClean="0"/>
+              <a:t>Cómo funciona </a:t>
+            </a:r>
+            <a:r>
+              <a:rPr lang="es-ES" b="1" dirty="0" err="1" smtClean="0"/>
+              <a:t>BlackMail</a:t>
+            </a:r>
+            <a:endParaRPr lang="es-ES" b="1" dirty="0"/>
+          </a:p>
+        </p:txBody>
+      </p:sp>
+      <p:sp>
+        <p:nvSpPr>
+          <p:cNvPr id="4" name="Content Placeholder 2"/>
+          <p:cNvSpPr txBox="1">
+            <a:spLocks/>
+          </p:cNvSpPr>
+          <p:nvPr/>
+        </p:nvSpPr>
+        <p:spPr>
+          <a:xfrm>
+            <a:off x="436605" y="2431859"/>
+            <a:ext cx="10492427" cy="1997676"/>
+          </a:xfrm>
+          <a:prstGeom prst="rect">
+            <a:avLst/>
+          </a:prstGeom>
+        </p:spPr>
+        <p:txBody>
+          <a:bodyPr vert="horz" lIns="91440" tIns="45720" rIns="91440" bIns="45720" rtlCol="0">
+            <a:normAutofit/>
+          </a:bodyPr>
+          <a:lstStyle>
+            <a:lvl1pPr marL="342900" indent="-342900" algn="l" defTabSz="457200" rtl="0" eaLnBrk="1" latinLnBrk="0" hangingPunct="1">
+              <a:spcBef>
+                <a:spcPts val="1000"/>
+              </a:spcBef>
+              <a:spcAft>
+                <a:spcPts val="0"/>
+              </a:spcAft>
+              <a:buClr>
+                <a:schemeClr val="bg2">
+                  <a:lumMod val="40000"/>
+                  <a:lumOff val="60000"/>
+                </a:schemeClr>
+              </a:buClr>
+              <a:buSzPct val="80000"/>
+              <a:buFont typeface="Wingdings 3" charset="2"/>
+              <a:buChar char=""/>
+              <a:defRPr sz="2000" b="0" i="0" kern="1200">
+                <a:solidFill>
+                  <a:schemeClr val="tx1"/>
+                </a:solidFill>
+                <a:latin typeface="+mj-lt"/>
+                <a:ea typeface="+mj-ea"/>
+                <a:cs typeface="+mj-cs"/>
+              </a:defRPr>
+            </a:lvl1pPr>
+            <a:lvl2pPr marL="742950" indent="-285750" algn="l" defTabSz="457200" rtl="0" eaLnBrk="1" latinLnBrk="0" hangingPunct="1">
+              <a:spcBef>
+                <a:spcPts val="1000"/>
+              </a:spcBef>
+              <a:spcAft>
+                <a:spcPts val="0"/>
+              </a:spcAft>
+              <a:buClr>
+                <a:schemeClr val="bg2">
+                  <a:lumMod val="40000"/>
+                  <a:lumOff val="60000"/>
+                </a:schemeClr>
+              </a:buClr>
+              <a:buSzPct val="80000"/>
+              <a:buFont typeface="Wingdings 3" charset="2"/>
+              <a:buChar char=""/>
+              <a:defRPr sz="1800" b="0" i="0" kern="1200">
+                <a:solidFill>
+                  <a:schemeClr val="tx1"/>
+                </a:solidFill>
+                <a:latin typeface="+mj-lt"/>
+                <a:ea typeface="+mj-ea"/>
+                <a:cs typeface="+mj-cs"/>
+              </a:defRPr>
+            </a:lvl2pPr>
+            <a:lvl3pPr marL="1143000" indent="-228600" algn="l" defTabSz="457200" rtl="0" eaLnBrk="1" latinLnBrk="0" hangingPunct="1">
+              <a:spcBef>
+                <a:spcPts val="1000"/>
+              </a:spcBef>
+              <a:spcAft>
+                <a:spcPts val="0"/>
+              </a:spcAft>
+              <a:buClr>
+                <a:schemeClr val="bg2">
+                  <a:lumMod val="40000"/>
+                  <a:lumOff val="60000"/>
+                </a:schemeClr>
+              </a:buClr>
+              <a:buSzPct val="80000"/>
+              <a:buFont typeface="Wingdings 3" charset="2"/>
+              <a:buChar char=""/>
+              <a:defRPr sz="1600" b="0" i="0" kern="1200">
+                <a:solidFill>
+                  <a:schemeClr val="tx1"/>
+                </a:solidFill>
+                <a:latin typeface="+mj-lt"/>
+                <a:ea typeface="+mj-ea"/>
+                <a:cs typeface="+mj-cs"/>
+              </a:defRPr>
+            </a:lvl3pPr>
+            <a:lvl4pPr marL="1600200" indent="-228600" algn="l" defTabSz="457200" rtl="0" eaLnBrk="1" latinLnBrk="0" hangingPunct="1">
+              <a:spcBef>
+                <a:spcPts val="1000"/>
+              </a:spcBef>
+              <a:spcAft>
+                <a:spcPts val="0"/>
+              </a:spcAft>
+              <a:buClr>
+                <a:schemeClr val="bg2">
+                  <a:lumMod val="40000"/>
+                  <a:lumOff val="60000"/>
+                </a:schemeClr>
+              </a:buClr>
+              <a:buSzPct val="80000"/>
+              <a:buFont typeface="Wingdings 3" charset="2"/>
+              <a:buChar char=""/>
+              <a:defRPr sz="1400" b="0" i="0" kern="1200">
+                <a:solidFill>
+                  <a:schemeClr val="tx1"/>
+                </a:solidFill>
+                <a:latin typeface="+mj-lt"/>
+                <a:ea typeface="+mj-ea"/>
+                <a:cs typeface="+mj-cs"/>
+              </a:defRPr>
+            </a:lvl4pPr>
+            <a:lvl5pPr marL="2057400" indent="-228600" algn="l" defTabSz="457200" rtl="0" eaLnBrk="1" latinLnBrk="0" hangingPunct="1">
+              <a:spcBef>
+                <a:spcPts val="1000"/>
+              </a:spcBef>
+              <a:spcAft>
+                <a:spcPts val="0"/>
+              </a:spcAft>
+              <a:buClr>
+                <a:schemeClr val="bg2">
+                  <a:lumMod val="40000"/>
+                  <a:lumOff val="60000"/>
+                </a:schemeClr>
+              </a:buClr>
+              <a:buSzPct val="80000"/>
+              <a:buFont typeface="Wingdings 3" charset="2"/>
+              <a:buChar char=""/>
+              <a:defRPr sz="1400" b="0" i="0" kern="1200">
+                <a:solidFill>
+                  <a:schemeClr val="tx1"/>
+                </a:solidFill>
+                <a:latin typeface="+mj-lt"/>
+                <a:ea typeface="+mj-ea"/>
+                <a:cs typeface="+mj-cs"/>
+              </a:defRPr>
+            </a:lvl5pPr>
+            <a:lvl6pPr marL="2506000" indent="-228600" algn="l" defTabSz="457200" rtl="0" eaLnBrk="1" latinLnBrk="0" hangingPunct="1">
+              <a:spcBef>
+                <a:spcPts val="1000"/>
+              </a:spcBef>
+              <a:spcAft>
+                <a:spcPts val="0"/>
+              </a:spcAft>
+              <a:buClr>
+                <a:schemeClr val="bg2">
+                  <a:lumMod val="40000"/>
+                  <a:lumOff val="60000"/>
+                </a:schemeClr>
+              </a:buClr>
+              <a:buSzPct val="80000"/>
+              <a:buFont typeface="Wingdings 3" charset="2"/>
+              <a:buChar char=""/>
+              <a:defRPr sz="1400" b="0" i="0" kern="1200">
+                <a:solidFill>
+                  <a:schemeClr val="tx1"/>
+                </a:solidFill>
+                <a:latin typeface="+mj-lt"/>
+                <a:ea typeface="+mj-ea"/>
+                <a:cs typeface="+mj-cs"/>
+              </a:defRPr>
+            </a:lvl6pPr>
+            <a:lvl7pPr marL="2971800" indent="-228600" algn="l" defTabSz="457200" rtl="0" eaLnBrk="1" latinLnBrk="0" hangingPunct="1">
+              <a:spcBef>
+                <a:spcPts val="1000"/>
+              </a:spcBef>
+              <a:spcAft>
+                <a:spcPts val="0"/>
+              </a:spcAft>
+              <a:buClr>
+                <a:schemeClr val="bg2">
+                  <a:lumMod val="40000"/>
+                  <a:lumOff val="60000"/>
+                </a:schemeClr>
+              </a:buClr>
+              <a:buSzPct val="80000"/>
+              <a:buFont typeface="Wingdings 3" charset="2"/>
+              <a:buChar char=""/>
+              <a:defRPr sz="1400" b="0" i="0" kern="1200">
+                <a:solidFill>
+                  <a:schemeClr val="tx1"/>
+                </a:solidFill>
+                <a:latin typeface="+mj-lt"/>
+                <a:ea typeface="+mj-ea"/>
+                <a:cs typeface="+mj-cs"/>
+              </a:defRPr>
+            </a:lvl7pPr>
+            <a:lvl8pPr marL="3429000" indent="-228600" algn="l" defTabSz="457200" rtl="0" eaLnBrk="1" latinLnBrk="0" hangingPunct="1">
+              <a:spcBef>
+                <a:spcPts val="1000"/>
+              </a:spcBef>
+              <a:spcAft>
+                <a:spcPts val="0"/>
+              </a:spcAft>
+              <a:buClr>
+                <a:schemeClr val="bg2">
+                  <a:lumMod val="40000"/>
+                  <a:lumOff val="60000"/>
+                </a:schemeClr>
+              </a:buClr>
+              <a:buSzPct val="80000"/>
+              <a:buFont typeface="Wingdings 3" charset="2"/>
+              <a:buChar char=""/>
+              <a:defRPr sz="1400" b="0" i="0" kern="1200">
+                <a:solidFill>
+                  <a:schemeClr val="tx1"/>
+                </a:solidFill>
+                <a:latin typeface="+mj-lt"/>
+                <a:ea typeface="+mj-ea"/>
+                <a:cs typeface="+mj-cs"/>
+              </a:defRPr>
+            </a:lvl8pPr>
+            <a:lvl9pPr marL="3886200" indent="-228600" algn="l" defTabSz="457200" rtl="0" eaLnBrk="1" latinLnBrk="0" hangingPunct="1">
+              <a:spcBef>
+                <a:spcPts val="1000"/>
+              </a:spcBef>
+              <a:spcAft>
+                <a:spcPts val="0"/>
+              </a:spcAft>
+              <a:buClr>
+                <a:schemeClr val="bg2">
+                  <a:lumMod val="40000"/>
+                  <a:lumOff val="60000"/>
+                </a:schemeClr>
+              </a:buClr>
+              <a:buSzPct val="80000"/>
+              <a:buFont typeface="Wingdings 3" charset="2"/>
+              <a:buChar char=""/>
+              <a:defRPr sz="1400" b="0" i="0" kern="1200">
+                <a:solidFill>
+                  <a:schemeClr val="tx1"/>
+                </a:solidFill>
+                <a:latin typeface="+mj-lt"/>
+                <a:ea typeface="+mj-ea"/>
+                <a:cs typeface="+mj-cs"/>
+              </a:defRPr>
+            </a:lvl9pPr>
+          </a:lstStyle>
+          <a:p>
+            <a:pPr algn="just"/>
+            <a:r>
+              <a:rPr lang="es-ES" dirty="0"/>
+              <a:t>Por ejemplo, si queremos leer un hilo concreto, llamaremos a la capa 'sistema' preguntándole por ese hilo. La capa sistema comprobará si se encuentra almacenado, y si lo está lo devolverá desde la capa de almacenamiento. Si no lo está, hará una llamada utilizando la capa de red, y antes de devolver los datos al controlador, los almacenará. </a:t>
+            </a:r>
+          </a:p>
+        </p:txBody>
+      </p:sp>
+      <p:sp>
+        <p:nvSpPr>
+          <p:cNvPr id="5" name="Title 1"/>
+          <p:cNvSpPr txBox="1">
+            <a:spLocks/>
+          </p:cNvSpPr>
+          <p:nvPr/>
+        </p:nvSpPr>
+        <p:spPr>
+          <a:xfrm>
+            <a:off x="436605" y="1540475"/>
+            <a:ext cx="9404723" cy="586584"/>
+          </a:xfrm>
+          <a:prstGeom prst="rect">
+            <a:avLst/>
+          </a:prstGeom>
+        </p:spPr>
+        <p:txBody>
+          <a:bodyPr vert="horz" lIns="91440" tIns="45720" rIns="91440" bIns="45720" rtlCol="0" anchor="t">
+            <a:noAutofit/>
+          </a:bodyPr>
+          <a:lstStyle>
+            <a:lvl1pPr algn="l" defTabSz="457200" rtl="0" eaLnBrk="1" latinLnBrk="0" hangingPunct="1">
+              <a:spcBef>
+                <a:spcPct val="0"/>
+              </a:spcBef>
+              <a:buNone/>
+              <a:defRPr sz="4200" b="0" i="0" kern="1200">
+                <a:solidFill>
+                  <a:schemeClr val="tx2"/>
+                </a:solidFill>
+                <a:latin typeface="+mj-lt"/>
+                <a:ea typeface="+mj-ea"/>
+                <a:cs typeface="+mj-cs"/>
+              </a:defRPr>
+            </a:lvl1pPr>
+            <a:lvl2pPr eaLnBrk="1" hangingPunct="1">
+              <a:defRPr>
+                <a:solidFill>
+                  <a:schemeClr val="tx2"/>
+                </a:solidFill>
+              </a:defRPr>
+            </a:lvl2pPr>
+            <a:lvl3pPr eaLnBrk="1" hangingPunct="1">
+              <a:defRPr>
+                <a:solidFill>
+                  <a:schemeClr val="tx2"/>
+                </a:solidFill>
+              </a:defRPr>
+            </a:lvl3pPr>
+            <a:lvl4pPr eaLnBrk="1" hangingPunct="1">
+              <a:defRPr>
+                <a:solidFill>
+                  <a:schemeClr val="tx2"/>
+                </a:solidFill>
+              </a:defRPr>
+            </a:lvl4pPr>
+            <a:lvl5pPr eaLnBrk="1" hangingPunct="1">
+              <a:defRPr>
+                <a:solidFill>
+                  <a:schemeClr val="tx2"/>
+                </a:solidFill>
+              </a:defRPr>
+            </a:lvl5pPr>
+            <a:lvl6pPr eaLnBrk="1" hangingPunct="1">
+              <a:defRPr>
+                <a:solidFill>
+                  <a:schemeClr val="tx2"/>
+                </a:solidFill>
+              </a:defRPr>
+            </a:lvl6pPr>
+            <a:lvl7pPr eaLnBrk="1" hangingPunct="1">
+              <a:defRPr>
+                <a:solidFill>
+                  <a:schemeClr val="tx2"/>
+                </a:solidFill>
+              </a:defRPr>
+            </a:lvl7pPr>
+            <a:lvl8pPr eaLnBrk="1" hangingPunct="1">
+              <a:defRPr>
+                <a:solidFill>
+                  <a:schemeClr val="tx2"/>
+                </a:solidFill>
+              </a:defRPr>
+            </a:lvl8pPr>
+            <a:lvl9pPr eaLnBrk="1" hangingPunct="1">
+              <a:defRPr>
+                <a:solidFill>
+                  <a:schemeClr val="tx2"/>
+                </a:solidFill>
+              </a:defRPr>
+            </a:lvl9pPr>
+          </a:lstStyle>
+          <a:p>
+            <a:r>
+              <a:rPr lang="es-ES" sz="2800" dirty="0" smtClean="0"/>
+              <a:t>Capa de sistema: ejemplo</a:t>
+            </a:r>
+            <a:r>
+              <a:rPr lang="es-ES" b="1" dirty="0" smtClean="0"/>
+              <a:t/>
+            </a:r>
+            <a:br>
+              <a:rPr lang="es-ES" b="1" dirty="0" smtClean="0"/>
+            </a:br>
+            <a:endParaRPr lang="es-ES" dirty="0"/>
+          </a:p>
+        </p:txBody>
+      </p:sp>
+    </p:spTree>
+    <p:extLst>
+      <p:ext uri="{BB962C8B-B14F-4D97-AF65-F5344CB8AC3E}">
+        <p14:creationId xmlns:p14="http://schemas.microsoft.com/office/powerpoint/2010/main" val="3211201856"/>
+      </p:ext>
+    </p:extLst>
+  </p:cSld>
+  <p:clrMapOvr>
+    <a:masterClrMapping/>
+  </p:clrMapOvr>
+</p:sld>
+</file>
+
+<file path=ppt/slides/slide21.xml><?xml version="1.0" encoding="utf-8"?>
+<p:sld xmlns:a="http://schemas.openxmlformats.org/drawingml/2006/main" xmlns:r="http://schemas.openxmlformats.org/officeDocument/2006/relationships" xmlns:p="http://schemas.openxmlformats.org/presentationml/2006/main">
+  <p:cSld>
+    <p:spTree>
+      <p:nvGrpSpPr>
+        <p:cNvPr id="1" name=""/>
+        <p:cNvGrpSpPr/>
+        <p:nvPr/>
+      </p:nvGrpSpPr>
+      <p:grpSpPr>
+        <a:xfrm>
+          <a:off x="0" y="0"/>
+          <a:ext cx="0" cy="0"/>
+          <a:chOff x="0" y="0"/>
+          <a:chExt cx="0" cy="0"/>
+        </a:xfrm>
+      </p:grpSpPr>
+      <p:sp>
+        <p:nvSpPr>
+          <p:cNvPr id="2" name="Title 1"/>
+          <p:cNvSpPr>
+            <a:spLocks noGrp="1"/>
+          </p:cNvSpPr>
+          <p:nvPr>
+            <p:ph type="title"/>
+          </p:nvPr>
+        </p:nvSpPr>
+        <p:spPr>
+          <a:xfrm>
+            <a:off x="646111" y="452718"/>
+            <a:ext cx="9404723" cy="782958"/>
+          </a:xfrm>
+        </p:spPr>
+        <p:txBody>
+          <a:bodyPr/>
+          <a:lstStyle/>
+          <a:p>
+            <a:r>
+              <a:rPr lang="es-ES" b="1" dirty="0" smtClean="0"/>
+              <a:t>Cómo funciona </a:t>
+            </a:r>
+            <a:r>
+              <a:rPr lang="es-ES" b="1" dirty="0" err="1" smtClean="0"/>
+              <a:t>BlackMail</a:t>
+            </a:r>
+            <a:endParaRPr lang="es-ES" b="1" dirty="0"/>
+          </a:p>
+        </p:txBody>
+      </p:sp>
+      <p:sp>
+        <p:nvSpPr>
+          <p:cNvPr id="4" name="Content Placeholder 2"/>
+          <p:cNvSpPr txBox="1">
+            <a:spLocks/>
+          </p:cNvSpPr>
+          <p:nvPr/>
+        </p:nvSpPr>
+        <p:spPr>
+          <a:xfrm>
+            <a:off x="436605" y="2431859"/>
+            <a:ext cx="10492427" cy="1997676"/>
+          </a:xfrm>
+          <a:prstGeom prst="rect">
+            <a:avLst/>
+          </a:prstGeom>
+        </p:spPr>
+        <p:txBody>
+          <a:bodyPr vert="horz" lIns="91440" tIns="45720" rIns="91440" bIns="45720" rtlCol="0">
+            <a:normAutofit/>
+          </a:bodyPr>
+          <a:lstStyle>
+            <a:lvl1pPr marL="342900" indent="-342900" algn="l" defTabSz="457200" rtl="0" eaLnBrk="1" latinLnBrk="0" hangingPunct="1">
+              <a:spcBef>
+                <a:spcPts val="1000"/>
+              </a:spcBef>
+              <a:spcAft>
+                <a:spcPts val="0"/>
+              </a:spcAft>
+              <a:buClr>
+                <a:schemeClr val="bg2">
+                  <a:lumMod val="40000"/>
+                  <a:lumOff val="60000"/>
+                </a:schemeClr>
+              </a:buClr>
+              <a:buSzPct val="80000"/>
+              <a:buFont typeface="Wingdings 3" charset="2"/>
+              <a:buChar char=""/>
+              <a:defRPr sz="2000" b="0" i="0" kern="1200">
+                <a:solidFill>
+                  <a:schemeClr val="tx1"/>
+                </a:solidFill>
+                <a:latin typeface="+mj-lt"/>
+                <a:ea typeface="+mj-ea"/>
+                <a:cs typeface="+mj-cs"/>
+              </a:defRPr>
+            </a:lvl1pPr>
+            <a:lvl2pPr marL="742950" indent="-285750" algn="l" defTabSz="457200" rtl="0" eaLnBrk="1" latinLnBrk="0" hangingPunct="1">
+              <a:spcBef>
+                <a:spcPts val="1000"/>
+              </a:spcBef>
+              <a:spcAft>
+                <a:spcPts val="0"/>
+              </a:spcAft>
+              <a:buClr>
+                <a:schemeClr val="bg2">
+                  <a:lumMod val="40000"/>
+                  <a:lumOff val="60000"/>
+                </a:schemeClr>
+              </a:buClr>
+              <a:buSzPct val="80000"/>
+              <a:buFont typeface="Wingdings 3" charset="2"/>
+              <a:buChar char=""/>
+              <a:defRPr sz="1800" b="0" i="0" kern="1200">
+                <a:solidFill>
+                  <a:schemeClr val="tx1"/>
+                </a:solidFill>
+                <a:latin typeface="+mj-lt"/>
+                <a:ea typeface="+mj-ea"/>
+                <a:cs typeface="+mj-cs"/>
+              </a:defRPr>
+            </a:lvl2pPr>
+            <a:lvl3pPr marL="1143000" indent="-228600" algn="l" defTabSz="457200" rtl="0" eaLnBrk="1" latinLnBrk="0" hangingPunct="1">
+              <a:spcBef>
+                <a:spcPts val="1000"/>
+              </a:spcBef>
+              <a:spcAft>
+                <a:spcPts val="0"/>
+              </a:spcAft>
+              <a:buClr>
+                <a:schemeClr val="bg2">
+                  <a:lumMod val="40000"/>
+                  <a:lumOff val="60000"/>
+                </a:schemeClr>
+              </a:buClr>
+              <a:buSzPct val="80000"/>
+              <a:buFont typeface="Wingdings 3" charset="2"/>
+              <a:buChar char=""/>
+              <a:defRPr sz="1600" b="0" i="0" kern="1200">
+                <a:solidFill>
+                  <a:schemeClr val="tx1"/>
+                </a:solidFill>
+                <a:latin typeface="+mj-lt"/>
+                <a:ea typeface="+mj-ea"/>
+                <a:cs typeface="+mj-cs"/>
+              </a:defRPr>
+            </a:lvl3pPr>
+            <a:lvl4pPr marL="1600200" indent="-228600" algn="l" defTabSz="457200" rtl="0" eaLnBrk="1" latinLnBrk="0" hangingPunct="1">
+              <a:spcBef>
+                <a:spcPts val="1000"/>
+              </a:spcBef>
+              <a:spcAft>
+                <a:spcPts val="0"/>
+              </a:spcAft>
+              <a:buClr>
+                <a:schemeClr val="bg2">
+                  <a:lumMod val="40000"/>
+                  <a:lumOff val="60000"/>
+                </a:schemeClr>
+              </a:buClr>
+              <a:buSzPct val="80000"/>
+              <a:buFont typeface="Wingdings 3" charset="2"/>
+              <a:buChar char=""/>
+              <a:defRPr sz="1400" b="0" i="0" kern="1200">
+                <a:solidFill>
+                  <a:schemeClr val="tx1"/>
+                </a:solidFill>
+                <a:latin typeface="+mj-lt"/>
+                <a:ea typeface="+mj-ea"/>
+                <a:cs typeface="+mj-cs"/>
+              </a:defRPr>
+            </a:lvl4pPr>
+            <a:lvl5pPr marL="2057400" indent="-228600" algn="l" defTabSz="457200" rtl="0" eaLnBrk="1" latinLnBrk="0" hangingPunct="1">
+              <a:spcBef>
+                <a:spcPts val="1000"/>
+              </a:spcBef>
+              <a:spcAft>
+                <a:spcPts val="0"/>
+              </a:spcAft>
+              <a:buClr>
+                <a:schemeClr val="bg2">
+                  <a:lumMod val="40000"/>
+                  <a:lumOff val="60000"/>
+                </a:schemeClr>
+              </a:buClr>
+              <a:buSzPct val="80000"/>
+              <a:buFont typeface="Wingdings 3" charset="2"/>
+              <a:buChar char=""/>
+              <a:defRPr sz="1400" b="0" i="0" kern="1200">
+                <a:solidFill>
+                  <a:schemeClr val="tx1"/>
+                </a:solidFill>
+                <a:latin typeface="+mj-lt"/>
+                <a:ea typeface="+mj-ea"/>
+                <a:cs typeface="+mj-cs"/>
+              </a:defRPr>
+            </a:lvl5pPr>
+            <a:lvl6pPr marL="2506000" indent="-228600" algn="l" defTabSz="457200" rtl="0" eaLnBrk="1" latinLnBrk="0" hangingPunct="1">
+              <a:spcBef>
+                <a:spcPts val="1000"/>
+              </a:spcBef>
+              <a:spcAft>
+                <a:spcPts val="0"/>
+              </a:spcAft>
+              <a:buClr>
+                <a:schemeClr val="bg2">
+                  <a:lumMod val="40000"/>
+                  <a:lumOff val="60000"/>
+                </a:schemeClr>
+              </a:buClr>
+              <a:buSzPct val="80000"/>
+              <a:buFont typeface="Wingdings 3" charset="2"/>
+              <a:buChar char=""/>
+              <a:defRPr sz="1400" b="0" i="0" kern="1200">
+                <a:solidFill>
+                  <a:schemeClr val="tx1"/>
+                </a:solidFill>
+                <a:latin typeface="+mj-lt"/>
+                <a:ea typeface="+mj-ea"/>
+                <a:cs typeface="+mj-cs"/>
+              </a:defRPr>
+            </a:lvl6pPr>
+            <a:lvl7pPr marL="2971800" indent="-228600" algn="l" defTabSz="457200" rtl="0" eaLnBrk="1" latinLnBrk="0" hangingPunct="1">
+              <a:spcBef>
+                <a:spcPts val="1000"/>
+              </a:spcBef>
+              <a:spcAft>
+                <a:spcPts val="0"/>
+              </a:spcAft>
+              <a:buClr>
+                <a:schemeClr val="bg2">
+                  <a:lumMod val="40000"/>
+                  <a:lumOff val="60000"/>
+                </a:schemeClr>
+              </a:buClr>
+              <a:buSzPct val="80000"/>
+              <a:buFont typeface="Wingdings 3" charset="2"/>
+              <a:buChar char=""/>
+              <a:defRPr sz="1400" b="0" i="0" kern="1200">
+                <a:solidFill>
+                  <a:schemeClr val="tx1"/>
+                </a:solidFill>
+                <a:latin typeface="+mj-lt"/>
+                <a:ea typeface="+mj-ea"/>
+                <a:cs typeface="+mj-cs"/>
+              </a:defRPr>
+            </a:lvl7pPr>
+            <a:lvl8pPr marL="3429000" indent="-228600" algn="l" defTabSz="457200" rtl="0" eaLnBrk="1" latinLnBrk="0" hangingPunct="1">
+              <a:spcBef>
+                <a:spcPts val="1000"/>
+              </a:spcBef>
+              <a:spcAft>
+                <a:spcPts val="0"/>
+              </a:spcAft>
+              <a:buClr>
+                <a:schemeClr val="bg2">
+                  <a:lumMod val="40000"/>
+                  <a:lumOff val="60000"/>
+                </a:schemeClr>
+              </a:buClr>
+              <a:buSzPct val="80000"/>
+              <a:buFont typeface="Wingdings 3" charset="2"/>
+              <a:buChar char=""/>
+              <a:defRPr sz="1400" b="0" i="0" kern="1200">
+                <a:solidFill>
+                  <a:schemeClr val="tx1"/>
+                </a:solidFill>
+                <a:latin typeface="+mj-lt"/>
+                <a:ea typeface="+mj-ea"/>
+                <a:cs typeface="+mj-cs"/>
+              </a:defRPr>
+            </a:lvl8pPr>
+            <a:lvl9pPr marL="3886200" indent="-228600" algn="l" defTabSz="457200" rtl="0" eaLnBrk="1" latinLnBrk="0" hangingPunct="1">
+              <a:spcBef>
+                <a:spcPts val="1000"/>
+              </a:spcBef>
+              <a:spcAft>
+                <a:spcPts val="0"/>
+              </a:spcAft>
+              <a:buClr>
+                <a:schemeClr val="bg2">
+                  <a:lumMod val="40000"/>
+                  <a:lumOff val="60000"/>
+                </a:schemeClr>
+              </a:buClr>
+              <a:buSzPct val="80000"/>
+              <a:buFont typeface="Wingdings 3" charset="2"/>
+              <a:buChar char=""/>
+              <a:defRPr sz="1400" b="0" i="0" kern="1200">
+                <a:solidFill>
+                  <a:schemeClr val="tx1"/>
+                </a:solidFill>
+                <a:latin typeface="+mj-lt"/>
+                <a:ea typeface="+mj-ea"/>
+                <a:cs typeface="+mj-cs"/>
+              </a:defRPr>
+            </a:lvl9pPr>
+          </a:lstStyle>
+          <a:p>
+            <a:pPr algn="just"/>
+            <a:r>
+              <a:rPr lang="es-ES" dirty="0"/>
+              <a:t>Otro ejemplo: si queremos eliminar o modificar un hilo, la capa sistema hará la petición por medio de la capa de red, y si se recibe una respuesta positiva del servidor, entonces el elemento se eliminará o modificará también en la capa de </a:t>
+            </a:r>
+            <a:r>
+              <a:rPr lang="es-ES" dirty="0" smtClean="0"/>
+              <a:t>almacenamiento.</a:t>
+            </a:r>
+            <a:endParaRPr lang="es-ES" dirty="0"/>
+          </a:p>
+        </p:txBody>
+      </p:sp>
+      <p:sp>
+        <p:nvSpPr>
+          <p:cNvPr id="5" name="Title 1"/>
+          <p:cNvSpPr txBox="1">
+            <a:spLocks/>
+          </p:cNvSpPr>
+          <p:nvPr/>
+        </p:nvSpPr>
+        <p:spPr>
+          <a:xfrm>
+            <a:off x="436605" y="1540475"/>
+            <a:ext cx="9404723" cy="586584"/>
+          </a:xfrm>
+          <a:prstGeom prst="rect">
+            <a:avLst/>
+          </a:prstGeom>
+        </p:spPr>
+        <p:txBody>
+          <a:bodyPr vert="horz" lIns="91440" tIns="45720" rIns="91440" bIns="45720" rtlCol="0" anchor="t">
+            <a:noAutofit/>
+          </a:bodyPr>
+          <a:lstStyle>
+            <a:lvl1pPr algn="l" defTabSz="457200" rtl="0" eaLnBrk="1" latinLnBrk="0" hangingPunct="1">
+              <a:spcBef>
+                <a:spcPct val="0"/>
+              </a:spcBef>
+              <a:buNone/>
+              <a:defRPr sz="4200" b="0" i="0" kern="1200">
+                <a:solidFill>
+                  <a:schemeClr val="tx2"/>
+                </a:solidFill>
+                <a:latin typeface="+mj-lt"/>
+                <a:ea typeface="+mj-ea"/>
+                <a:cs typeface="+mj-cs"/>
+              </a:defRPr>
+            </a:lvl1pPr>
+            <a:lvl2pPr eaLnBrk="1" hangingPunct="1">
+              <a:defRPr>
+                <a:solidFill>
+                  <a:schemeClr val="tx2"/>
+                </a:solidFill>
+              </a:defRPr>
+            </a:lvl2pPr>
+            <a:lvl3pPr eaLnBrk="1" hangingPunct="1">
+              <a:defRPr>
+                <a:solidFill>
+                  <a:schemeClr val="tx2"/>
+                </a:solidFill>
+              </a:defRPr>
+            </a:lvl3pPr>
+            <a:lvl4pPr eaLnBrk="1" hangingPunct="1">
+              <a:defRPr>
+                <a:solidFill>
+                  <a:schemeClr val="tx2"/>
+                </a:solidFill>
+              </a:defRPr>
+            </a:lvl4pPr>
+            <a:lvl5pPr eaLnBrk="1" hangingPunct="1">
+              <a:defRPr>
+                <a:solidFill>
+                  <a:schemeClr val="tx2"/>
+                </a:solidFill>
+              </a:defRPr>
+            </a:lvl5pPr>
+            <a:lvl6pPr eaLnBrk="1" hangingPunct="1">
+              <a:defRPr>
+                <a:solidFill>
+                  <a:schemeClr val="tx2"/>
+                </a:solidFill>
+              </a:defRPr>
+            </a:lvl6pPr>
+            <a:lvl7pPr eaLnBrk="1" hangingPunct="1">
+              <a:defRPr>
+                <a:solidFill>
+                  <a:schemeClr val="tx2"/>
+                </a:solidFill>
+              </a:defRPr>
+            </a:lvl7pPr>
+            <a:lvl8pPr eaLnBrk="1" hangingPunct="1">
+              <a:defRPr>
+                <a:solidFill>
+                  <a:schemeClr val="tx2"/>
+                </a:solidFill>
+              </a:defRPr>
+            </a:lvl8pPr>
+            <a:lvl9pPr eaLnBrk="1" hangingPunct="1">
+              <a:defRPr>
+                <a:solidFill>
+                  <a:schemeClr val="tx2"/>
+                </a:solidFill>
+              </a:defRPr>
+            </a:lvl9pPr>
+          </a:lstStyle>
+          <a:p>
+            <a:r>
+              <a:rPr lang="es-ES" sz="2800" dirty="0" smtClean="0"/>
+              <a:t>Capa de sistema: otro ejemplo</a:t>
+            </a:r>
+            <a:r>
+              <a:rPr lang="es-ES" b="1" dirty="0" smtClean="0"/>
+              <a:t/>
+            </a:r>
+            <a:br>
+              <a:rPr lang="es-ES" b="1" dirty="0" smtClean="0"/>
+            </a:br>
+            <a:endParaRPr lang="es-ES" dirty="0"/>
+          </a:p>
+        </p:txBody>
+      </p:sp>
+    </p:spTree>
+    <p:extLst>
+      <p:ext uri="{BB962C8B-B14F-4D97-AF65-F5344CB8AC3E}">
+        <p14:creationId xmlns:p14="http://schemas.microsoft.com/office/powerpoint/2010/main" val="3252608249"/>
+      </p:ext>
+    </p:extLst>
+  </p:cSld>
+  <p:clrMapOvr>
+    <a:masterClrMapping/>
+  </p:clrMapOvr>
+</p:sld>
+</file>
+
+<file path=ppt/slides/slide22.xml><?xml version="1.0" encoding="utf-8"?>
+<p:sld xmlns:a="http://schemas.openxmlformats.org/drawingml/2006/main" xmlns:r="http://schemas.openxmlformats.org/officeDocument/2006/relationships" xmlns:p="http://schemas.openxmlformats.org/presentationml/2006/main">
+  <p:cSld>
+    <p:spTree>
+      <p:nvGrpSpPr>
+        <p:cNvPr id="1" name=""/>
+        <p:cNvGrpSpPr/>
+        <p:nvPr/>
+      </p:nvGrpSpPr>
+      <p:grpSpPr>
+        <a:xfrm>
+          <a:off x="0" y="0"/>
+          <a:ext cx="0" cy="0"/>
+          <a:chOff x="0" y="0"/>
+          <a:chExt cx="0" cy="0"/>
+        </a:xfrm>
+      </p:grpSpPr>
+      <p:sp>
+        <p:nvSpPr>
+          <p:cNvPr id="2" name="Title 1"/>
+          <p:cNvSpPr>
+            <a:spLocks noGrp="1"/>
+          </p:cNvSpPr>
+          <p:nvPr>
+            <p:ph type="title"/>
+          </p:nvPr>
+        </p:nvSpPr>
+        <p:spPr>
+          <a:xfrm>
+            <a:off x="646111" y="452718"/>
+            <a:ext cx="9404723" cy="782958"/>
+          </a:xfrm>
+        </p:spPr>
+        <p:txBody>
+          <a:bodyPr/>
+          <a:lstStyle/>
+          <a:p>
+            <a:r>
+              <a:rPr lang="es-ES" b="1" dirty="0" smtClean="0"/>
+              <a:t>Cómo funciona </a:t>
+            </a:r>
+            <a:r>
+              <a:rPr lang="es-ES" b="1" dirty="0" err="1" smtClean="0"/>
+              <a:t>BlackMail</a:t>
+            </a:r>
+            <a:endParaRPr lang="es-ES" b="1" dirty="0"/>
+          </a:p>
+        </p:txBody>
+      </p:sp>
+      <p:sp>
+        <p:nvSpPr>
+          <p:cNvPr id="4" name="Content Placeholder 2"/>
+          <p:cNvSpPr txBox="1">
+            <a:spLocks/>
+          </p:cNvSpPr>
+          <p:nvPr/>
+        </p:nvSpPr>
+        <p:spPr>
+          <a:xfrm>
+            <a:off x="436605" y="2431859"/>
+            <a:ext cx="10492427" cy="1225742"/>
+          </a:xfrm>
+          <a:prstGeom prst="rect">
+            <a:avLst/>
+          </a:prstGeom>
+        </p:spPr>
+        <p:txBody>
+          <a:bodyPr vert="horz" lIns="91440" tIns="45720" rIns="91440" bIns="45720" rtlCol="0">
+            <a:normAutofit/>
+          </a:bodyPr>
+          <a:lstStyle>
+            <a:lvl1pPr marL="342900" indent="-342900" algn="l" defTabSz="457200" rtl="0" eaLnBrk="1" latinLnBrk="0" hangingPunct="1">
+              <a:spcBef>
+                <a:spcPts val="1000"/>
+              </a:spcBef>
+              <a:spcAft>
+                <a:spcPts val="0"/>
+              </a:spcAft>
+              <a:buClr>
+                <a:schemeClr val="bg2">
+                  <a:lumMod val="40000"/>
+                  <a:lumOff val="60000"/>
+                </a:schemeClr>
+              </a:buClr>
+              <a:buSzPct val="80000"/>
+              <a:buFont typeface="Wingdings 3" charset="2"/>
+              <a:buChar char=""/>
+              <a:defRPr sz="2000" b="0" i="0" kern="1200">
+                <a:solidFill>
+                  <a:schemeClr val="tx1"/>
+                </a:solidFill>
+                <a:latin typeface="+mj-lt"/>
+                <a:ea typeface="+mj-ea"/>
+                <a:cs typeface="+mj-cs"/>
+              </a:defRPr>
+            </a:lvl1pPr>
+            <a:lvl2pPr marL="742950" indent="-285750" algn="l" defTabSz="457200" rtl="0" eaLnBrk="1" latinLnBrk="0" hangingPunct="1">
+              <a:spcBef>
+                <a:spcPts val="1000"/>
+              </a:spcBef>
+              <a:spcAft>
+                <a:spcPts val="0"/>
+              </a:spcAft>
+              <a:buClr>
+                <a:schemeClr val="bg2">
+                  <a:lumMod val="40000"/>
+                  <a:lumOff val="60000"/>
+                </a:schemeClr>
+              </a:buClr>
+              <a:buSzPct val="80000"/>
+              <a:buFont typeface="Wingdings 3" charset="2"/>
+              <a:buChar char=""/>
+              <a:defRPr sz="1800" b="0" i="0" kern="1200">
+                <a:solidFill>
+                  <a:schemeClr val="tx1"/>
+                </a:solidFill>
+                <a:latin typeface="+mj-lt"/>
+                <a:ea typeface="+mj-ea"/>
+                <a:cs typeface="+mj-cs"/>
+              </a:defRPr>
+            </a:lvl2pPr>
+            <a:lvl3pPr marL="1143000" indent="-228600" algn="l" defTabSz="457200" rtl="0" eaLnBrk="1" latinLnBrk="0" hangingPunct="1">
+              <a:spcBef>
+                <a:spcPts val="1000"/>
+              </a:spcBef>
+              <a:spcAft>
+                <a:spcPts val="0"/>
+              </a:spcAft>
+              <a:buClr>
+                <a:schemeClr val="bg2">
+                  <a:lumMod val="40000"/>
+                  <a:lumOff val="60000"/>
+                </a:schemeClr>
+              </a:buClr>
+              <a:buSzPct val="80000"/>
+              <a:buFont typeface="Wingdings 3" charset="2"/>
+              <a:buChar char=""/>
+              <a:defRPr sz="1600" b="0" i="0" kern="1200">
+                <a:solidFill>
+                  <a:schemeClr val="tx1"/>
+                </a:solidFill>
+                <a:latin typeface="+mj-lt"/>
+                <a:ea typeface="+mj-ea"/>
+                <a:cs typeface="+mj-cs"/>
+              </a:defRPr>
+            </a:lvl3pPr>
+            <a:lvl4pPr marL="1600200" indent="-228600" algn="l" defTabSz="457200" rtl="0" eaLnBrk="1" latinLnBrk="0" hangingPunct="1">
+              <a:spcBef>
+                <a:spcPts val="1000"/>
+              </a:spcBef>
+              <a:spcAft>
+                <a:spcPts val="0"/>
+              </a:spcAft>
+              <a:buClr>
+                <a:schemeClr val="bg2">
+                  <a:lumMod val="40000"/>
+                  <a:lumOff val="60000"/>
+                </a:schemeClr>
+              </a:buClr>
+              <a:buSzPct val="80000"/>
+              <a:buFont typeface="Wingdings 3" charset="2"/>
+              <a:buChar char=""/>
+              <a:defRPr sz="1400" b="0" i="0" kern="1200">
+                <a:solidFill>
+                  <a:schemeClr val="tx1"/>
+                </a:solidFill>
+                <a:latin typeface="+mj-lt"/>
+                <a:ea typeface="+mj-ea"/>
+                <a:cs typeface="+mj-cs"/>
+              </a:defRPr>
+            </a:lvl4pPr>
+            <a:lvl5pPr marL="2057400" indent="-228600" algn="l" defTabSz="457200" rtl="0" eaLnBrk="1" latinLnBrk="0" hangingPunct="1">
+              <a:spcBef>
+                <a:spcPts val="1000"/>
+              </a:spcBef>
+              <a:spcAft>
+                <a:spcPts val="0"/>
+              </a:spcAft>
+              <a:buClr>
+                <a:schemeClr val="bg2">
+                  <a:lumMod val="40000"/>
+                  <a:lumOff val="60000"/>
+                </a:schemeClr>
+              </a:buClr>
+              <a:buSzPct val="80000"/>
+              <a:buFont typeface="Wingdings 3" charset="2"/>
+              <a:buChar char=""/>
+              <a:defRPr sz="1400" b="0" i="0" kern="1200">
+                <a:solidFill>
+                  <a:schemeClr val="tx1"/>
+                </a:solidFill>
+                <a:latin typeface="+mj-lt"/>
+                <a:ea typeface="+mj-ea"/>
+                <a:cs typeface="+mj-cs"/>
+              </a:defRPr>
+            </a:lvl5pPr>
+            <a:lvl6pPr marL="2506000" indent="-228600" algn="l" defTabSz="457200" rtl="0" eaLnBrk="1" latinLnBrk="0" hangingPunct="1">
+              <a:spcBef>
+                <a:spcPts val="1000"/>
+              </a:spcBef>
+              <a:spcAft>
+                <a:spcPts val="0"/>
+              </a:spcAft>
+              <a:buClr>
+                <a:schemeClr val="bg2">
+                  <a:lumMod val="40000"/>
+                  <a:lumOff val="60000"/>
+                </a:schemeClr>
+              </a:buClr>
+              <a:buSzPct val="80000"/>
+              <a:buFont typeface="Wingdings 3" charset="2"/>
+              <a:buChar char=""/>
+              <a:defRPr sz="1400" b="0" i="0" kern="1200">
+                <a:solidFill>
+                  <a:schemeClr val="tx1"/>
+                </a:solidFill>
+                <a:latin typeface="+mj-lt"/>
+                <a:ea typeface="+mj-ea"/>
+                <a:cs typeface="+mj-cs"/>
+              </a:defRPr>
+            </a:lvl6pPr>
+            <a:lvl7pPr marL="2971800" indent="-228600" algn="l" defTabSz="457200" rtl="0" eaLnBrk="1" latinLnBrk="0" hangingPunct="1">
+              <a:spcBef>
+                <a:spcPts val="1000"/>
+              </a:spcBef>
+              <a:spcAft>
+                <a:spcPts val="0"/>
+              </a:spcAft>
+              <a:buClr>
+                <a:schemeClr val="bg2">
+                  <a:lumMod val="40000"/>
+                  <a:lumOff val="60000"/>
+                </a:schemeClr>
+              </a:buClr>
+              <a:buSzPct val="80000"/>
+              <a:buFont typeface="Wingdings 3" charset="2"/>
+              <a:buChar char=""/>
+              <a:defRPr sz="1400" b="0" i="0" kern="1200">
+                <a:solidFill>
+                  <a:schemeClr val="tx1"/>
+                </a:solidFill>
+                <a:latin typeface="+mj-lt"/>
+                <a:ea typeface="+mj-ea"/>
+                <a:cs typeface="+mj-cs"/>
+              </a:defRPr>
+            </a:lvl7pPr>
+            <a:lvl8pPr marL="3429000" indent="-228600" algn="l" defTabSz="457200" rtl="0" eaLnBrk="1" latinLnBrk="0" hangingPunct="1">
+              <a:spcBef>
+                <a:spcPts val="1000"/>
+              </a:spcBef>
+              <a:spcAft>
+                <a:spcPts val="0"/>
+              </a:spcAft>
+              <a:buClr>
+                <a:schemeClr val="bg2">
+                  <a:lumMod val="40000"/>
+                  <a:lumOff val="60000"/>
+                </a:schemeClr>
+              </a:buClr>
+              <a:buSzPct val="80000"/>
+              <a:buFont typeface="Wingdings 3" charset="2"/>
+              <a:buChar char=""/>
+              <a:defRPr sz="1400" b="0" i="0" kern="1200">
+                <a:solidFill>
+                  <a:schemeClr val="tx1"/>
+                </a:solidFill>
+                <a:latin typeface="+mj-lt"/>
+                <a:ea typeface="+mj-ea"/>
+                <a:cs typeface="+mj-cs"/>
+              </a:defRPr>
+            </a:lvl8pPr>
+            <a:lvl9pPr marL="3886200" indent="-228600" algn="l" defTabSz="457200" rtl="0" eaLnBrk="1" latinLnBrk="0" hangingPunct="1">
+              <a:spcBef>
+                <a:spcPts val="1000"/>
+              </a:spcBef>
+              <a:spcAft>
+                <a:spcPts val="0"/>
+              </a:spcAft>
+              <a:buClr>
+                <a:schemeClr val="bg2">
+                  <a:lumMod val="40000"/>
+                  <a:lumOff val="60000"/>
+                </a:schemeClr>
+              </a:buClr>
+              <a:buSzPct val="80000"/>
+              <a:buFont typeface="Wingdings 3" charset="2"/>
+              <a:buChar char=""/>
+              <a:defRPr sz="1400" b="0" i="0" kern="1200">
+                <a:solidFill>
+                  <a:schemeClr val="tx1"/>
+                </a:solidFill>
+                <a:latin typeface="+mj-lt"/>
+                <a:ea typeface="+mj-ea"/>
+                <a:cs typeface="+mj-cs"/>
+              </a:defRPr>
+            </a:lvl9pPr>
+          </a:lstStyle>
+          <a:p>
+            <a:pPr algn="just"/>
+            <a:r>
+              <a:rPr lang="es-ES" dirty="0"/>
+              <a:t>Encapsula las llamadas con la API de Google para hacerlas más sencillas de utilizar desde la capa de </a:t>
+            </a:r>
+            <a:r>
+              <a:rPr lang="es-ES" dirty="0" smtClean="0"/>
+              <a:t>sistema.</a:t>
+            </a:r>
+            <a:endParaRPr lang="es-ES" dirty="0"/>
+          </a:p>
+        </p:txBody>
+      </p:sp>
+      <p:sp>
+        <p:nvSpPr>
+          <p:cNvPr id="5" name="Title 1"/>
+          <p:cNvSpPr txBox="1">
+            <a:spLocks/>
+          </p:cNvSpPr>
+          <p:nvPr/>
+        </p:nvSpPr>
+        <p:spPr>
+          <a:xfrm>
+            <a:off x="436605" y="1540475"/>
+            <a:ext cx="9404723" cy="586584"/>
+          </a:xfrm>
+          <a:prstGeom prst="rect">
+            <a:avLst/>
+          </a:prstGeom>
+        </p:spPr>
+        <p:txBody>
+          <a:bodyPr vert="horz" lIns="91440" tIns="45720" rIns="91440" bIns="45720" rtlCol="0" anchor="t">
+            <a:noAutofit/>
+          </a:bodyPr>
+          <a:lstStyle>
+            <a:lvl1pPr algn="l" defTabSz="457200" rtl="0" eaLnBrk="1" latinLnBrk="0" hangingPunct="1">
+              <a:spcBef>
+                <a:spcPct val="0"/>
+              </a:spcBef>
+              <a:buNone/>
+              <a:defRPr sz="4200" b="0" i="0" kern="1200">
+                <a:solidFill>
+                  <a:schemeClr val="tx2"/>
+                </a:solidFill>
+                <a:latin typeface="+mj-lt"/>
+                <a:ea typeface="+mj-ea"/>
+                <a:cs typeface="+mj-cs"/>
+              </a:defRPr>
+            </a:lvl1pPr>
+            <a:lvl2pPr eaLnBrk="1" hangingPunct="1">
+              <a:defRPr>
+                <a:solidFill>
+                  <a:schemeClr val="tx2"/>
+                </a:solidFill>
+              </a:defRPr>
+            </a:lvl2pPr>
+            <a:lvl3pPr eaLnBrk="1" hangingPunct="1">
+              <a:defRPr>
+                <a:solidFill>
+                  <a:schemeClr val="tx2"/>
+                </a:solidFill>
+              </a:defRPr>
+            </a:lvl3pPr>
+            <a:lvl4pPr eaLnBrk="1" hangingPunct="1">
+              <a:defRPr>
+                <a:solidFill>
+                  <a:schemeClr val="tx2"/>
+                </a:solidFill>
+              </a:defRPr>
+            </a:lvl4pPr>
+            <a:lvl5pPr eaLnBrk="1" hangingPunct="1">
+              <a:defRPr>
+                <a:solidFill>
+                  <a:schemeClr val="tx2"/>
+                </a:solidFill>
+              </a:defRPr>
+            </a:lvl5pPr>
+            <a:lvl6pPr eaLnBrk="1" hangingPunct="1">
+              <a:defRPr>
+                <a:solidFill>
+                  <a:schemeClr val="tx2"/>
+                </a:solidFill>
+              </a:defRPr>
+            </a:lvl6pPr>
+            <a:lvl7pPr eaLnBrk="1" hangingPunct="1">
+              <a:defRPr>
+                <a:solidFill>
+                  <a:schemeClr val="tx2"/>
+                </a:solidFill>
+              </a:defRPr>
+            </a:lvl7pPr>
+            <a:lvl8pPr eaLnBrk="1" hangingPunct="1">
+              <a:defRPr>
+                <a:solidFill>
+                  <a:schemeClr val="tx2"/>
+                </a:solidFill>
+              </a:defRPr>
+            </a:lvl8pPr>
+            <a:lvl9pPr eaLnBrk="1" hangingPunct="1">
+              <a:defRPr>
+                <a:solidFill>
+                  <a:schemeClr val="tx2"/>
+                </a:solidFill>
+              </a:defRPr>
+            </a:lvl9pPr>
+          </a:lstStyle>
+          <a:p>
+            <a:r>
+              <a:rPr lang="es-ES" sz="2800" dirty="0" smtClean="0"/>
+              <a:t>Capa de red</a:t>
+            </a:r>
+            <a:endParaRPr lang="es-ES" dirty="0"/>
+          </a:p>
+        </p:txBody>
+      </p:sp>
+      <p:sp>
+        <p:nvSpPr>
+          <p:cNvPr id="7" name="Content Placeholder 2"/>
+          <p:cNvSpPr txBox="1">
+            <a:spLocks/>
+          </p:cNvSpPr>
+          <p:nvPr/>
+        </p:nvSpPr>
+        <p:spPr>
+          <a:xfrm>
+            <a:off x="436605" y="4734335"/>
+            <a:ext cx="10492427" cy="1225742"/>
+          </a:xfrm>
+          <a:prstGeom prst="rect">
+            <a:avLst/>
+          </a:prstGeom>
+        </p:spPr>
+        <p:txBody>
+          <a:bodyPr vert="horz" lIns="91440" tIns="45720" rIns="91440" bIns="45720" rtlCol="0">
+            <a:normAutofit/>
+          </a:bodyPr>
+          <a:lstStyle>
+            <a:lvl1pPr marL="342900" indent="-342900" algn="l" defTabSz="457200" rtl="0" eaLnBrk="1" latinLnBrk="0" hangingPunct="1">
+              <a:spcBef>
+                <a:spcPts val="1000"/>
+              </a:spcBef>
+              <a:spcAft>
+                <a:spcPts val="0"/>
+              </a:spcAft>
+              <a:buClr>
+                <a:schemeClr val="bg2">
+                  <a:lumMod val="40000"/>
+                  <a:lumOff val="60000"/>
+                </a:schemeClr>
+              </a:buClr>
+              <a:buSzPct val="80000"/>
+              <a:buFont typeface="Wingdings 3" charset="2"/>
+              <a:buChar char=""/>
+              <a:defRPr sz="2000" b="0" i="0" kern="1200">
+                <a:solidFill>
+                  <a:schemeClr val="tx1"/>
+                </a:solidFill>
+                <a:latin typeface="+mj-lt"/>
+                <a:ea typeface="+mj-ea"/>
+                <a:cs typeface="+mj-cs"/>
+              </a:defRPr>
+            </a:lvl1pPr>
+            <a:lvl2pPr marL="742950" indent="-285750" algn="l" defTabSz="457200" rtl="0" eaLnBrk="1" latinLnBrk="0" hangingPunct="1">
+              <a:spcBef>
+                <a:spcPts val="1000"/>
+              </a:spcBef>
+              <a:spcAft>
+                <a:spcPts val="0"/>
+              </a:spcAft>
+              <a:buClr>
+                <a:schemeClr val="bg2">
+                  <a:lumMod val="40000"/>
+                  <a:lumOff val="60000"/>
+                </a:schemeClr>
+              </a:buClr>
+              <a:buSzPct val="80000"/>
+              <a:buFont typeface="Wingdings 3" charset="2"/>
+              <a:buChar char=""/>
+              <a:defRPr sz="1800" b="0" i="0" kern="1200">
+                <a:solidFill>
+                  <a:schemeClr val="tx1"/>
+                </a:solidFill>
+                <a:latin typeface="+mj-lt"/>
+                <a:ea typeface="+mj-ea"/>
+                <a:cs typeface="+mj-cs"/>
+              </a:defRPr>
+            </a:lvl2pPr>
+            <a:lvl3pPr marL="1143000" indent="-228600" algn="l" defTabSz="457200" rtl="0" eaLnBrk="1" latinLnBrk="0" hangingPunct="1">
+              <a:spcBef>
+                <a:spcPts val="1000"/>
+              </a:spcBef>
+              <a:spcAft>
+                <a:spcPts val="0"/>
+              </a:spcAft>
+              <a:buClr>
+                <a:schemeClr val="bg2">
+                  <a:lumMod val="40000"/>
+                  <a:lumOff val="60000"/>
+                </a:schemeClr>
+              </a:buClr>
+              <a:buSzPct val="80000"/>
+              <a:buFont typeface="Wingdings 3" charset="2"/>
+              <a:buChar char=""/>
+              <a:defRPr sz="1600" b="0" i="0" kern="1200">
+                <a:solidFill>
+                  <a:schemeClr val="tx1"/>
+                </a:solidFill>
+                <a:latin typeface="+mj-lt"/>
+                <a:ea typeface="+mj-ea"/>
+                <a:cs typeface="+mj-cs"/>
+              </a:defRPr>
+            </a:lvl3pPr>
+            <a:lvl4pPr marL="1600200" indent="-228600" algn="l" defTabSz="457200" rtl="0" eaLnBrk="1" latinLnBrk="0" hangingPunct="1">
+              <a:spcBef>
+                <a:spcPts val="1000"/>
+              </a:spcBef>
+              <a:spcAft>
+                <a:spcPts val="0"/>
+              </a:spcAft>
+              <a:buClr>
+                <a:schemeClr val="bg2">
+                  <a:lumMod val="40000"/>
+                  <a:lumOff val="60000"/>
+                </a:schemeClr>
+              </a:buClr>
+              <a:buSzPct val="80000"/>
+              <a:buFont typeface="Wingdings 3" charset="2"/>
+              <a:buChar char=""/>
+              <a:defRPr sz="1400" b="0" i="0" kern="1200">
+                <a:solidFill>
+                  <a:schemeClr val="tx1"/>
+                </a:solidFill>
+                <a:latin typeface="+mj-lt"/>
+                <a:ea typeface="+mj-ea"/>
+                <a:cs typeface="+mj-cs"/>
+              </a:defRPr>
+            </a:lvl4pPr>
+            <a:lvl5pPr marL="2057400" indent="-228600" algn="l" defTabSz="457200" rtl="0" eaLnBrk="1" latinLnBrk="0" hangingPunct="1">
+              <a:spcBef>
+                <a:spcPts val="1000"/>
+              </a:spcBef>
+              <a:spcAft>
+                <a:spcPts val="0"/>
+              </a:spcAft>
+              <a:buClr>
+                <a:schemeClr val="bg2">
+                  <a:lumMod val="40000"/>
+                  <a:lumOff val="60000"/>
+                </a:schemeClr>
+              </a:buClr>
+              <a:buSzPct val="80000"/>
+              <a:buFont typeface="Wingdings 3" charset="2"/>
+              <a:buChar char=""/>
+              <a:defRPr sz="1400" b="0" i="0" kern="1200">
+                <a:solidFill>
+                  <a:schemeClr val="tx1"/>
+                </a:solidFill>
+                <a:latin typeface="+mj-lt"/>
+                <a:ea typeface="+mj-ea"/>
+                <a:cs typeface="+mj-cs"/>
+              </a:defRPr>
+            </a:lvl5pPr>
+            <a:lvl6pPr marL="2506000" indent="-228600" algn="l" defTabSz="457200" rtl="0" eaLnBrk="1" latinLnBrk="0" hangingPunct="1">
+              <a:spcBef>
+                <a:spcPts val="1000"/>
+              </a:spcBef>
+              <a:spcAft>
+                <a:spcPts val="0"/>
+              </a:spcAft>
+              <a:buClr>
+                <a:schemeClr val="bg2">
+                  <a:lumMod val="40000"/>
+                  <a:lumOff val="60000"/>
+                </a:schemeClr>
+              </a:buClr>
+              <a:buSzPct val="80000"/>
+              <a:buFont typeface="Wingdings 3" charset="2"/>
+              <a:buChar char=""/>
+              <a:defRPr sz="1400" b="0" i="0" kern="1200">
+                <a:solidFill>
+                  <a:schemeClr val="tx1"/>
+                </a:solidFill>
+                <a:latin typeface="+mj-lt"/>
+                <a:ea typeface="+mj-ea"/>
+                <a:cs typeface="+mj-cs"/>
+              </a:defRPr>
+            </a:lvl6pPr>
+            <a:lvl7pPr marL="2971800" indent="-228600" algn="l" defTabSz="457200" rtl="0" eaLnBrk="1" latinLnBrk="0" hangingPunct="1">
+              <a:spcBef>
+                <a:spcPts val="1000"/>
+              </a:spcBef>
+              <a:spcAft>
+                <a:spcPts val="0"/>
+              </a:spcAft>
+              <a:buClr>
+                <a:schemeClr val="bg2">
+                  <a:lumMod val="40000"/>
+                  <a:lumOff val="60000"/>
+                </a:schemeClr>
+              </a:buClr>
+              <a:buSzPct val="80000"/>
+              <a:buFont typeface="Wingdings 3" charset="2"/>
+              <a:buChar char=""/>
+              <a:defRPr sz="1400" b="0" i="0" kern="1200">
+                <a:solidFill>
+                  <a:schemeClr val="tx1"/>
+                </a:solidFill>
+                <a:latin typeface="+mj-lt"/>
+                <a:ea typeface="+mj-ea"/>
+                <a:cs typeface="+mj-cs"/>
+              </a:defRPr>
+            </a:lvl7pPr>
+            <a:lvl8pPr marL="3429000" indent="-228600" algn="l" defTabSz="457200" rtl="0" eaLnBrk="1" latinLnBrk="0" hangingPunct="1">
+              <a:spcBef>
+                <a:spcPts val="1000"/>
+              </a:spcBef>
+              <a:spcAft>
+                <a:spcPts val="0"/>
+              </a:spcAft>
+              <a:buClr>
+                <a:schemeClr val="bg2">
+                  <a:lumMod val="40000"/>
+                  <a:lumOff val="60000"/>
+                </a:schemeClr>
+              </a:buClr>
+              <a:buSzPct val="80000"/>
+              <a:buFont typeface="Wingdings 3" charset="2"/>
+              <a:buChar char=""/>
+              <a:defRPr sz="1400" b="0" i="0" kern="1200">
+                <a:solidFill>
+                  <a:schemeClr val="tx1"/>
+                </a:solidFill>
+                <a:latin typeface="+mj-lt"/>
+                <a:ea typeface="+mj-ea"/>
+                <a:cs typeface="+mj-cs"/>
+              </a:defRPr>
+            </a:lvl8pPr>
+            <a:lvl9pPr marL="3886200" indent="-228600" algn="l" defTabSz="457200" rtl="0" eaLnBrk="1" latinLnBrk="0" hangingPunct="1">
+              <a:spcBef>
+                <a:spcPts val="1000"/>
+              </a:spcBef>
+              <a:spcAft>
+                <a:spcPts val="0"/>
+              </a:spcAft>
+              <a:buClr>
+                <a:schemeClr val="bg2">
+                  <a:lumMod val="40000"/>
+                  <a:lumOff val="60000"/>
+                </a:schemeClr>
+              </a:buClr>
+              <a:buSzPct val="80000"/>
+              <a:buFont typeface="Wingdings 3" charset="2"/>
+              <a:buChar char=""/>
+              <a:defRPr sz="1400" b="0" i="0" kern="1200">
+                <a:solidFill>
+                  <a:schemeClr val="tx1"/>
+                </a:solidFill>
+                <a:latin typeface="+mj-lt"/>
+                <a:ea typeface="+mj-ea"/>
+                <a:cs typeface="+mj-cs"/>
+              </a:defRPr>
+            </a:lvl9pPr>
+          </a:lstStyle>
+          <a:p>
+            <a:pPr algn="just"/>
+            <a:r>
+              <a:rPr lang="es-ES" dirty="0"/>
+              <a:t>Ofrece estructuras de datos eficientes para almacenar y gestionar en memoria la mayoría de datos de la aplicación, así como métodos para persistir la información necesaria y no tener que sincronizar el cliente con cada </a:t>
+            </a:r>
+            <a:r>
+              <a:rPr lang="es-ES" dirty="0" smtClean="0"/>
+              <a:t>ejecución.</a:t>
+            </a:r>
+            <a:endParaRPr lang="es-ES" dirty="0"/>
+          </a:p>
+        </p:txBody>
+      </p:sp>
+      <p:sp>
+        <p:nvSpPr>
+          <p:cNvPr id="8" name="Title 1"/>
+          <p:cNvSpPr txBox="1">
+            <a:spLocks/>
+          </p:cNvSpPr>
+          <p:nvPr/>
+        </p:nvSpPr>
+        <p:spPr>
+          <a:xfrm>
+            <a:off x="436605" y="3842951"/>
+            <a:ext cx="9404723" cy="586584"/>
+          </a:xfrm>
+          <a:prstGeom prst="rect">
+            <a:avLst/>
+          </a:prstGeom>
+        </p:spPr>
+        <p:txBody>
+          <a:bodyPr vert="horz" lIns="91440" tIns="45720" rIns="91440" bIns="45720" rtlCol="0" anchor="t">
+            <a:noAutofit/>
+          </a:bodyPr>
+          <a:lstStyle>
+            <a:lvl1pPr algn="l" defTabSz="457200" rtl="0" eaLnBrk="1" latinLnBrk="0" hangingPunct="1">
+              <a:spcBef>
+                <a:spcPct val="0"/>
+              </a:spcBef>
+              <a:buNone/>
+              <a:defRPr sz="4200" b="0" i="0" kern="1200">
+                <a:solidFill>
+                  <a:schemeClr val="tx2"/>
+                </a:solidFill>
+                <a:latin typeface="+mj-lt"/>
+                <a:ea typeface="+mj-ea"/>
+                <a:cs typeface="+mj-cs"/>
+              </a:defRPr>
+            </a:lvl1pPr>
+            <a:lvl2pPr eaLnBrk="1" hangingPunct="1">
+              <a:defRPr>
+                <a:solidFill>
+                  <a:schemeClr val="tx2"/>
+                </a:solidFill>
+              </a:defRPr>
+            </a:lvl2pPr>
+            <a:lvl3pPr eaLnBrk="1" hangingPunct="1">
+              <a:defRPr>
+                <a:solidFill>
+                  <a:schemeClr val="tx2"/>
+                </a:solidFill>
+              </a:defRPr>
+            </a:lvl3pPr>
+            <a:lvl4pPr eaLnBrk="1" hangingPunct="1">
+              <a:defRPr>
+                <a:solidFill>
+                  <a:schemeClr val="tx2"/>
+                </a:solidFill>
+              </a:defRPr>
+            </a:lvl4pPr>
+            <a:lvl5pPr eaLnBrk="1" hangingPunct="1">
+              <a:defRPr>
+                <a:solidFill>
+                  <a:schemeClr val="tx2"/>
+                </a:solidFill>
+              </a:defRPr>
+            </a:lvl5pPr>
+            <a:lvl6pPr eaLnBrk="1" hangingPunct="1">
+              <a:defRPr>
+                <a:solidFill>
+                  <a:schemeClr val="tx2"/>
+                </a:solidFill>
+              </a:defRPr>
+            </a:lvl6pPr>
+            <a:lvl7pPr eaLnBrk="1" hangingPunct="1">
+              <a:defRPr>
+                <a:solidFill>
+                  <a:schemeClr val="tx2"/>
+                </a:solidFill>
+              </a:defRPr>
+            </a:lvl7pPr>
+            <a:lvl8pPr eaLnBrk="1" hangingPunct="1">
+              <a:defRPr>
+                <a:solidFill>
+                  <a:schemeClr val="tx2"/>
+                </a:solidFill>
+              </a:defRPr>
+            </a:lvl8pPr>
+            <a:lvl9pPr eaLnBrk="1" hangingPunct="1">
+              <a:defRPr>
+                <a:solidFill>
+                  <a:schemeClr val="tx2"/>
+                </a:solidFill>
+              </a:defRPr>
+            </a:lvl9pPr>
+          </a:lstStyle>
+          <a:p>
+            <a:r>
+              <a:rPr lang="es-ES" sz="2800" dirty="0" smtClean="0"/>
+              <a:t>Capa de almacenamiento</a:t>
+            </a:r>
+            <a:endParaRPr lang="es-ES" dirty="0"/>
+          </a:p>
+        </p:txBody>
+      </p:sp>
+    </p:spTree>
+    <p:extLst>
+      <p:ext uri="{BB962C8B-B14F-4D97-AF65-F5344CB8AC3E}">
+        <p14:creationId xmlns:p14="http://schemas.microsoft.com/office/powerpoint/2010/main" val="3567115173"/>
+      </p:ext>
+    </p:extLst>
+  </p:cSld>
+  <p:clrMapOvr>
+    <a:masterClrMapping/>
+  </p:clrMapOvr>
+</p:sld>
+</file>
+
+<file path=ppt/slides/slide23.xml><?xml version="1.0" encoding="utf-8"?>
+<p:sld xmlns:a="http://schemas.openxmlformats.org/drawingml/2006/main" xmlns:r="http://schemas.openxmlformats.org/officeDocument/2006/relationships" xmlns:p="http://schemas.openxmlformats.org/presentationml/2006/main">
+  <p:cSld>
+    <p:spTree>
+      <p:nvGrpSpPr>
+        <p:cNvPr id="1" name=""/>
+        <p:cNvGrpSpPr/>
+        <p:nvPr/>
+      </p:nvGrpSpPr>
+      <p:grpSpPr>
+        <a:xfrm>
+          <a:off x="0" y="0"/>
+          <a:ext cx="0" cy="0"/>
+          <a:chOff x="0" y="0"/>
+          <a:chExt cx="0" cy="0"/>
+        </a:xfrm>
+      </p:grpSpPr>
+      <p:sp>
+        <p:nvSpPr>
+          <p:cNvPr id="2" name="Title 1"/>
+          <p:cNvSpPr>
+            <a:spLocks noGrp="1"/>
+          </p:cNvSpPr>
+          <p:nvPr>
+            <p:ph type="title"/>
+          </p:nvPr>
+        </p:nvSpPr>
+        <p:spPr>
+          <a:xfrm>
+            <a:off x="646111" y="452718"/>
+            <a:ext cx="9404723" cy="782958"/>
+          </a:xfrm>
+        </p:spPr>
+        <p:txBody>
+          <a:bodyPr/>
+          <a:lstStyle/>
+          <a:p>
+            <a:r>
+              <a:rPr lang="es-ES" b="1" dirty="0" smtClean="0"/>
+              <a:t>Otras librerías utilizadas</a:t>
+            </a:r>
+            <a:endParaRPr lang="es-ES" b="1" dirty="0"/>
+          </a:p>
+        </p:txBody>
+      </p:sp>
+      <p:sp>
+        <p:nvSpPr>
+          <p:cNvPr id="3" name="Content Placeholder 2"/>
+          <p:cNvSpPr>
+            <a:spLocks noGrp="1"/>
+          </p:cNvSpPr>
+          <p:nvPr>
+            <p:ph idx="1"/>
+          </p:nvPr>
+        </p:nvSpPr>
+        <p:spPr>
+          <a:xfrm>
+            <a:off x="436605" y="1532238"/>
+            <a:ext cx="11071654" cy="4744994"/>
+          </a:xfrm>
+        </p:spPr>
+        <p:txBody>
+          <a:bodyPr>
+            <a:normAutofit/>
+          </a:bodyPr>
+          <a:lstStyle/>
+          <a:p>
+            <a:pPr marL="0" indent="0" algn="just">
+              <a:buNone/>
+            </a:pPr>
+            <a:r>
+              <a:rPr lang="es-ES" dirty="0" smtClean="0"/>
+              <a:t>Además </a:t>
+            </a:r>
+            <a:r>
+              <a:rPr lang="es-ES" dirty="0"/>
+              <a:t>de las librerías mencionadas (LESS.js, </a:t>
+            </a:r>
+            <a:r>
+              <a:rPr lang="es-ES" dirty="0" err="1"/>
+              <a:t>AngularJS</a:t>
+            </a:r>
+            <a:r>
+              <a:rPr lang="es-ES" dirty="0"/>
+              <a:t>, API de Google, reveal.js), </a:t>
+            </a:r>
+            <a:r>
+              <a:rPr lang="es-ES" dirty="0" err="1"/>
+              <a:t>BlackMail</a:t>
+            </a:r>
+            <a:r>
+              <a:rPr lang="es-ES" dirty="0"/>
+              <a:t> utiliza otras librerías y </a:t>
+            </a:r>
+            <a:r>
+              <a:rPr lang="es-ES" dirty="0" err="1"/>
+              <a:t>frameworks</a:t>
+            </a:r>
+            <a:r>
+              <a:rPr lang="es-ES" dirty="0"/>
+              <a:t> que también merecen ser mencionadas</a:t>
+            </a:r>
+            <a:r>
+              <a:rPr lang="es-ES" dirty="0" smtClean="0"/>
+              <a:t>.</a:t>
+            </a:r>
+          </a:p>
+          <a:p>
+            <a:pPr algn="just"/>
+            <a:r>
+              <a:rPr lang="es-ES" dirty="0" err="1" smtClean="0"/>
+              <a:t>Bootstrap</a:t>
+            </a:r>
+            <a:r>
+              <a:rPr lang="es-ES" dirty="0" smtClean="0"/>
+              <a:t> (por Twitter): </a:t>
+            </a:r>
+            <a:r>
+              <a:rPr lang="es-ES" dirty="0"/>
+              <a:t>Framework CSS que ayuda mucho en la elaboración de un diseño adaptativo. </a:t>
+            </a:r>
+            <a:endParaRPr lang="es-ES" dirty="0" smtClean="0"/>
+          </a:p>
+          <a:p>
+            <a:pPr algn="just"/>
+            <a:r>
+              <a:rPr lang="es-ES" dirty="0" err="1" smtClean="0"/>
+              <a:t>Prefixfree</a:t>
+            </a:r>
+            <a:r>
+              <a:rPr lang="es-ES" dirty="0" smtClean="0"/>
+              <a:t> (por Lea </a:t>
+            </a:r>
+            <a:r>
+              <a:rPr lang="es-ES" dirty="0" err="1" smtClean="0"/>
+              <a:t>Verou</a:t>
+            </a:r>
+            <a:r>
+              <a:rPr lang="es-ES" dirty="0" smtClean="0"/>
+              <a:t>): </a:t>
+            </a:r>
+            <a:r>
+              <a:rPr lang="es-ES" dirty="0"/>
+              <a:t>Librería JavaScript que elimina la necesidad de incluir sentencias CSS específicas para cada navegador. </a:t>
+            </a:r>
+            <a:endParaRPr lang="es-ES" dirty="0" smtClean="0"/>
+          </a:p>
+          <a:p>
+            <a:pPr algn="just"/>
+            <a:r>
+              <a:rPr lang="es-ES" dirty="0" smtClean="0"/>
+              <a:t>Base64 (por Dan </a:t>
+            </a:r>
+            <a:r>
+              <a:rPr lang="es-ES" dirty="0" err="1" smtClean="0"/>
+              <a:t>Kogai</a:t>
+            </a:r>
+            <a:r>
+              <a:rPr lang="es-ES" dirty="0" smtClean="0"/>
+              <a:t>): </a:t>
+            </a:r>
+            <a:r>
+              <a:rPr lang="es-ES" dirty="0"/>
+              <a:t>Librería JavaScript para codificar y descodificar en </a:t>
+            </a:r>
+            <a:r>
+              <a:rPr lang="es-ES" dirty="0" smtClean="0"/>
+              <a:t>base64 </a:t>
+            </a:r>
+            <a:r>
+              <a:rPr lang="es-ES" i="1" dirty="0" smtClean="0"/>
+              <a:t>web </a:t>
+            </a:r>
+            <a:r>
+              <a:rPr lang="es-ES" i="1" dirty="0" err="1" smtClean="0"/>
+              <a:t>safe</a:t>
+            </a:r>
+            <a:r>
+              <a:rPr lang="es-ES" dirty="0" smtClean="0"/>
+              <a:t>, </a:t>
+            </a:r>
+            <a:r>
+              <a:rPr lang="es-ES" dirty="0"/>
+              <a:t>codificación utilizada en mensajes y adjuntos en la API de Google</a:t>
+            </a:r>
+            <a:r>
+              <a:rPr lang="es-ES" dirty="0" smtClean="0"/>
+              <a:t>.</a:t>
+            </a:r>
+          </a:p>
+          <a:p>
+            <a:pPr algn="just"/>
+            <a:r>
+              <a:rPr lang="es-ES" dirty="0" err="1" smtClean="0"/>
+              <a:t>Perfect</a:t>
+            </a:r>
+            <a:r>
+              <a:rPr lang="es-ES" dirty="0" smtClean="0"/>
+              <a:t> </a:t>
+            </a:r>
+            <a:r>
+              <a:rPr lang="es-ES" dirty="0" err="1" smtClean="0"/>
+              <a:t>Scrollbar</a:t>
+            </a:r>
+            <a:r>
+              <a:rPr lang="es-ES" dirty="0" smtClean="0"/>
+              <a:t> (por </a:t>
+            </a:r>
+            <a:r>
+              <a:rPr lang="es-ES" dirty="0" err="1" smtClean="0"/>
+              <a:t>Noraesae</a:t>
+            </a:r>
+            <a:r>
+              <a:rPr lang="es-ES" dirty="0" smtClean="0"/>
+              <a:t>): </a:t>
+            </a:r>
+            <a:r>
+              <a:rPr lang="es-ES" dirty="0"/>
+              <a:t>Sustituye las horrorosas barras de desplazamiento nativas por unas mucho más bonitas y </a:t>
+            </a:r>
+            <a:r>
+              <a:rPr lang="es-ES" dirty="0" smtClean="0"/>
+              <a:t>con un aire más moderno, </a:t>
+            </a:r>
+            <a:r>
+              <a:rPr lang="es-ES" dirty="0"/>
+              <a:t>unificando la experiencia en los distintos sistemas operativos y </a:t>
+            </a:r>
+            <a:r>
+              <a:rPr lang="es-ES" dirty="0" smtClean="0"/>
+              <a:t>navegadores.</a:t>
+            </a:r>
+            <a:endParaRPr lang="es-ES" dirty="0" smtClean="0"/>
+          </a:p>
+        </p:txBody>
+      </p:sp>
+    </p:spTree>
+    <p:extLst>
+      <p:ext uri="{BB962C8B-B14F-4D97-AF65-F5344CB8AC3E}">
+        <p14:creationId xmlns:p14="http://schemas.microsoft.com/office/powerpoint/2010/main" val="3046670782"/>
+      </p:ext>
+    </p:extLst>
+  </p:cSld>
+  <p:clrMapOvr>
+    <a:masterClrMapping/>
+  </p:clrMapOvr>
+</p:sld>
+</file>
+
+<file path=ppt/slides/slide24.xml><?xml version="1.0" encoding="utf-8"?>
+<p:sld xmlns:a="http://schemas.openxmlformats.org/drawingml/2006/main" xmlns:r="http://schemas.openxmlformats.org/officeDocument/2006/relationships" xmlns:p="http://schemas.openxmlformats.org/presentationml/2006/main">
+  <p:cSld>
+    <p:spTree>
+      <p:nvGrpSpPr>
+        <p:cNvPr id="1" name=""/>
+        <p:cNvGrpSpPr/>
+        <p:nvPr/>
+      </p:nvGrpSpPr>
+      <p:grpSpPr>
+        <a:xfrm>
+          <a:off x="0" y="0"/>
+          <a:ext cx="0" cy="0"/>
+          <a:chOff x="0" y="0"/>
+          <a:chExt cx="0" cy="0"/>
+        </a:xfrm>
+      </p:grpSpPr>
+      <p:sp>
+        <p:nvSpPr>
+          <p:cNvPr id="2" name="Title 1"/>
+          <p:cNvSpPr>
+            <a:spLocks noGrp="1"/>
+          </p:cNvSpPr>
+          <p:nvPr>
+            <p:ph type="title"/>
+          </p:nvPr>
+        </p:nvSpPr>
+        <p:spPr>
+          <a:xfrm>
+            <a:off x="646111" y="452718"/>
+            <a:ext cx="9404723" cy="782958"/>
+          </a:xfrm>
+        </p:spPr>
+        <p:txBody>
+          <a:bodyPr/>
+          <a:lstStyle/>
+          <a:p>
+            <a:r>
+              <a:rPr lang="es-ES" b="1" dirty="0" smtClean="0"/>
+              <a:t>Otras librerías utilizadas</a:t>
+            </a:r>
+            <a:endParaRPr lang="es-ES" b="1" dirty="0"/>
+          </a:p>
+        </p:txBody>
+      </p:sp>
+      <p:sp>
+        <p:nvSpPr>
+          <p:cNvPr id="3" name="Content Placeholder 2"/>
+          <p:cNvSpPr>
+            <a:spLocks noGrp="1"/>
+          </p:cNvSpPr>
+          <p:nvPr>
+            <p:ph idx="1"/>
+          </p:nvPr>
+        </p:nvSpPr>
+        <p:spPr>
+          <a:xfrm>
+            <a:off x="436605" y="1532238"/>
+            <a:ext cx="11071654" cy="4744994"/>
+          </a:xfrm>
+        </p:spPr>
+        <p:txBody>
+          <a:bodyPr>
+            <a:normAutofit/>
+          </a:bodyPr>
+          <a:lstStyle/>
+          <a:p>
+            <a:pPr algn="just"/>
+            <a:r>
+              <a:rPr lang="es-ES" dirty="0" smtClean="0"/>
+              <a:t>Lo-</a:t>
+            </a:r>
+            <a:r>
+              <a:rPr lang="es-ES" dirty="0" err="1" smtClean="0"/>
+              <a:t>Dash</a:t>
+            </a:r>
+            <a:r>
+              <a:rPr lang="es-ES" dirty="0" smtClean="0"/>
+              <a:t> (por el equipo de Lo-</a:t>
+            </a:r>
+            <a:r>
+              <a:rPr lang="es-ES" dirty="0" err="1" smtClean="0"/>
+              <a:t>Dash</a:t>
+            </a:r>
+            <a:r>
+              <a:rPr lang="es-ES" dirty="0" smtClean="0"/>
+              <a:t>): </a:t>
+            </a:r>
+            <a:r>
+              <a:rPr lang="es-ES" dirty="0"/>
+              <a:t>Ofrece distintas funciones muy bien optimizadas para manipular grandes cantidades de datos o </a:t>
+            </a:r>
+            <a:r>
+              <a:rPr lang="es-ES" dirty="0" smtClean="0"/>
+              <a:t>ayudar a desarrollar algoritmos </a:t>
+            </a:r>
+            <a:r>
+              <a:rPr lang="es-ES" dirty="0"/>
+              <a:t>complejos. </a:t>
+            </a:r>
+            <a:r>
+              <a:rPr lang="es-ES" dirty="0" smtClean="0"/>
+              <a:t>Enfocada en el rendimiento, prometen ser más rápidas que las funciones nativas a las que sustituye.</a:t>
+            </a:r>
+          </a:p>
+          <a:p>
+            <a:pPr algn="just"/>
+            <a:r>
+              <a:rPr lang="es-ES" dirty="0" err="1" smtClean="0"/>
+              <a:t>Lz-String</a:t>
+            </a:r>
+            <a:r>
+              <a:rPr lang="es-ES" dirty="0" smtClean="0"/>
+              <a:t> (por </a:t>
+            </a:r>
+            <a:r>
+              <a:rPr lang="es-ES" dirty="0" err="1" smtClean="0"/>
+              <a:t>Pieroxy</a:t>
+            </a:r>
+            <a:r>
+              <a:rPr lang="es-ES" dirty="0"/>
+              <a:t>): </a:t>
+            </a:r>
+            <a:r>
+              <a:rPr lang="es-ES" dirty="0" smtClean="0"/>
+              <a:t>Comprime </a:t>
+            </a:r>
+            <a:r>
+              <a:rPr lang="es-ES" dirty="0"/>
+              <a:t>y descomprime elementos JSON para un almacenamiento óptimo en </a:t>
+            </a:r>
+            <a:r>
+              <a:rPr lang="es-ES" dirty="0" err="1" smtClean="0"/>
+              <a:t>localStorage</a:t>
+            </a:r>
+            <a:r>
+              <a:rPr lang="es-ES" dirty="0" smtClean="0"/>
+              <a:t>, utilizando un algoritmo de compresión sin pérdidas, con una compresión de alrededor del 75% y bastante rápido para </a:t>
+            </a:r>
+            <a:r>
+              <a:rPr lang="es-ES" smtClean="0"/>
+              <a:t>su uso en navegadores.</a:t>
+            </a:r>
+            <a:endParaRPr lang="es-ES" dirty="0" smtClean="0"/>
+          </a:p>
+        </p:txBody>
+      </p:sp>
+    </p:spTree>
+    <p:extLst>
+      <p:ext uri="{BB962C8B-B14F-4D97-AF65-F5344CB8AC3E}">
+        <p14:creationId xmlns:p14="http://schemas.microsoft.com/office/powerpoint/2010/main" val="407518573"/>
       </p:ext>
     </p:extLst>
   </p:cSld>
